--- a/#30DQUERY/Challengers Master.pptx
+++ b/#30DQUERY/Challengers Master.pptx
@@ -5,7 +5,7 @@
     <p:sldMasterId id="2147483685" r:id="rId1"/>
   </p:sldMasterIdLst>
   <p:notesMasterIdLst>
-    <p:notesMasterId r:id="rId10"/>
+    <p:notesMasterId r:id="rId22"/>
   </p:notesMasterIdLst>
   <p:sldIdLst>
     <p:sldId id="2366" r:id="rId2"/>
@@ -16,6 +16,18 @@
     <p:sldId id="2365" r:id="rId7"/>
     <p:sldId id="2367" r:id="rId8"/>
     <p:sldId id="2372" r:id="rId9"/>
+    <p:sldId id="2374" r:id="rId10"/>
+    <p:sldId id="2375" r:id="rId11"/>
+    <p:sldId id="2383" r:id="rId12"/>
+    <p:sldId id="2378" r:id="rId13"/>
+    <p:sldId id="2379" r:id="rId14"/>
+    <p:sldId id="2380" r:id="rId15"/>
+    <p:sldId id="2376" r:id="rId16"/>
+    <p:sldId id="2381" r:id="rId17"/>
+    <p:sldId id="2382" r:id="rId18"/>
+    <p:sldId id="2384" r:id="rId19"/>
+    <p:sldId id="2385" r:id="rId20"/>
+    <p:sldId id="2386" r:id="rId21"/>
   </p:sldIdLst>
   <p:sldSz cx="12192000" cy="6858000"/>
   <p:notesSz cx="7315200" cy="9601200"/>
@@ -137,7 +149,7 @@
 <file path=ppt/revisionInfo.xml><?xml version="1.0" encoding="utf-8"?>
 <p1510:revInfo xmlns:a="http://schemas.openxmlformats.org/drawingml/2006/main" xmlns:r="http://schemas.openxmlformats.org/officeDocument/2006/relationships" xmlns:p1510="http://schemas.microsoft.com/office/powerpoint/2015/10/main">
   <p1510:revLst>
-    <p1510:client id="{2D8D19F0-6731-4889-8F68-9904B89227DE}" v="12" dt="2020-05-09T02:24:56.164"/>
+    <p1510:client id="{2D8D19F0-6731-4889-8F68-9904B89227DE}" v="22" dt="2020-05-18T20:55:36.323"/>
   </p1510:revLst>
 </p1510:revInfo>
 </file>
@@ -178,8 +190,8 @@
   </pc:docChgLst>
   <pc:docChgLst>
     <pc:chgData name="Alex Powers" userId="ae4a1fc7-4395-46d3-b2f1-3b3c37036ad1" providerId="ADAL" clId="{2D8D19F0-6731-4889-8F68-9904B89227DE}"/>
-    <pc:docChg chg="undo custSel addSld delSld modSld sldOrd modSection">
-      <pc:chgData name="Alex Powers" userId="ae4a1fc7-4395-46d3-b2f1-3b3c37036ad1" providerId="ADAL" clId="{2D8D19F0-6731-4889-8F68-9904B89227DE}" dt="2020-05-09T12:33:01.976" v="4655" actId="20577"/>
+    <pc:docChg chg="undo custSel addSld delSld modSld sldOrd delSection modSection">
+      <pc:chgData name="Alex Powers" userId="ae4a1fc7-4395-46d3-b2f1-3b3c37036ad1" providerId="ADAL" clId="{2D8D19F0-6731-4889-8F68-9904B89227DE}" dt="2020-05-18T21:00:19.108" v="7252" actId="20577"/>
       <pc:docMkLst>
         <pc:docMk/>
       </pc:docMkLst>
@@ -380,7 +392,7 @@
         </pc:spChg>
       </pc:sldChg>
       <pc:sldChg chg="modSp add mod">
-        <pc:chgData name="Alex Powers" userId="ae4a1fc7-4395-46d3-b2f1-3b3c37036ad1" providerId="ADAL" clId="{2D8D19F0-6731-4889-8F68-9904B89227DE}" dt="2020-05-09T00:38:38.937" v="4048" actId="20577"/>
+        <pc:chgData name="Alex Powers" userId="ae4a1fc7-4395-46d3-b2f1-3b3c37036ad1" providerId="ADAL" clId="{2D8D19F0-6731-4889-8F68-9904B89227DE}" dt="2020-05-12T12:14:37.616" v="5799" actId="20577"/>
         <pc:sldMkLst>
           <pc:docMk/>
           <pc:sldMk cId="365658351" sldId="2375"/>
@@ -394,7 +406,7 @@
           </ac:spMkLst>
         </pc:spChg>
         <pc:spChg chg="mod">
-          <ac:chgData name="Alex Powers" userId="ae4a1fc7-4395-46d3-b2f1-3b3c37036ad1" providerId="ADAL" clId="{2D8D19F0-6731-4889-8F68-9904B89227DE}" dt="2020-05-09T00:38:38.937" v="4048" actId="20577"/>
+          <ac:chgData name="Alex Powers" userId="ae4a1fc7-4395-46d3-b2f1-3b3c37036ad1" providerId="ADAL" clId="{2D8D19F0-6731-4889-8F68-9904B89227DE}" dt="2020-05-12T12:14:37.616" v="5799" actId="20577"/>
           <ac:spMkLst>
             <pc:docMk/>
             <pc:sldMk cId="365658351" sldId="2375"/>
@@ -403,7 +415,7 @@
         </pc:spChg>
       </pc:sldChg>
       <pc:sldChg chg="modSp add mod">
-        <pc:chgData name="Alex Powers" userId="ae4a1fc7-4395-46d3-b2f1-3b3c37036ad1" providerId="ADAL" clId="{2D8D19F0-6731-4889-8F68-9904B89227DE}" dt="2020-05-09T02:33:05.581" v="4653" actId="20577"/>
+        <pc:chgData name="Alex Powers" userId="ae4a1fc7-4395-46d3-b2f1-3b3c37036ad1" providerId="ADAL" clId="{2D8D19F0-6731-4889-8F68-9904B89227DE}" dt="2020-05-11T01:21:35.779" v="4745" actId="20577"/>
         <pc:sldMkLst>
           <pc:docMk/>
           <pc:sldMk cId="461823728" sldId="2376"/>
@@ -417,7 +429,7 @@
           </ac:spMkLst>
         </pc:spChg>
         <pc:spChg chg="mod">
-          <ac:chgData name="Alex Powers" userId="ae4a1fc7-4395-46d3-b2f1-3b3c37036ad1" providerId="ADAL" clId="{2D8D19F0-6731-4889-8F68-9904B89227DE}" dt="2020-05-05T02:25:37.875" v="2790" actId="20577"/>
+          <ac:chgData name="Alex Powers" userId="ae4a1fc7-4395-46d3-b2f1-3b3c37036ad1" providerId="ADAL" clId="{2D8D19F0-6731-4889-8F68-9904B89227DE}" dt="2020-05-11T01:21:35.779" v="4745" actId="20577"/>
           <ac:spMkLst>
             <pc:docMk/>
             <pc:sldMk cId="461823728" sldId="2376"/>
@@ -425,8 +437,8 @@
           </ac:spMkLst>
         </pc:spChg>
       </pc:sldChg>
-      <pc:sldChg chg="modSp add mod ord">
-        <pc:chgData name="Alex Powers" userId="ae4a1fc7-4395-46d3-b2f1-3b3c37036ad1" providerId="ADAL" clId="{2D8D19F0-6731-4889-8F68-9904B89227DE}" dt="2020-05-09T00:30:35.328" v="3939" actId="20577"/>
+      <pc:sldChg chg="modSp add del mod ord">
+        <pc:chgData name="Alex Powers" userId="ae4a1fc7-4395-46d3-b2f1-3b3c37036ad1" providerId="ADAL" clId="{2D8D19F0-6731-4889-8F68-9904B89227DE}" dt="2020-05-12T00:54:25.551" v="4884" actId="47"/>
         <pc:sldMkLst>
           <pc:docMk/>
           <pc:sldMk cId="3094880568" sldId="2377"/>
@@ -472,7 +484,7 @@
         </pc:spChg>
       </pc:sldChg>
       <pc:sldChg chg="modSp add mod">
-        <pc:chgData name="Alex Powers" userId="ae4a1fc7-4395-46d3-b2f1-3b3c37036ad1" providerId="ADAL" clId="{2D8D19F0-6731-4889-8F68-9904B89227DE}" dt="2020-05-09T02:32:48.550" v="4651" actId="20577"/>
+        <pc:chgData name="Alex Powers" userId="ae4a1fc7-4395-46d3-b2f1-3b3c37036ad1" providerId="ADAL" clId="{2D8D19F0-6731-4889-8F68-9904B89227DE}" dt="2020-05-14T16:52:16.547" v="5828" actId="6549"/>
         <pc:sldMkLst>
           <pc:docMk/>
           <pc:sldMk cId="607250520" sldId="2379"/>
@@ -486,7 +498,7 @@
           </ac:spMkLst>
         </pc:spChg>
         <pc:spChg chg="mod">
-          <ac:chgData name="Alex Powers" userId="ae4a1fc7-4395-46d3-b2f1-3b3c37036ad1" providerId="ADAL" clId="{2D8D19F0-6731-4889-8F68-9904B89227DE}" dt="2020-05-09T02:32:48.550" v="4651" actId="20577"/>
+          <ac:chgData name="Alex Powers" userId="ae4a1fc7-4395-46d3-b2f1-3b3c37036ad1" providerId="ADAL" clId="{2D8D19F0-6731-4889-8F68-9904B89227DE}" dt="2020-05-14T16:52:16.547" v="5828" actId="6549"/>
           <ac:spMkLst>
             <pc:docMk/>
             <pc:sldMk cId="607250520" sldId="2379"/>
@@ -495,7 +507,7 @@
         </pc:spChg>
       </pc:sldChg>
       <pc:sldChg chg="modSp add mod">
-        <pc:chgData name="Alex Powers" userId="ae4a1fc7-4395-46d3-b2f1-3b3c37036ad1" providerId="ADAL" clId="{2D8D19F0-6731-4889-8F68-9904B89227DE}" dt="2020-05-09T02:31:50.084" v="4631" actId="20577"/>
+        <pc:chgData name="Alex Powers" userId="ae4a1fc7-4395-46d3-b2f1-3b3c37036ad1" providerId="ADAL" clId="{2D8D19F0-6731-4889-8F68-9904B89227DE}" dt="2020-05-14T16:52:41.774" v="5851"/>
         <pc:sldMkLst>
           <pc:docMk/>
           <pc:sldMk cId="3867962683" sldId="2380"/>
@@ -509,10 +521,224 @@
           </ac:spMkLst>
         </pc:spChg>
         <pc:spChg chg="mod">
-          <ac:chgData name="Alex Powers" userId="ae4a1fc7-4395-46d3-b2f1-3b3c37036ad1" providerId="ADAL" clId="{2D8D19F0-6731-4889-8F68-9904B89227DE}" dt="2020-05-09T02:31:50.084" v="4631" actId="20577"/>
+          <ac:chgData name="Alex Powers" userId="ae4a1fc7-4395-46d3-b2f1-3b3c37036ad1" providerId="ADAL" clId="{2D8D19F0-6731-4889-8F68-9904B89227DE}" dt="2020-05-14T16:52:41.774" v="5851"/>
           <ac:spMkLst>
             <pc:docMk/>
             <pc:sldMk cId="3867962683" sldId="2380"/>
+            <ac:spMk id="3" creationId="{9018F955-A657-41BA-ACD4-9BF462F38431}"/>
+          </ac:spMkLst>
+        </pc:spChg>
+      </pc:sldChg>
+      <pc:sldChg chg="modSp add mod ord">
+        <pc:chgData name="Alex Powers" userId="ae4a1fc7-4395-46d3-b2f1-3b3c37036ad1" providerId="ADAL" clId="{2D8D19F0-6731-4889-8F68-9904B89227DE}" dt="2020-05-12T01:00:22.137" v="5142" actId="20577"/>
+        <pc:sldMkLst>
+          <pc:docMk/>
+          <pc:sldMk cId="3878580788" sldId="2381"/>
+        </pc:sldMkLst>
+        <pc:spChg chg="mod">
+          <ac:chgData name="Alex Powers" userId="ae4a1fc7-4395-46d3-b2f1-3b3c37036ad1" providerId="ADAL" clId="{2D8D19F0-6731-4889-8F68-9904B89227DE}" dt="2020-05-11T01:22:39.617" v="4750" actId="20577"/>
+          <ac:spMkLst>
+            <pc:docMk/>
+            <pc:sldMk cId="3878580788" sldId="2381"/>
+            <ac:spMk id="2" creationId="{16D1DAA1-7514-47A2-892A-8155447F1779}"/>
+          </ac:spMkLst>
+        </pc:spChg>
+        <pc:spChg chg="mod">
+          <ac:chgData name="Alex Powers" userId="ae4a1fc7-4395-46d3-b2f1-3b3c37036ad1" providerId="ADAL" clId="{2D8D19F0-6731-4889-8F68-9904B89227DE}" dt="2020-05-12T01:00:22.137" v="5142" actId="20577"/>
+          <ac:spMkLst>
+            <pc:docMk/>
+            <pc:sldMk cId="3878580788" sldId="2381"/>
+            <ac:spMk id="3" creationId="{9018F955-A657-41BA-ACD4-9BF462F38431}"/>
+          </ac:spMkLst>
+        </pc:spChg>
+      </pc:sldChg>
+      <pc:sldChg chg="modSp add mod">
+        <pc:chgData name="Alex Powers" userId="ae4a1fc7-4395-46d3-b2f1-3b3c37036ad1" providerId="ADAL" clId="{2D8D19F0-6731-4889-8F68-9904B89227DE}" dt="2020-05-12T01:54:14.732" v="5650" actId="20577"/>
+        <pc:sldMkLst>
+          <pc:docMk/>
+          <pc:sldMk cId="517911535" sldId="2382"/>
+        </pc:sldMkLst>
+        <pc:spChg chg="mod">
+          <ac:chgData name="Alex Powers" userId="ae4a1fc7-4395-46d3-b2f1-3b3c37036ad1" providerId="ADAL" clId="{2D8D19F0-6731-4889-8F68-9904B89227DE}" dt="2020-05-11T01:24:34.652" v="4840" actId="20577"/>
+          <ac:spMkLst>
+            <pc:docMk/>
+            <pc:sldMk cId="517911535" sldId="2382"/>
+            <ac:spMk id="2" creationId="{16D1DAA1-7514-47A2-892A-8155447F1779}"/>
+          </ac:spMkLst>
+        </pc:spChg>
+        <pc:spChg chg="mod">
+          <ac:chgData name="Alex Powers" userId="ae4a1fc7-4395-46d3-b2f1-3b3c37036ad1" providerId="ADAL" clId="{2D8D19F0-6731-4889-8F68-9904B89227DE}" dt="2020-05-12T01:54:14.732" v="5650" actId="20577"/>
+          <ac:spMkLst>
+            <pc:docMk/>
+            <pc:sldMk cId="517911535" sldId="2382"/>
+            <ac:spMk id="3" creationId="{9018F955-A657-41BA-ACD4-9BF462F38431}"/>
+          </ac:spMkLst>
+        </pc:spChg>
+      </pc:sldChg>
+      <pc:sldChg chg="add ord">
+        <pc:chgData name="Alex Powers" userId="ae4a1fc7-4395-46d3-b2f1-3b3c37036ad1" providerId="ADAL" clId="{2D8D19F0-6731-4889-8F68-9904B89227DE}" dt="2020-05-11T01:24:21.125" v="4836" actId="20578"/>
+        <pc:sldMkLst>
+          <pc:docMk/>
+          <pc:sldMk cId="1718158489" sldId="2383"/>
+        </pc:sldMkLst>
+      </pc:sldChg>
+      <pc:sldChg chg="modSp add mod ord">
+        <pc:chgData name="Alex Powers" userId="ae4a1fc7-4395-46d3-b2f1-3b3c37036ad1" providerId="ADAL" clId="{2D8D19F0-6731-4889-8F68-9904B89227DE}" dt="2020-05-12T01:53:23.391" v="5639" actId="20577"/>
+        <pc:sldMkLst>
+          <pc:docMk/>
+          <pc:sldMk cId="1246364726" sldId="2384"/>
+        </pc:sldMkLst>
+        <pc:spChg chg="mod">
+          <ac:chgData name="Alex Powers" userId="ae4a1fc7-4395-46d3-b2f1-3b3c37036ad1" providerId="ADAL" clId="{2D8D19F0-6731-4889-8F68-9904B89227DE}" dt="2020-05-11T01:25:18.108" v="4883" actId="20577"/>
+          <ac:spMkLst>
+            <pc:docMk/>
+            <pc:sldMk cId="1246364726" sldId="2384"/>
+            <ac:spMk id="2" creationId="{16D1DAA1-7514-47A2-892A-8155447F1779}"/>
+          </ac:spMkLst>
+        </pc:spChg>
+        <pc:spChg chg="mod">
+          <ac:chgData name="Alex Powers" userId="ae4a1fc7-4395-46d3-b2f1-3b3c37036ad1" providerId="ADAL" clId="{2D8D19F0-6731-4889-8F68-9904B89227DE}" dt="2020-05-12T01:53:23.391" v="5639" actId="20577"/>
+          <ac:spMkLst>
+            <pc:docMk/>
+            <pc:sldMk cId="1246364726" sldId="2384"/>
+            <ac:spMk id="3" creationId="{9018F955-A657-41BA-ACD4-9BF462F38431}"/>
+          </ac:spMkLst>
+        </pc:spChg>
+      </pc:sldChg>
+      <pc:sldChg chg="modSp add mod">
+        <pc:chgData name="Alex Powers" userId="ae4a1fc7-4395-46d3-b2f1-3b3c37036ad1" providerId="ADAL" clId="{2D8D19F0-6731-4889-8F68-9904B89227DE}" dt="2020-05-18T17:14:52.357" v="6189" actId="20577"/>
+        <pc:sldMkLst>
+          <pc:docMk/>
+          <pc:sldMk cId="2950532409" sldId="2385"/>
+        </pc:sldMkLst>
+        <pc:spChg chg="mod">
+          <ac:chgData name="Alex Powers" userId="ae4a1fc7-4395-46d3-b2f1-3b3c37036ad1" providerId="ADAL" clId="{2D8D19F0-6731-4889-8F68-9904B89227DE}" dt="2020-05-18T17:07:55.533" v="5854" actId="20577"/>
+          <ac:spMkLst>
+            <pc:docMk/>
+            <pc:sldMk cId="2950532409" sldId="2385"/>
+            <ac:spMk id="2" creationId="{16D1DAA1-7514-47A2-892A-8155447F1779}"/>
+          </ac:spMkLst>
+        </pc:spChg>
+        <pc:spChg chg="mod">
+          <ac:chgData name="Alex Powers" userId="ae4a1fc7-4395-46d3-b2f1-3b3c37036ad1" providerId="ADAL" clId="{2D8D19F0-6731-4889-8F68-9904B89227DE}" dt="2020-05-18T17:14:52.357" v="6189" actId="20577"/>
+          <ac:spMkLst>
+            <pc:docMk/>
+            <pc:sldMk cId="2950532409" sldId="2385"/>
+            <ac:spMk id="3" creationId="{9018F955-A657-41BA-ACD4-9BF462F38431}"/>
+          </ac:spMkLst>
+        </pc:spChg>
+      </pc:sldChg>
+      <pc:sldChg chg="modSp add mod">
+        <pc:chgData name="Alex Powers" userId="ae4a1fc7-4395-46d3-b2f1-3b3c37036ad1" providerId="ADAL" clId="{2D8D19F0-6731-4889-8F68-9904B89227DE}" dt="2020-05-18T17:15:43.665" v="6220" actId="313"/>
+        <pc:sldMkLst>
+          <pc:docMk/>
+          <pc:sldMk cId="1850093209" sldId="2386"/>
+        </pc:sldMkLst>
+        <pc:spChg chg="mod">
+          <ac:chgData name="Alex Powers" userId="ae4a1fc7-4395-46d3-b2f1-3b3c37036ad1" providerId="ADAL" clId="{2D8D19F0-6731-4889-8F68-9904B89227DE}" dt="2020-05-18T17:13:11.941" v="6151" actId="20577"/>
+          <ac:spMkLst>
+            <pc:docMk/>
+            <pc:sldMk cId="1850093209" sldId="2386"/>
+            <ac:spMk id="2" creationId="{16D1DAA1-7514-47A2-892A-8155447F1779}"/>
+          </ac:spMkLst>
+        </pc:spChg>
+        <pc:spChg chg="mod">
+          <ac:chgData name="Alex Powers" userId="ae4a1fc7-4395-46d3-b2f1-3b3c37036ad1" providerId="ADAL" clId="{2D8D19F0-6731-4889-8F68-9904B89227DE}" dt="2020-05-18T17:15:43.665" v="6220" actId="313"/>
+          <ac:spMkLst>
+            <pc:docMk/>
+            <pc:sldMk cId="1850093209" sldId="2386"/>
+            <ac:spMk id="3" creationId="{9018F955-A657-41BA-ACD4-9BF462F38431}"/>
+          </ac:spMkLst>
+        </pc:spChg>
+      </pc:sldChg>
+      <pc:sldChg chg="modSp add mod">
+        <pc:chgData name="Alex Powers" userId="ae4a1fc7-4395-46d3-b2f1-3b3c37036ad1" providerId="ADAL" clId="{2D8D19F0-6731-4889-8F68-9904B89227DE}" dt="2020-05-18T17:18:09.899" v="6523" actId="20577"/>
+        <pc:sldMkLst>
+          <pc:docMk/>
+          <pc:sldMk cId="3959480985" sldId="2387"/>
+        </pc:sldMkLst>
+        <pc:spChg chg="mod">
+          <ac:chgData name="Alex Powers" userId="ae4a1fc7-4395-46d3-b2f1-3b3c37036ad1" providerId="ADAL" clId="{2D8D19F0-6731-4889-8F68-9904B89227DE}" dt="2020-05-18T17:18:09.899" v="6523" actId="20577"/>
+          <ac:spMkLst>
+            <pc:docMk/>
+            <pc:sldMk cId="3959480985" sldId="2387"/>
+            <ac:spMk id="2" creationId="{16D1DAA1-7514-47A2-892A-8155447F1779}"/>
+          </ac:spMkLst>
+        </pc:spChg>
+        <pc:spChg chg="mod">
+          <ac:chgData name="Alex Powers" userId="ae4a1fc7-4395-46d3-b2f1-3b3c37036ad1" providerId="ADAL" clId="{2D8D19F0-6731-4889-8F68-9904B89227DE}" dt="2020-05-18T17:17:51.143" v="6521" actId="20577"/>
+          <ac:spMkLst>
+            <pc:docMk/>
+            <pc:sldMk cId="3959480985" sldId="2387"/>
+            <ac:spMk id="3" creationId="{9018F955-A657-41BA-ACD4-9BF462F38431}"/>
+          </ac:spMkLst>
+        </pc:spChg>
+      </pc:sldChg>
+      <pc:sldChg chg="modSp add mod ord">
+        <pc:chgData name="Alex Powers" userId="ae4a1fc7-4395-46d3-b2f1-3b3c37036ad1" providerId="ADAL" clId="{2D8D19F0-6731-4889-8F68-9904B89227DE}" dt="2020-05-18T17:34:35.736" v="6753" actId="20577"/>
+        <pc:sldMkLst>
+          <pc:docMk/>
+          <pc:sldMk cId="1136313370" sldId="2388"/>
+        </pc:sldMkLst>
+        <pc:spChg chg="mod">
+          <ac:chgData name="Alex Powers" userId="ae4a1fc7-4395-46d3-b2f1-3b3c37036ad1" providerId="ADAL" clId="{2D8D19F0-6731-4889-8F68-9904B89227DE}" dt="2020-05-18T17:31:34.958" v="6534" actId="20577"/>
+          <ac:spMkLst>
+            <pc:docMk/>
+            <pc:sldMk cId="1136313370" sldId="2388"/>
+            <ac:spMk id="2" creationId="{16D1DAA1-7514-47A2-892A-8155447F1779}"/>
+          </ac:spMkLst>
+        </pc:spChg>
+        <pc:spChg chg="mod">
+          <ac:chgData name="Alex Powers" userId="ae4a1fc7-4395-46d3-b2f1-3b3c37036ad1" providerId="ADAL" clId="{2D8D19F0-6731-4889-8F68-9904B89227DE}" dt="2020-05-18T17:34:35.736" v="6753" actId="20577"/>
+          <ac:spMkLst>
+            <pc:docMk/>
+            <pc:sldMk cId="1136313370" sldId="2388"/>
+            <ac:spMk id="3" creationId="{9018F955-A657-41BA-ACD4-9BF462F38431}"/>
+          </ac:spMkLst>
+        </pc:spChg>
+      </pc:sldChg>
+      <pc:sldChg chg="modSp add mod">
+        <pc:chgData name="Alex Powers" userId="ae4a1fc7-4395-46d3-b2f1-3b3c37036ad1" providerId="ADAL" clId="{2D8D19F0-6731-4889-8F68-9904B89227DE}" dt="2020-05-18T20:08:13.617" v="6997" actId="20577"/>
+        <pc:sldMkLst>
+          <pc:docMk/>
+          <pc:sldMk cId="3128522376" sldId="2389"/>
+        </pc:sldMkLst>
+        <pc:spChg chg="mod">
+          <ac:chgData name="Alex Powers" userId="ae4a1fc7-4395-46d3-b2f1-3b3c37036ad1" providerId="ADAL" clId="{2D8D19F0-6731-4889-8F68-9904B89227DE}" dt="2020-05-18T18:49:47.347" v="6756" actId="20577"/>
+          <ac:spMkLst>
+            <pc:docMk/>
+            <pc:sldMk cId="3128522376" sldId="2389"/>
+            <ac:spMk id="2" creationId="{16D1DAA1-7514-47A2-892A-8155447F1779}"/>
+          </ac:spMkLst>
+        </pc:spChg>
+        <pc:spChg chg="mod">
+          <ac:chgData name="Alex Powers" userId="ae4a1fc7-4395-46d3-b2f1-3b3c37036ad1" providerId="ADAL" clId="{2D8D19F0-6731-4889-8F68-9904B89227DE}" dt="2020-05-18T20:08:13.617" v="6997" actId="20577"/>
+          <ac:spMkLst>
+            <pc:docMk/>
+            <pc:sldMk cId="3128522376" sldId="2389"/>
+            <ac:spMk id="3" creationId="{9018F955-A657-41BA-ACD4-9BF462F38431}"/>
+          </ac:spMkLst>
+        </pc:spChg>
+      </pc:sldChg>
+      <pc:sldChg chg="modSp add mod">
+        <pc:chgData name="Alex Powers" userId="ae4a1fc7-4395-46d3-b2f1-3b3c37036ad1" providerId="ADAL" clId="{2D8D19F0-6731-4889-8F68-9904B89227DE}" dt="2020-05-18T21:00:19.108" v="7252" actId="20577"/>
+        <pc:sldMkLst>
+          <pc:docMk/>
+          <pc:sldMk cId="184210061" sldId="2390"/>
+        </pc:sldMkLst>
+        <pc:spChg chg="mod">
+          <ac:chgData name="Alex Powers" userId="ae4a1fc7-4395-46d3-b2f1-3b3c37036ad1" providerId="ADAL" clId="{2D8D19F0-6731-4889-8F68-9904B89227DE}" dt="2020-05-18T20:55:39.846" v="7000" actId="20577"/>
+          <ac:spMkLst>
+            <pc:docMk/>
+            <pc:sldMk cId="184210061" sldId="2390"/>
+            <ac:spMk id="2" creationId="{16D1DAA1-7514-47A2-892A-8155447F1779}"/>
+          </ac:spMkLst>
+        </pc:spChg>
+        <pc:spChg chg="mod">
+          <ac:chgData name="Alex Powers" userId="ae4a1fc7-4395-46d3-b2f1-3b3c37036ad1" providerId="ADAL" clId="{2D8D19F0-6731-4889-8F68-9904B89227DE}" dt="2020-05-18T21:00:19.108" v="7252" actId="20577"/>
+          <ac:spMkLst>
+            <pc:docMk/>
+            <pc:sldMk cId="184210061" sldId="2390"/>
             <ac:spMk id="3" creationId="{9018F955-A657-41BA-ACD4-9BF462F38431}"/>
           </ac:spMkLst>
         </pc:spChg>
@@ -604,7 +830,7 @@
           <a:p>
             <a:fld id="{EF137F81-CB02-416E-94F5-5D4963A7BBA7}" type="datetimeFigureOut">
               <a:rPr lang="en-US" smtClean="0"/>
-              <a:t>5/9/2020</a:t>
+              <a:t>5/23/2020</a:t>
             </a:fld>
             <a:endParaRPr lang="en-US" dirty="0"/>
           </a:p>
@@ -14668,6 +14894,4156 @@
 </p:sld>
 </file>
 
+<file path=ppt/slides/slide10.xml><?xml version="1.0" encoding="utf-8"?>
+<p:sld xmlns:a="http://schemas.openxmlformats.org/drawingml/2006/main" xmlns:r="http://schemas.openxmlformats.org/officeDocument/2006/relationships" xmlns:p="http://schemas.openxmlformats.org/presentationml/2006/main">
+  <p:cSld>
+    <p:bg>
+      <p:bgPr>
+        <a:solidFill>
+          <a:schemeClr val="bg1">
+            <a:lumMod val="95000"/>
+          </a:schemeClr>
+        </a:solidFill>
+        <a:effectLst/>
+      </p:bgPr>
+    </p:bg>
+    <p:spTree>
+      <p:nvGrpSpPr>
+        <p:cNvPr id="1" name=""/>
+        <p:cNvGrpSpPr/>
+        <p:nvPr/>
+      </p:nvGrpSpPr>
+      <p:grpSpPr>
+        <a:xfrm>
+          <a:off x="0" y="0"/>
+          <a:ext cx="0" cy="0"/>
+          <a:chOff x="0" y="0"/>
+          <a:chExt cx="0" cy="0"/>
+        </a:xfrm>
+      </p:grpSpPr>
+      <p:sp>
+        <p:nvSpPr>
+          <p:cNvPr id="2" name="Title 1">
+            <a:extLst>
+              <a:ext uri="{FF2B5EF4-FFF2-40B4-BE49-F238E27FC236}">
+                <a16:creationId xmlns:a16="http://schemas.microsoft.com/office/drawing/2014/main" id="{16D1DAA1-7514-47A2-892A-8155447F1779}"/>
+              </a:ext>
+            </a:extLst>
+          </p:cNvPr>
+          <p:cNvSpPr>
+            <a:spLocks noGrp="1"/>
+          </p:cNvSpPr>
+          <p:nvPr>
+            <p:ph type="title"/>
+          </p:nvPr>
+        </p:nvSpPr>
+        <p:spPr/>
+        <p:txBody>
+          <a:bodyPr>
+            <a:noAutofit/>
+          </a:bodyPr>
+          <a:lstStyle/>
+          <a:p>
+            <a:r>
+              <a:rPr lang="en-US" sz="5400" b="1" dirty="0">
+                <a:latin typeface="Segoe UI Black" panose="020B0A02040204020203" pitchFamily="34" charset="0"/>
+                <a:ea typeface="Segoe UI Black" panose="020B0A02040204020203" pitchFamily="34" charset="0"/>
+                <a:cs typeface="Leelawadee UI" panose="020B0502040204020203" pitchFamily="34" charset="-34"/>
+              </a:rPr>
+              <a:t>DAY 10</a:t>
+            </a:r>
+          </a:p>
+        </p:txBody>
+      </p:sp>
+      <p:sp>
+        <p:nvSpPr>
+          <p:cNvPr id="3" name="Text Placeholder 2">
+            <a:extLst>
+              <a:ext uri="{FF2B5EF4-FFF2-40B4-BE49-F238E27FC236}">
+                <a16:creationId xmlns:a16="http://schemas.microsoft.com/office/drawing/2014/main" id="{9018F955-A657-41BA-ACD4-9BF462F38431}"/>
+              </a:ext>
+            </a:extLst>
+          </p:cNvPr>
+          <p:cNvSpPr>
+            <a:spLocks noGrp="1"/>
+          </p:cNvSpPr>
+          <p:nvPr>
+            <p:ph type="body" sz="quarter" idx="10"/>
+          </p:nvPr>
+        </p:nvSpPr>
+        <p:spPr>
+          <a:xfrm>
+            <a:off x="584200" y="1698171"/>
+            <a:ext cx="11018520" cy="3570208"/>
+          </a:xfrm>
+        </p:spPr>
+        <p:txBody>
+          <a:bodyPr/>
+          <a:lstStyle/>
+          <a:p>
+            <a:pPr marL="0" indent="0">
+              <a:buNone/>
+            </a:pPr>
+            <a:r>
+              <a:rPr lang="en-US" sz="2000" b="1" dirty="0">
+                <a:latin typeface="Segoe UI" panose="020B0502040204020203" pitchFamily="34" charset="0"/>
+                <a:cs typeface="Segoe UI" panose="020B0502040204020203" pitchFamily="34" charset="0"/>
+              </a:rPr>
+              <a:t>Database: </a:t>
+            </a:r>
+            <a:r>
+              <a:rPr lang="en-US" sz="2000" dirty="0" err="1">
+                <a:latin typeface="Segoe UI" panose="020B0502040204020203" pitchFamily="34" charset="0"/>
+                <a:cs typeface="Segoe UI" panose="020B0502040204020203" pitchFamily="34" charset="0"/>
+              </a:rPr>
+              <a:t>WideWorldImportersDW</a:t>
+            </a:r>
+            <a:endParaRPr lang="en-US" sz="2000" dirty="0">
+              <a:latin typeface="Segoe UI" panose="020B0502040204020203" pitchFamily="34" charset="0"/>
+              <a:cs typeface="Segoe UI" panose="020B0502040204020203" pitchFamily="34" charset="0"/>
+            </a:endParaRPr>
+          </a:p>
+          <a:p>
+            <a:pPr marL="0" indent="0">
+              <a:buNone/>
+            </a:pPr>
+            <a:r>
+              <a:rPr lang="en-US" sz="2000" b="1" dirty="0">
+                <a:latin typeface="Segoe UI" panose="020B0502040204020203" pitchFamily="34" charset="0"/>
+                <a:cs typeface="Segoe UI" panose="020B0502040204020203" pitchFamily="34" charset="0"/>
+              </a:rPr>
+              <a:t>Entity: </a:t>
+            </a:r>
+            <a:r>
+              <a:rPr lang="en-US" sz="2000" dirty="0" err="1">
+                <a:latin typeface="Segoe UI" panose="020B0502040204020203" pitchFamily="34" charset="0"/>
+                <a:cs typeface="Segoe UI" panose="020B0502040204020203" pitchFamily="34" charset="0"/>
+              </a:rPr>
+              <a:t>Dimension.Employee</a:t>
+            </a:r>
+            <a:endParaRPr lang="en-US" sz="2000" dirty="0">
+              <a:latin typeface="Segoe UI" panose="020B0502040204020203" pitchFamily="34" charset="0"/>
+              <a:cs typeface="Segoe UI" panose="020B0502040204020203" pitchFamily="34" charset="0"/>
+            </a:endParaRPr>
+          </a:p>
+          <a:p>
+            <a:pPr marL="0" indent="0">
+              <a:buNone/>
+            </a:pPr>
+            <a:endParaRPr lang="en-US" sz="2000" dirty="0">
+              <a:latin typeface="Segoe UI" panose="020B0502040204020203" pitchFamily="34" charset="0"/>
+              <a:cs typeface="Segoe UI" panose="020B0502040204020203" pitchFamily="34" charset="0"/>
+            </a:endParaRPr>
+          </a:p>
+          <a:p>
+            <a:pPr marL="0" indent="0">
+              <a:buNone/>
+            </a:pPr>
+            <a:r>
+              <a:rPr lang="en-US" sz="2000" b="1" dirty="0">
+                <a:latin typeface="Segoe UI" panose="020B0502040204020203" pitchFamily="34" charset="0"/>
+                <a:cs typeface="Segoe UI" panose="020B0502040204020203" pitchFamily="34" charset="0"/>
+              </a:rPr>
+              <a:t>Instructions:</a:t>
+            </a:r>
+          </a:p>
+          <a:p>
+            <a:pPr marL="0" indent="0">
+              <a:buNone/>
+            </a:pPr>
+            <a:r>
+              <a:rPr lang="en-US" sz="2000" dirty="0">
+                <a:latin typeface="Segoe UI" panose="020B0502040204020203" pitchFamily="34" charset="0"/>
+                <a:cs typeface="Segoe UI" panose="020B0502040204020203" pitchFamily="34" charset="0"/>
+              </a:rPr>
+              <a:t>Select [Employee] and a computed column [</a:t>
+            </a:r>
+            <a:r>
+              <a:rPr lang="en-US" sz="2000" dirty="0" err="1">
+                <a:latin typeface="Segoe UI" panose="020B0502040204020203" pitchFamily="34" charset="0"/>
+                <a:cs typeface="Segoe UI" panose="020B0502040204020203" pitchFamily="34" charset="0"/>
+              </a:rPr>
+              <a:t>TeamMate</a:t>
+            </a:r>
+            <a:r>
+              <a:rPr lang="en-US" sz="2000" dirty="0">
+                <a:latin typeface="Segoe UI" panose="020B0502040204020203" pitchFamily="34" charset="0"/>
+                <a:cs typeface="Segoe UI" panose="020B0502040204020203" pitchFamily="34" charset="0"/>
+              </a:rPr>
+              <a:t>] which references the name values from the [Employee] column.</a:t>
+            </a:r>
+          </a:p>
+          <a:p>
+            <a:r>
+              <a:rPr lang="en-US" sz="2000" dirty="0">
+                <a:latin typeface="Segoe UI" panose="020B0502040204020203" pitchFamily="34" charset="0"/>
+                <a:cs typeface="Segoe UI" panose="020B0502040204020203" pitchFamily="34" charset="0"/>
+              </a:rPr>
+              <a:t>Teams of two.</a:t>
+            </a:r>
+          </a:p>
+          <a:p>
+            <a:r>
+              <a:rPr lang="en-US" sz="2000" dirty="0">
+                <a:latin typeface="Segoe UI" panose="020B0502040204020203" pitchFamily="34" charset="0"/>
+                <a:cs typeface="Segoe UI" panose="020B0502040204020203" pitchFamily="34" charset="0"/>
+              </a:rPr>
+              <a:t>No one should be on more than one team.</a:t>
+            </a:r>
+          </a:p>
+          <a:p>
+            <a:r>
+              <a:rPr lang="en-US" sz="2000" dirty="0">
+                <a:latin typeface="Segoe UI" panose="020B0502040204020203" pitchFamily="34" charset="0"/>
+                <a:cs typeface="Segoe UI" panose="020B0502040204020203" pitchFamily="34" charset="0"/>
+              </a:rPr>
+              <a:t>Everyone should know their teammates name.</a:t>
+            </a:r>
+          </a:p>
+          <a:p>
+            <a:r>
+              <a:rPr lang="en-US" sz="2000" dirty="0">
+                <a:latin typeface="Segoe UI" panose="020B0502040204020203" pitchFamily="34" charset="0"/>
+                <a:cs typeface="Segoe UI" panose="020B0502040204020203" pitchFamily="34" charset="0"/>
+              </a:rPr>
+              <a:t>Unfortunately, one person will be left out :(</a:t>
+            </a:r>
+          </a:p>
+        </p:txBody>
+      </p:sp>
+      <p:pic>
+        <p:nvPicPr>
+          <p:cNvPr id="5" name="Picture 4" descr="A close up of a logo&#10;&#10;Description automatically generated">
+            <a:extLst>
+              <a:ext uri="{FF2B5EF4-FFF2-40B4-BE49-F238E27FC236}">
+                <a16:creationId xmlns:a16="http://schemas.microsoft.com/office/drawing/2014/main" id="{94D59F6F-A728-4865-B92A-AE9935E9E488}"/>
+              </a:ext>
+            </a:extLst>
+          </p:cNvPr>
+          <p:cNvPicPr>
+            <a:picLocks noChangeAspect="1"/>
+          </p:cNvPicPr>
+          <p:nvPr/>
+        </p:nvPicPr>
+        <p:blipFill>
+          <a:blip r:embed="rId2">
+            <a:extLst>
+              <a:ext uri="{28A0092B-C50C-407E-A947-70E740481C1C}">
+                <a14:useLocalDpi xmlns:a14="http://schemas.microsoft.com/office/drawing/2010/main" val="0"/>
+              </a:ext>
+            </a:extLst>
+          </a:blip>
+          <a:stretch>
+            <a:fillRect/>
+          </a:stretch>
+        </p:blipFill>
+        <p:spPr>
+          <a:xfrm>
+            <a:off x="363674" y="5593489"/>
+            <a:ext cx="1005840" cy="1005840"/>
+          </a:xfrm>
+          <a:prstGeom prst="rect">
+            <a:avLst/>
+          </a:prstGeom>
+        </p:spPr>
+      </p:pic>
+      <p:pic>
+        <p:nvPicPr>
+          <p:cNvPr id="7" name="Picture 6" descr="A picture containing food&#10;&#10;Description automatically generated">
+            <a:extLst>
+              <a:ext uri="{FF2B5EF4-FFF2-40B4-BE49-F238E27FC236}">
+                <a16:creationId xmlns:a16="http://schemas.microsoft.com/office/drawing/2014/main" id="{EA99191B-2453-42A4-9DDB-84E4DDC775F1}"/>
+              </a:ext>
+            </a:extLst>
+          </p:cNvPr>
+          <p:cNvPicPr>
+            <a:picLocks noChangeAspect="1"/>
+          </p:cNvPicPr>
+          <p:nvPr/>
+        </p:nvPicPr>
+        <p:blipFill>
+          <a:blip r:embed="rId3">
+            <a:extLst>
+              <a:ext uri="{28A0092B-C50C-407E-A947-70E740481C1C}">
+                <a14:useLocalDpi xmlns:a14="http://schemas.microsoft.com/office/drawing/2010/main" val="0"/>
+              </a:ext>
+            </a:extLst>
+          </a:blip>
+          <a:stretch>
+            <a:fillRect/>
+          </a:stretch>
+        </p:blipFill>
+        <p:spPr>
+          <a:xfrm>
+            <a:off x="1101708" y="5486804"/>
+            <a:ext cx="1219209" cy="1219209"/>
+          </a:xfrm>
+          <a:prstGeom prst="rect">
+            <a:avLst/>
+          </a:prstGeom>
+        </p:spPr>
+      </p:pic>
+      <p:grpSp>
+        <p:nvGrpSpPr>
+          <p:cNvPr id="11" name="Group 10">
+            <a:extLst>
+              <a:ext uri="{FF2B5EF4-FFF2-40B4-BE49-F238E27FC236}">
+                <a16:creationId xmlns:a16="http://schemas.microsoft.com/office/drawing/2014/main" id="{43EA8AA4-AAA1-49F7-8C34-DA88A460E967}"/>
+              </a:ext>
+            </a:extLst>
+          </p:cNvPr>
+          <p:cNvGrpSpPr/>
+          <p:nvPr/>
+        </p:nvGrpSpPr>
+        <p:grpSpPr>
+          <a:xfrm>
+            <a:off x="10579506" y="5618730"/>
+            <a:ext cx="1021572" cy="955356"/>
+            <a:chOff x="9124950" y="1397319"/>
+            <a:chExt cx="1518216" cy="1419809"/>
+          </a:xfrm>
+        </p:grpSpPr>
+        <p:pic>
+          <p:nvPicPr>
+            <p:cNvPr id="9" name="Picture 8">
+              <a:extLst>
+                <a:ext uri="{FF2B5EF4-FFF2-40B4-BE49-F238E27FC236}">
+                  <a16:creationId xmlns:a16="http://schemas.microsoft.com/office/drawing/2014/main" id="{48CC9875-A615-4C59-BD77-B03E0FE0BB48}"/>
+                </a:ext>
+              </a:extLst>
+            </p:cNvPr>
+            <p:cNvPicPr>
+              <a:picLocks noChangeAspect="1"/>
+            </p:cNvPicPr>
+            <p:nvPr/>
+          </p:nvPicPr>
+          <p:blipFill>
+            <a:blip r:embed="rId4">
+              <a:extLst>
+                <a:ext uri="{BEBA8EAE-BF5A-486C-A8C5-ECC9F3942E4B}">
+                  <a14:imgProps xmlns:a14="http://schemas.microsoft.com/office/drawing/2010/main">
+                    <a14:imgLayer r:embed="rId5">
+                      <a14:imgEffect>
+                        <a14:backgroundRemoval t="8917" b="94268" l="10000" r="90000">
+                          <a14:foregroundMark x1="12222" y1="16561" x2="12222" y2="16561"/>
+                          <a14:foregroundMark x1="60000" y1="10191" x2="60000" y2="10191"/>
+                          <a14:foregroundMark x1="43333" y1="34395" x2="43333" y2="34395"/>
+                          <a14:foregroundMark x1="68889" y1="35032" x2="68889" y2="35032"/>
+                          <a14:foregroundMark x1="88889" y1="39490" x2="88889" y2="39490"/>
+                          <a14:foregroundMark x1="88889" y1="55414" x2="88889" y2="55414"/>
+                          <a14:foregroundMark x1="88889" y1="70064" x2="88889" y2="70064"/>
+                          <a14:foregroundMark x1="88889" y1="85987" x2="88889" y2="85987"/>
+                          <a14:foregroundMark x1="67778" y1="92994" x2="67778" y2="92994"/>
+                          <a14:foregroundMark x1="43333" y1="94268" x2="43333" y2="94268"/>
+                        </a14:backgroundRemoval>
+                      </a14:imgEffect>
+                    </a14:imgLayer>
+                  </a14:imgProps>
+                </a:ext>
+              </a:extLst>
+            </a:blip>
+            <a:stretch>
+              <a:fillRect/>
+            </a:stretch>
+          </p:blipFill>
+          <p:spPr>
+            <a:xfrm>
+              <a:off x="10083454" y="1451407"/>
+              <a:ext cx="559712" cy="976387"/>
+            </a:xfrm>
+            <a:prstGeom prst="rect">
+              <a:avLst/>
+            </a:prstGeom>
+          </p:spPr>
+        </p:pic>
+        <p:pic>
+          <p:nvPicPr>
+            <p:cNvPr id="10" name="Picture 9" descr="A picture containing sitting, dark, white, sign&#10;&#10;Description automatically generated">
+              <a:extLst>
+                <a:ext uri="{FF2B5EF4-FFF2-40B4-BE49-F238E27FC236}">
+                  <a16:creationId xmlns:a16="http://schemas.microsoft.com/office/drawing/2014/main" id="{4324C91F-8EA6-41E0-ABCC-EB3CC95E04E2}"/>
+                </a:ext>
+              </a:extLst>
+            </p:cNvPr>
+            <p:cNvPicPr>
+              <a:picLocks noChangeAspect="1"/>
+            </p:cNvPicPr>
+            <p:nvPr/>
+          </p:nvPicPr>
+          <p:blipFill>
+            <a:blip r:embed="rId6">
+              <a:extLst>
+                <a:ext uri="{28A0092B-C50C-407E-A947-70E740481C1C}">
+                  <a14:useLocalDpi xmlns:a14="http://schemas.microsoft.com/office/drawing/2010/main" val="0"/>
+                </a:ext>
+              </a:extLst>
+            </a:blip>
+            <a:stretch>
+              <a:fillRect/>
+            </a:stretch>
+          </p:blipFill>
+          <p:spPr>
+            <a:xfrm>
+              <a:off x="9124950" y="1397319"/>
+              <a:ext cx="1419809" cy="1419809"/>
+            </a:xfrm>
+            <a:prstGeom prst="rect">
+              <a:avLst/>
+            </a:prstGeom>
+          </p:spPr>
+        </p:pic>
+      </p:grpSp>
+    </p:spTree>
+    <p:extLst>
+      <p:ext uri="{BB962C8B-B14F-4D97-AF65-F5344CB8AC3E}">
+        <p14:creationId xmlns:p14="http://schemas.microsoft.com/office/powerpoint/2010/main" val="365658351"/>
+      </p:ext>
+    </p:extLst>
+  </p:cSld>
+  <p:clrMapOvr>
+    <a:masterClrMapping/>
+  </p:clrMapOvr>
+  <p:transition>
+    <p:fade/>
+  </p:transition>
+</p:sld>
+</file>
+
+<file path=ppt/slides/slide11.xml><?xml version="1.0" encoding="utf-8"?>
+<p:sld xmlns:a="http://schemas.openxmlformats.org/drawingml/2006/main" xmlns:r="http://schemas.openxmlformats.org/officeDocument/2006/relationships" xmlns:p="http://schemas.openxmlformats.org/presentationml/2006/main">
+  <p:cSld>
+    <p:bg>
+      <p:bgPr>
+        <a:solidFill>
+          <a:schemeClr val="bg1">
+            <a:lumMod val="95000"/>
+          </a:schemeClr>
+        </a:solidFill>
+        <a:effectLst/>
+      </p:bgPr>
+    </p:bg>
+    <p:spTree>
+      <p:nvGrpSpPr>
+        <p:cNvPr id="1" name=""/>
+        <p:cNvGrpSpPr/>
+        <p:nvPr/>
+      </p:nvGrpSpPr>
+      <p:grpSpPr>
+        <a:xfrm>
+          <a:off x="0" y="0"/>
+          <a:ext cx="0" cy="0"/>
+          <a:chOff x="0" y="0"/>
+          <a:chExt cx="0" cy="0"/>
+        </a:xfrm>
+      </p:grpSpPr>
+      <p:sp>
+        <p:nvSpPr>
+          <p:cNvPr id="2" name="Title 1">
+            <a:extLst>
+              <a:ext uri="{FF2B5EF4-FFF2-40B4-BE49-F238E27FC236}">
+                <a16:creationId xmlns:a16="http://schemas.microsoft.com/office/drawing/2014/main" id="{16D1DAA1-7514-47A2-892A-8155447F1779}"/>
+              </a:ext>
+            </a:extLst>
+          </p:cNvPr>
+          <p:cNvSpPr>
+            <a:spLocks noGrp="1"/>
+          </p:cNvSpPr>
+          <p:nvPr>
+            <p:ph type="title"/>
+          </p:nvPr>
+        </p:nvSpPr>
+        <p:spPr/>
+        <p:txBody>
+          <a:bodyPr>
+            <a:noAutofit/>
+          </a:bodyPr>
+          <a:lstStyle/>
+          <a:p>
+            <a:r>
+              <a:rPr lang="en-US" sz="5400" b="1" dirty="0">
+                <a:latin typeface="Segoe UI Black" panose="020B0A02040204020203" pitchFamily="34" charset="0"/>
+                <a:ea typeface="Segoe UI Black" panose="020B0A02040204020203" pitchFamily="34" charset="0"/>
+                <a:cs typeface="Leelawadee UI" panose="020B0502040204020203" pitchFamily="34" charset="-34"/>
+              </a:rPr>
+              <a:t>DAY 11</a:t>
+            </a:r>
+          </a:p>
+        </p:txBody>
+      </p:sp>
+      <p:sp>
+        <p:nvSpPr>
+          <p:cNvPr id="3" name="Text Placeholder 2">
+            <a:extLst>
+              <a:ext uri="{FF2B5EF4-FFF2-40B4-BE49-F238E27FC236}">
+                <a16:creationId xmlns:a16="http://schemas.microsoft.com/office/drawing/2014/main" id="{9018F955-A657-41BA-ACD4-9BF462F38431}"/>
+              </a:ext>
+            </a:extLst>
+          </p:cNvPr>
+          <p:cNvSpPr>
+            <a:spLocks noGrp="1"/>
+          </p:cNvSpPr>
+          <p:nvPr>
+            <p:ph type="body" sz="quarter" idx="10"/>
+          </p:nvPr>
+        </p:nvSpPr>
+        <p:spPr>
+          <a:xfrm>
+            <a:off x="584200" y="1698171"/>
+            <a:ext cx="11018520" cy="2092881"/>
+          </a:xfrm>
+        </p:spPr>
+        <p:txBody>
+          <a:bodyPr/>
+          <a:lstStyle/>
+          <a:p>
+            <a:pPr marL="0" indent="0">
+              <a:buNone/>
+            </a:pPr>
+            <a:r>
+              <a:rPr lang="en-US" sz="2000" b="1" dirty="0">
+                <a:latin typeface="Segoe UI" panose="020B0502040204020203" pitchFamily="34" charset="0"/>
+                <a:cs typeface="Segoe UI" panose="020B0502040204020203" pitchFamily="34" charset="0"/>
+              </a:rPr>
+              <a:t>Database: </a:t>
+            </a:r>
+            <a:r>
+              <a:rPr lang="en-US" sz="2000" dirty="0">
+                <a:latin typeface="Segoe UI" panose="020B0502040204020203" pitchFamily="34" charset="0"/>
+                <a:cs typeface="Segoe UI" panose="020B0502040204020203" pitchFamily="34" charset="0"/>
+              </a:rPr>
+              <a:t>AdventureWorksDW2017</a:t>
+            </a:r>
+          </a:p>
+          <a:p>
+            <a:pPr marL="0" indent="0">
+              <a:buNone/>
+            </a:pPr>
+            <a:r>
+              <a:rPr lang="en-US" sz="2000" b="1" dirty="0">
+                <a:latin typeface="Segoe UI" panose="020B0502040204020203" pitchFamily="34" charset="0"/>
+                <a:cs typeface="Segoe UI" panose="020B0502040204020203" pitchFamily="34" charset="0"/>
+              </a:rPr>
+              <a:t>Entity: </a:t>
+            </a:r>
+            <a:r>
+              <a:rPr lang="en-US" sz="2000" dirty="0" err="1">
+                <a:latin typeface="Segoe UI" panose="020B0502040204020203" pitchFamily="34" charset="0"/>
+                <a:cs typeface="Segoe UI" panose="020B0502040204020203" pitchFamily="34" charset="0"/>
+              </a:rPr>
+              <a:t>DimGeography</a:t>
+            </a:r>
+            <a:r>
+              <a:rPr lang="en-US" sz="2000" dirty="0">
+                <a:latin typeface="Segoe UI" panose="020B0502040204020203" pitchFamily="34" charset="0"/>
+                <a:cs typeface="Segoe UI" panose="020B0502040204020203" pitchFamily="34" charset="0"/>
+              </a:rPr>
+              <a:t> , </a:t>
+            </a:r>
+            <a:r>
+              <a:rPr lang="en-US" sz="2000" dirty="0" err="1">
+                <a:latin typeface="Segoe UI" panose="020B0502040204020203" pitchFamily="34" charset="0"/>
+                <a:cs typeface="Segoe UI" panose="020B0502040204020203" pitchFamily="34" charset="0"/>
+              </a:rPr>
+              <a:t>DimCustomer</a:t>
+            </a:r>
+            <a:r>
+              <a:rPr lang="en-US" sz="2000" dirty="0">
+                <a:latin typeface="Segoe UI" panose="020B0502040204020203" pitchFamily="34" charset="0"/>
+                <a:cs typeface="Segoe UI" panose="020B0502040204020203" pitchFamily="34" charset="0"/>
+              </a:rPr>
+              <a:t> , </a:t>
+            </a:r>
+            <a:r>
+              <a:rPr lang="en-US" sz="2000" dirty="0" err="1">
+                <a:latin typeface="Segoe UI" panose="020B0502040204020203" pitchFamily="34" charset="0"/>
+                <a:cs typeface="Segoe UI" panose="020B0502040204020203" pitchFamily="34" charset="0"/>
+              </a:rPr>
+              <a:t>FactInternetSales</a:t>
+            </a:r>
+            <a:endParaRPr lang="en-US" sz="2000" dirty="0">
+              <a:latin typeface="Segoe UI" panose="020B0502040204020203" pitchFamily="34" charset="0"/>
+              <a:cs typeface="Segoe UI" panose="020B0502040204020203" pitchFamily="34" charset="0"/>
+            </a:endParaRPr>
+          </a:p>
+          <a:p>
+            <a:pPr marL="0" indent="0">
+              <a:buNone/>
+            </a:pPr>
+            <a:endParaRPr lang="en-US" sz="2000" dirty="0">
+              <a:latin typeface="Segoe UI" panose="020B0502040204020203" pitchFamily="34" charset="0"/>
+              <a:cs typeface="Segoe UI" panose="020B0502040204020203" pitchFamily="34" charset="0"/>
+            </a:endParaRPr>
+          </a:p>
+          <a:p>
+            <a:pPr marL="0" indent="0">
+              <a:buNone/>
+            </a:pPr>
+            <a:r>
+              <a:rPr lang="en-US" sz="2000" b="1" dirty="0">
+                <a:latin typeface="Segoe UI" panose="020B0502040204020203" pitchFamily="34" charset="0"/>
+                <a:cs typeface="Segoe UI" panose="020B0502040204020203" pitchFamily="34" charset="0"/>
+              </a:rPr>
+              <a:t>Instructions:</a:t>
+            </a:r>
+          </a:p>
+          <a:p>
+            <a:pPr marL="0" indent="0">
+              <a:buNone/>
+            </a:pPr>
+            <a:r>
+              <a:rPr lang="en-US" sz="2000" dirty="0">
+                <a:latin typeface="Segoe UI" panose="020B0502040204020203" pitchFamily="34" charset="0"/>
+                <a:cs typeface="Segoe UI" panose="020B0502040204020203" pitchFamily="34" charset="0"/>
+              </a:rPr>
+              <a:t>Select [City], [</a:t>
+            </a:r>
+            <a:r>
+              <a:rPr lang="en-US" sz="2000" dirty="0" err="1">
+                <a:latin typeface="Segoe UI" panose="020B0502040204020203" pitchFamily="34" charset="0"/>
+                <a:cs typeface="Segoe UI" panose="020B0502040204020203" pitchFamily="34" charset="0"/>
+              </a:rPr>
+              <a:t>CountryRegionCode</a:t>
+            </a:r>
+            <a:r>
+              <a:rPr lang="en-US" sz="2000" dirty="0">
+                <a:latin typeface="Segoe UI" panose="020B0502040204020203" pitchFamily="34" charset="0"/>
+                <a:cs typeface="Segoe UI" panose="020B0502040204020203" pitchFamily="34" charset="0"/>
+              </a:rPr>
+              <a:t>] and [</a:t>
+            </a:r>
+            <a:r>
+              <a:rPr lang="en-US" sz="2000" dirty="0" err="1">
+                <a:latin typeface="Segoe UI" panose="020B0502040204020203" pitchFamily="34" charset="0"/>
+                <a:cs typeface="Segoe UI" panose="020B0502040204020203" pitchFamily="34" charset="0"/>
+              </a:rPr>
+              <a:t>EnglishCountryRegionName</a:t>
+            </a:r>
+            <a:r>
+              <a:rPr lang="en-US" sz="2000" dirty="0">
+                <a:latin typeface="Segoe UI" panose="020B0502040204020203" pitchFamily="34" charset="0"/>
+                <a:cs typeface="Segoe UI" panose="020B0502040204020203" pitchFamily="34" charset="0"/>
+              </a:rPr>
+              <a:t>] where no [</a:t>
+            </a:r>
+            <a:r>
+              <a:rPr lang="en-US" sz="2000" dirty="0" err="1">
+                <a:latin typeface="Segoe UI" panose="020B0502040204020203" pitchFamily="34" charset="0"/>
+                <a:cs typeface="Segoe UI" panose="020B0502040204020203" pitchFamily="34" charset="0"/>
+              </a:rPr>
+              <a:t>SalesAmount</a:t>
+            </a:r>
+            <a:r>
+              <a:rPr lang="en-US" sz="2000" dirty="0">
+                <a:latin typeface="Segoe UI" panose="020B0502040204020203" pitchFamily="34" charset="0"/>
+                <a:cs typeface="Segoe UI" panose="020B0502040204020203" pitchFamily="34" charset="0"/>
+              </a:rPr>
+              <a:t>] occurred. Sort [</a:t>
+            </a:r>
+            <a:r>
+              <a:rPr lang="en-US" sz="2000" dirty="0" err="1">
+                <a:latin typeface="Segoe UI" panose="020B0502040204020203" pitchFamily="34" charset="0"/>
+                <a:cs typeface="Segoe UI" panose="020B0502040204020203" pitchFamily="34" charset="0"/>
+              </a:rPr>
+              <a:t>CountryRegion</a:t>
+            </a:r>
+            <a:r>
+              <a:rPr lang="en-US" sz="2000" dirty="0">
+                <a:latin typeface="Segoe UI" panose="020B0502040204020203" pitchFamily="34" charset="0"/>
+                <a:cs typeface="Segoe UI" panose="020B0502040204020203" pitchFamily="34" charset="0"/>
+              </a:rPr>
+              <a:t>] and [City] in Ascending Order.</a:t>
+            </a:r>
+          </a:p>
+        </p:txBody>
+      </p:sp>
+      <p:pic>
+        <p:nvPicPr>
+          <p:cNvPr id="5" name="Picture 4" descr="A close up of a logo&#10;&#10;Description automatically generated">
+            <a:extLst>
+              <a:ext uri="{FF2B5EF4-FFF2-40B4-BE49-F238E27FC236}">
+                <a16:creationId xmlns:a16="http://schemas.microsoft.com/office/drawing/2014/main" id="{94D59F6F-A728-4865-B92A-AE9935E9E488}"/>
+              </a:ext>
+            </a:extLst>
+          </p:cNvPr>
+          <p:cNvPicPr>
+            <a:picLocks noChangeAspect="1"/>
+          </p:cNvPicPr>
+          <p:nvPr/>
+        </p:nvPicPr>
+        <p:blipFill>
+          <a:blip r:embed="rId2">
+            <a:extLst>
+              <a:ext uri="{28A0092B-C50C-407E-A947-70E740481C1C}">
+                <a14:useLocalDpi xmlns:a14="http://schemas.microsoft.com/office/drawing/2010/main" val="0"/>
+              </a:ext>
+            </a:extLst>
+          </a:blip>
+          <a:stretch>
+            <a:fillRect/>
+          </a:stretch>
+        </p:blipFill>
+        <p:spPr>
+          <a:xfrm>
+            <a:off x="363674" y="5593489"/>
+            <a:ext cx="1005840" cy="1005840"/>
+          </a:xfrm>
+          <a:prstGeom prst="rect">
+            <a:avLst/>
+          </a:prstGeom>
+        </p:spPr>
+      </p:pic>
+      <p:pic>
+        <p:nvPicPr>
+          <p:cNvPr id="7" name="Picture 6" descr="A picture containing food&#10;&#10;Description automatically generated">
+            <a:extLst>
+              <a:ext uri="{FF2B5EF4-FFF2-40B4-BE49-F238E27FC236}">
+                <a16:creationId xmlns:a16="http://schemas.microsoft.com/office/drawing/2014/main" id="{EA99191B-2453-42A4-9DDB-84E4DDC775F1}"/>
+              </a:ext>
+            </a:extLst>
+          </p:cNvPr>
+          <p:cNvPicPr>
+            <a:picLocks noChangeAspect="1"/>
+          </p:cNvPicPr>
+          <p:nvPr/>
+        </p:nvPicPr>
+        <p:blipFill>
+          <a:blip r:embed="rId3">
+            <a:extLst>
+              <a:ext uri="{28A0092B-C50C-407E-A947-70E740481C1C}">
+                <a14:useLocalDpi xmlns:a14="http://schemas.microsoft.com/office/drawing/2010/main" val="0"/>
+              </a:ext>
+            </a:extLst>
+          </a:blip>
+          <a:stretch>
+            <a:fillRect/>
+          </a:stretch>
+        </p:blipFill>
+        <p:spPr>
+          <a:xfrm>
+            <a:off x="1101708" y="5486804"/>
+            <a:ext cx="1219209" cy="1219209"/>
+          </a:xfrm>
+          <a:prstGeom prst="rect">
+            <a:avLst/>
+          </a:prstGeom>
+        </p:spPr>
+      </p:pic>
+      <p:grpSp>
+        <p:nvGrpSpPr>
+          <p:cNvPr id="11" name="Group 10">
+            <a:extLst>
+              <a:ext uri="{FF2B5EF4-FFF2-40B4-BE49-F238E27FC236}">
+                <a16:creationId xmlns:a16="http://schemas.microsoft.com/office/drawing/2014/main" id="{43EA8AA4-AAA1-49F7-8C34-DA88A460E967}"/>
+              </a:ext>
+            </a:extLst>
+          </p:cNvPr>
+          <p:cNvGrpSpPr/>
+          <p:nvPr/>
+        </p:nvGrpSpPr>
+        <p:grpSpPr>
+          <a:xfrm>
+            <a:off x="10579506" y="5618730"/>
+            <a:ext cx="1021572" cy="955356"/>
+            <a:chOff x="9124950" y="1397319"/>
+            <a:chExt cx="1518216" cy="1419809"/>
+          </a:xfrm>
+        </p:grpSpPr>
+        <p:pic>
+          <p:nvPicPr>
+            <p:cNvPr id="9" name="Picture 8">
+              <a:extLst>
+                <a:ext uri="{FF2B5EF4-FFF2-40B4-BE49-F238E27FC236}">
+                  <a16:creationId xmlns:a16="http://schemas.microsoft.com/office/drawing/2014/main" id="{48CC9875-A615-4C59-BD77-B03E0FE0BB48}"/>
+                </a:ext>
+              </a:extLst>
+            </p:cNvPr>
+            <p:cNvPicPr>
+              <a:picLocks noChangeAspect="1"/>
+            </p:cNvPicPr>
+            <p:nvPr/>
+          </p:nvPicPr>
+          <p:blipFill>
+            <a:blip r:embed="rId4">
+              <a:extLst>
+                <a:ext uri="{BEBA8EAE-BF5A-486C-A8C5-ECC9F3942E4B}">
+                  <a14:imgProps xmlns:a14="http://schemas.microsoft.com/office/drawing/2010/main">
+                    <a14:imgLayer r:embed="rId5">
+                      <a14:imgEffect>
+                        <a14:backgroundRemoval t="8917" b="94268" l="10000" r="90000">
+                          <a14:foregroundMark x1="12222" y1="16561" x2="12222" y2="16561"/>
+                          <a14:foregroundMark x1="60000" y1="10191" x2="60000" y2="10191"/>
+                          <a14:foregroundMark x1="43333" y1="34395" x2="43333" y2="34395"/>
+                          <a14:foregroundMark x1="68889" y1="35032" x2="68889" y2="35032"/>
+                          <a14:foregroundMark x1="88889" y1="39490" x2="88889" y2="39490"/>
+                          <a14:foregroundMark x1="88889" y1="55414" x2="88889" y2="55414"/>
+                          <a14:foregroundMark x1="88889" y1="70064" x2="88889" y2="70064"/>
+                          <a14:foregroundMark x1="88889" y1="85987" x2="88889" y2="85987"/>
+                          <a14:foregroundMark x1="67778" y1="92994" x2="67778" y2="92994"/>
+                          <a14:foregroundMark x1="43333" y1="94268" x2="43333" y2="94268"/>
+                        </a14:backgroundRemoval>
+                      </a14:imgEffect>
+                    </a14:imgLayer>
+                  </a14:imgProps>
+                </a:ext>
+              </a:extLst>
+            </a:blip>
+            <a:stretch>
+              <a:fillRect/>
+            </a:stretch>
+          </p:blipFill>
+          <p:spPr>
+            <a:xfrm>
+              <a:off x="10083454" y="1451407"/>
+              <a:ext cx="559712" cy="976387"/>
+            </a:xfrm>
+            <a:prstGeom prst="rect">
+              <a:avLst/>
+            </a:prstGeom>
+          </p:spPr>
+        </p:pic>
+        <p:pic>
+          <p:nvPicPr>
+            <p:cNvPr id="10" name="Picture 9" descr="A picture containing sitting, dark, white, sign&#10;&#10;Description automatically generated">
+              <a:extLst>
+                <a:ext uri="{FF2B5EF4-FFF2-40B4-BE49-F238E27FC236}">
+                  <a16:creationId xmlns:a16="http://schemas.microsoft.com/office/drawing/2014/main" id="{4324C91F-8EA6-41E0-ABCC-EB3CC95E04E2}"/>
+                </a:ext>
+              </a:extLst>
+            </p:cNvPr>
+            <p:cNvPicPr>
+              <a:picLocks noChangeAspect="1"/>
+            </p:cNvPicPr>
+            <p:nvPr/>
+          </p:nvPicPr>
+          <p:blipFill>
+            <a:blip r:embed="rId6">
+              <a:extLst>
+                <a:ext uri="{28A0092B-C50C-407E-A947-70E740481C1C}">
+                  <a14:useLocalDpi xmlns:a14="http://schemas.microsoft.com/office/drawing/2010/main" val="0"/>
+                </a:ext>
+              </a:extLst>
+            </a:blip>
+            <a:stretch>
+              <a:fillRect/>
+            </a:stretch>
+          </p:blipFill>
+          <p:spPr>
+            <a:xfrm>
+              <a:off x="9124950" y="1397319"/>
+              <a:ext cx="1419809" cy="1419809"/>
+            </a:xfrm>
+            <a:prstGeom prst="rect">
+              <a:avLst/>
+            </a:prstGeom>
+          </p:spPr>
+        </p:pic>
+      </p:grpSp>
+    </p:spTree>
+    <p:extLst>
+      <p:ext uri="{BB962C8B-B14F-4D97-AF65-F5344CB8AC3E}">
+        <p14:creationId xmlns:p14="http://schemas.microsoft.com/office/powerpoint/2010/main" val="1718158489"/>
+      </p:ext>
+    </p:extLst>
+  </p:cSld>
+  <p:clrMapOvr>
+    <a:masterClrMapping/>
+  </p:clrMapOvr>
+  <p:transition>
+    <p:fade/>
+  </p:transition>
+</p:sld>
+</file>
+
+<file path=ppt/slides/slide12.xml><?xml version="1.0" encoding="utf-8"?>
+<p:sld xmlns:a="http://schemas.openxmlformats.org/drawingml/2006/main" xmlns:r="http://schemas.openxmlformats.org/officeDocument/2006/relationships" xmlns:p="http://schemas.openxmlformats.org/presentationml/2006/main">
+  <p:cSld>
+    <p:bg>
+      <p:bgPr>
+        <a:solidFill>
+          <a:schemeClr val="bg1">
+            <a:lumMod val="95000"/>
+          </a:schemeClr>
+        </a:solidFill>
+        <a:effectLst/>
+      </p:bgPr>
+    </p:bg>
+    <p:spTree>
+      <p:nvGrpSpPr>
+        <p:cNvPr id="1" name=""/>
+        <p:cNvGrpSpPr/>
+        <p:nvPr/>
+      </p:nvGrpSpPr>
+      <p:grpSpPr>
+        <a:xfrm>
+          <a:off x="0" y="0"/>
+          <a:ext cx="0" cy="0"/>
+          <a:chOff x="0" y="0"/>
+          <a:chExt cx="0" cy="0"/>
+        </a:xfrm>
+      </p:grpSpPr>
+      <p:sp>
+        <p:nvSpPr>
+          <p:cNvPr id="2" name="Title 1">
+            <a:extLst>
+              <a:ext uri="{FF2B5EF4-FFF2-40B4-BE49-F238E27FC236}">
+                <a16:creationId xmlns:a16="http://schemas.microsoft.com/office/drawing/2014/main" id="{16D1DAA1-7514-47A2-892A-8155447F1779}"/>
+              </a:ext>
+            </a:extLst>
+          </p:cNvPr>
+          <p:cNvSpPr>
+            <a:spLocks noGrp="1"/>
+          </p:cNvSpPr>
+          <p:nvPr>
+            <p:ph type="title"/>
+          </p:nvPr>
+        </p:nvSpPr>
+        <p:spPr/>
+        <p:txBody>
+          <a:bodyPr>
+            <a:noAutofit/>
+          </a:bodyPr>
+          <a:lstStyle/>
+          <a:p>
+            <a:r>
+              <a:rPr lang="en-US" sz="5400" b="1" dirty="0">
+                <a:latin typeface="Segoe UI Black" panose="020B0A02040204020203" pitchFamily="34" charset="0"/>
+                <a:ea typeface="Segoe UI Black" panose="020B0A02040204020203" pitchFamily="34" charset="0"/>
+                <a:cs typeface="Leelawadee UI" panose="020B0502040204020203" pitchFamily="34" charset="-34"/>
+              </a:rPr>
+              <a:t>DAY 12</a:t>
+            </a:r>
+          </a:p>
+        </p:txBody>
+      </p:sp>
+      <p:sp>
+        <p:nvSpPr>
+          <p:cNvPr id="3" name="Text Placeholder 2">
+            <a:extLst>
+              <a:ext uri="{FF2B5EF4-FFF2-40B4-BE49-F238E27FC236}">
+                <a16:creationId xmlns:a16="http://schemas.microsoft.com/office/drawing/2014/main" id="{9018F955-A657-41BA-ACD4-9BF462F38431}"/>
+              </a:ext>
+            </a:extLst>
+          </p:cNvPr>
+          <p:cNvSpPr>
+            <a:spLocks noGrp="1"/>
+          </p:cNvSpPr>
+          <p:nvPr>
+            <p:ph type="body" sz="quarter" idx="10"/>
+          </p:nvPr>
+        </p:nvSpPr>
+        <p:spPr>
+          <a:xfrm>
+            <a:off x="584200" y="1698171"/>
+            <a:ext cx="11018520" cy="2154436"/>
+          </a:xfrm>
+        </p:spPr>
+        <p:txBody>
+          <a:bodyPr/>
+          <a:lstStyle/>
+          <a:p>
+            <a:pPr marL="0" indent="0">
+              <a:buNone/>
+            </a:pPr>
+            <a:r>
+              <a:rPr lang="en-US" sz="2000" b="1" dirty="0">
+                <a:latin typeface="Segoe UI" panose="020B0502040204020203" pitchFamily="34" charset="0"/>
+                <a:cs typeface="Segoe UI" panose="020B0502040204020203" pitchFamily="34" charset="0"/>
+              </a:rPr>
+              <a:t>Database: </a:t>
+            </a:r>
+            <a:r>
+              <a:rPr lang="en-US" sz="2000" dirty="0" err="1">
+                <a:latin typeface="Segoe UI" panose="020B0502040204020203" pitchFamily="34" charset="0"/>
+                <a:cs typeface="Segoe UI" panose="020B0502040204020203" pitchFamily="34" charset="0"/>
+              </a:rPr>
+              <a:t>WideWorldImportersDW</a:t>
+            </a:r>
+            <a:endParaRPr lang="en-US" sz="2000" dirty="0">
+              <a:latin typeface="Segoe UI" panose="020B0502040204020203" pitchFamily="34" charset="0"/>
+              <a:cs typeface="Segoe UI" panose="020B0502040204020203" pitchFamily="34" charset="0"/>
+            </a:endParaRPr>
+          </a:p>
+          <a:p>
+            <a:pPr marL="0" indent="0">
+              <a:buNone/>
+            </a:pPr>
+            <a:r>
+              <a:rPr lang="en-US" sz="2000" b="1" dirty="0">
+                <a:latin typeface="Segoe UI" panose="020B0502040204020203" pitchFamily="34" charset="0"/>
+                <a:cs typeface="Segoe UI" panose="020B0502040204020203" pitchFamily="34" charset="0"/>
+              </a:rPr>
+              <a:t>Entity: </a:t>
+            </a:r>
+            <a:r>
+              <a:rPr lang="en-US" sz="2000" dirty="0" err="1">
+                <a:latin typeface="Segoe UI" panose="020B0502040204020203" pitchFamily="34" charset="0"/>
+                <a:cs typeface="Segoe UI" panose="020B0502040204020203" pitchFamily="34" charset="0"/>
+              </a:rPr>
+              <a:t>Dimension.Employee</a:t>
+            </a:r>
+            <a:r>
+              <a:rPr lang="en-US" sz="2000" dirty="0">
+                <a:latin typeface="Segoe UI" panose="020B0502040204020203" pitchFamily="34" charset="0"/>
+                <a:cs typeface="Segoe UI" panose="020B0502040204020203" pitchFamily="34" charset="0"/>
+              </a:rPr>
+              <a:t> , </a:t>
+            </a:r>
+            <a:r>
+              <a:rPr lang="en-US" sz="2000" dirty="0" err="1">
+                <a:latin typeface="Segoe UI" panose="020B0502040204020203" pitchFamily="34" charset="0"/>
+                <a:cs typeface="Segoe UI" panose="020B0502040204020203" pitchFamily="34" charset="0"/>
+              </a:rPr>
+              <a:t>Dimension.Customer</a:t>
+            </a:r>
+            <a:endParaRPr lang="en-US" sz="2000" dirty="0">
+              <a:latin typeface="Segoe UI" panose="020B0502040204020203" pitchFamily="34" charset="0"/>
+              <a:cs typeface="Segoe UI" panose="020B0502040204020203" pitchFamily="34" charset="0"/>
+            </a:endParaRPr>
+          </a:p>
+          <a:p>
+            <a:pPr marL="0" indent="0">
+              <a:buNone/>
+            </a:pPr>
+            <a:endParaRPr lang="en-US" sz="2000" dirty="0">
+              <a:latin typeface="Segoe UI" panose="020B0502040204020203" pitchFamily="34" charset="0"/>
+              <a:cs typeface="Segoe UI" panose="020B0502040204020203" pitchFamily="34" charset="0"/>
+            </a:endParaRPr>
+          </a:p>
+          <a:p>
+            <a:pPr marL="0" indent="0">
+              <a:buNone/>
+            </a:pPr>
+            <a:r>
+              <a:rPr lang="en-US" sz="2000" b="1" dirty="0">
+                <a:latin typeface="Segoe UI" panose="020B0502040204020203" pitchFamily="34" charset="0"/>
+                <a:cs typeface="Segoe UI" panose="020B0502040204020203" pitchFamily="34" charset="0"/>
+              </a:rPr>
+              <a:t>Instructions:</a:t>
+            </a:r>
+          </a:p>
+          <a:p>
+            <a:pPr marL="0" indent="0">
+              <a:buNone/>
+            </a:pPr>
+            <a:r>
+              <a:rPr lang="en-US" sz="2000" dirty="0">
+                <a:latin typeface="Segoe UI" panose="020B0502040204020203" pitchFamily="34" charset="0"/>
+                <a:cs typeface="Segoe UI" panose="020B0502040204020203" pitchFamily="34" charset="0"/>
+              </a:rPr>
+              <a:t>Union select a [Full Name] column for each unique name in ascending order.</a:t>
+            </a:r>
+          </a:p>
+          <a:p>
+            <a:r>
+              <a:rPr lang="en-US" sz="2000" dirty="0">
+                <a:latin typeface="Segoe UI" panose="020B0502040204020203" pitchFamily="34" charset="0"/>
+                <a:cs typeface="Segoe UI" panose="020B0502040204020203" pitchFamily="34" charset="0"/>
+              </a:rPr>
+              <a:t>The [Full Name] field is an alias for the [Employee] and [Primary Contact] fields.</a:t>
+            </a:r>
+          </a:p>
+        </p:txBody>
+      </p:sp>
+      <p:pic>
+        <p:nvPicPr>
+          <p:cNvPr id="5" name="Picture 4" descr="A close up of a logo&#10;&#10;Description automatically generated">
+            <a:extLst>
+              <a:ext uri="{FF2B5EF4-FFF2-40B4-BE49-F238E27FC236}">
+                <a16:creationId xmlns:a16="http://schemas.microsoft.com/office/drawing/2014/main" id="{94D59F6F-A728-4865-B92A-AE9935E9E488}"/>
+              </a:ext>
+            </a:extLst>
+          </p:cNvPr>
+          <p:cNvPicPr>
+            <a:picLocks noChangeAspect="1"/>
+          </p:cNvPicPr>
+          <p:nvPr/>
+        </p:nvPicPr>
+        <p:blipFill>
+          <a:blip r:embed="rId2">
+            <a:extLst>
+              <a:ext uri="{28A0092B-C50C-407E-A947-70E740481C1C}">
+                <a14:useLocalDpi xmlns:a14="http://schemas.microsoft.com/office/drawing/2010/main" val="0"/>
+              </a:ext>
+            </a:extLst>
+          </a:blip>
+          <a:stretch>
+            <a:fillRect/>
+          </a:stretch>
+        </p:blipFill>
+        <p:spPr>
+          <a:xfrm>
+            <a:off x="363674" y="5593489"/>
+            <a:ext cx="1005840" cy="1005840"/>
+          </a:xfrm>
+          <a:prstGeom prst="rect">
+            <a:avLst/>
+          </a:prstGeom>
+        </p:spPr>
+      </p:pic>
+      <p:pic>
+        <p:nvPicPr>
+          <p:cNvPr id="7" name="Picture 6" descr="A picture containing food&#10;&#10;Description automatically generated">
+            <a:extLst>
+              <a:ext uri="{FF2B5EF4-FFF2-40B4-BE49-F238E27FC236}">
+                <a16:creationId xmlns:a16="http://schemas.microsoft.com/office/drawing/2014/main" id="{EA99191B-2453-42A4-9DDB-84E4DDC775F1}"/>
+              </a:ext>
+            </a:extLst>
+          </p:cNvPr>
+          <p:cNvPicPr>
+            <a:picLocks noChangeAspect="1"/>
+          </p:cNvPicPr>
+          <p:nvPr/>
+        </p:nvPicPr>
+        <p:blipFill>
+          <a:blip r:embed="rId3">
+            <a:extLst>
+              <a:ext uri="{28A0092B-C50C-407E-A947-70E740481C1C}">
+                <a14:useLocalDpi xmlns:a14="http://schemas.microsoft.com/office/drawing/2010/main" val="0"/>
+              </a:ext>
+            </a:extLst>
+          </a:blip>
+          <a:stretch>
+            <a:fillRect/>
+          </a:stretch>
+        </p:blipFill>
+        <p:spPr>
+          <a:xfrm>
+            <a:off x="1101708" y="5486804"/>
+            <a:ext cx="1219209" cy="1219209"/>
+          </a:xfrm>
+          <a:prstGeom prst="rect">
+            <a:avLst/>
+          </a:prstGeom>
+        </p:spPr>
+      </p:pic>
+      <p:grpSp>
+        <p:nvGrpSpPr>
+          <p:cNvPr id="11" name="Group 10">
+            <a:extLst>
+              <a:ext uri="{FF2B5EF4-FFF2-40B4-BE49-F238E27FC236}">
+                <a16:creationId xmlns:a16="http://schemas.microsoft.com/office/drawing/2014/main" id="{43EA8AA4-AAA1-49F7-8C34-DA88A460E967}"/>
+              </a:ext>
+            </a:extLst>
+          </p:cNvPr>
+          <p:cNvGrpSpPr/>
+          <p:nvPr/>
+        </p:nvGrpSpPr>
+        <p:grpSpPr>
+          <a:xfrm>
+            <a:off x="10579506" y="5618730"/>
+            <a:ext cx="1021572" cy="955356"/>
+            <a:chOff x="9124950" y="1397319"/>
+            <a:chExt cx="1518216" cy="1419809"/>
+          </a:xfrm>
+        </p:grpSpPr>
+        <p:pic>
+          <p:nvPicPr>
+            <p:cNvPr id="9" name="Picture 8">
+              <a:extLst>
+                <a:ext uri="{FF2B5EF4-FFF2-40B4-BE49-F238E27FC236}">
+                  <a16:creationId xmlns:a16="http://schemas.microsoft.com/office/drawing/2014/main" id="{48CC9875-A615-4C59-BD77-B03E0FE0BB48}"/>
+                </a:ext>
+              </a:extLst>
+            </p:cNvPr>
+            <p:cNvPicPr>
+              <a:picLocks noChangeAspect="1"/>
+            </p:cNvPicPr>
+            <p:nvPr/>
+          </p:nvPicPr>
+          <p:blipFill>
+            <a:blip r:embed="rId4">
+              <a:extLst>
+                <a:ext uri="{BEBA8EAE-BF5A-486C-A8C5-ECC9F3942E4B}">
+                  <a14:imgProps xmlns:a14="http://schemas.microsoft.com/office/drawing/2010/main">
+                    <a14:imgLayer r:embed="rId5">
+                      <a14:imgEffect>
+                        <a14:backgroundRemoval t="8917" b="94268" l="10000" r="90000">
+                          <a14:foregroundMark x1="12222" y1="16561" x2="12222" y2="16561"/>
+                          <a14:foregroundMark x1="60000" y1="10191" x2="60000" y2="10191"/>
+                          <a14:foregroundMark x1="43333" y1="34395" x2="43333" y2="34395"/>
+                          <a14:foregroundMark x1="68889" y1="35032" x2="68889" y2="35032"/>
+                          <a14:foregroundMark x1="88889" y1="39490" x2="88889" y2="39490"/>
+                          <a14:foregroundMark x1="88889" y1="55414" x2="88889" y2="55414"/>
+                          <a14:foregroundMark x1="88889" y1="70064" x2="88889" y2="70064"/>
+                          <a14:foregroundMark x1="88889" y1="85987" x2="88889" y2="85987"/>
+                          <a14:foregroundMark x1="67778" y1="92994" x2="67778" y2="92994"/>
+                          <a14:foregroundMark x1="43333" y1="94268" x2="43333" y2="94268"/>
+                        </a14:backgroundRemoval>
+                      </a14:imgEffect>
+                    </a14:imgLayer>
+                  </a14:imgProps>
+                </a:ext>
+              </a:extLst>
+            </a:blip>
+            <a:stretch>
+              <a:fillRect/>
+            </a:stretch>
+          </p:blipFill>
+          <p:spPr>
+            <a:xfrm>
+              <a:off x="10083454" y="1451407"/>
+              <a:ext cx="559712" cy="976387"/>
+            </a:xfrm>
+            <a:prstGeom prst="rect">
+              <a:avLst/>
+            </a:prstGeom>
+          </p:spPr>
+        </p:pic>
+        <p:pic>
+          <p:nvPicPr>
+            <p:cNvPr id="10" name="Picture 9" descr="A picture containing sitting, dark, white, sign&#10;&#10;Description automatically generated">
+              <a:extLst>
+                <a:ext uri="{FF2B5EF4-FFF2-40B4-BE49-F238E27FC236}">
+                  <a16:creationId xmlns:a16="http://schemas.microsoft.com/office/drawing/2014/main" id="{4324C91F-8EA6-41E0-ABCC-EB3CC95E04E2}"/>
+                </a:ext>
+              </a:extLst>
+            </p:cNvPr>
+            <p:cNvPicPr>
+              <a:picLocks noChangeAspect="1"/>
+            </p:cNvPicPr>
+            <p:nvPr/>
+          </p:nvPicPr>
+          <p:blipFill>
+            <a:blip r:embed="rId6">
+              <a:extLst>
+                <a:ext uri="{28A0092B-C50C-407E-A947-70E740481C1C}">
+                  <a14:useLocalDpi xmlns:a14="http://schemas.microsoft.com/office/drawing/2010/main" val="0"/>
+                </a:ext>
+              </a:extLst>
+            </a:blip>
+            <a:stretch>
+              <a:fillRect/>
+            </a:stretch>
+          </p:blipFill>
+          <p:spPr>
+            <a:xfrm>
+              <a:off x="9124950" y="1397319"/>
+              <a:ext cx="1419809" cy="1419809"/>
+            </a:xfrm>
+            <a:prstGeom prst="rect">
+              <a:avLst/>
+            </a:prstGeom>
+          </p:spPr>
+        </p:pic>
+      </p:grpSp>
+    </p:spTree>
+    <p:extLst>
+      <p:ext uri="{BB962C8B-B14F-4D97-AF65-F5344CB8AC3E}">
+        <p14:creationId xmlns:p14="http://schemas.microsoft.com/office/powerpoint/2010/main" val="147998801"/>
+      </p:ext>
+    </p:extLst>
+  </p:cSld>
+  <p:clrMapOvr>
+    <a:masterClrMapping/>
+  </p:clrMapOvr>
+  <p:transition>
+    <p:fade/>
+  </p:transition>
+</p:sld>
+</file>
+
+<file path=ppt/slides/slide13.xml><?xml version="1.0" encoding="utf-8"?>
+<p:sld xmlns:a="http://schemas.openxmlformats.org/drawingml/2006/main" xmlns:r="http://schemas.openxmlformats.org/officeDocument/2006/relationships" xmlns:p="http://schemas.openxmlformats.org/presentationml/2006/main">
+  <p:cSld>
+    <p:bg>
+      <p:bgPr>
+        <a:solidFill>
+          <a:schemeClr val="bg1">
+            <a:lumMod val="95000"/>
+          </a:schemeClr>
+        </a:solidFill>
+        <a:effectLst/>
+      </p:bgPr>
+    </p:bg>
+    <p:spTree>
+      <p:nvGrpSpPr>
+        <p:cNvPr id="1" name=""/>
+        <p:cNvGrpSpPr/>
+        <p:nvPr/>
+      </p:nvGrpSpPr>
+      <p:grpSpPr>
+        <a:xfrm>
+          <a:off x="0" y="0"/>
+          <a:ext cx="0" cy="0"/>
+          <a:chOff x="0" y="0"/>
+          <a:chExt cx="0" cy="0"/>
+        </a:xfrm>
+      </p:grpSpPr>
+      <p:sp>
+        <p:nvSpPr>
+          <p:cNvPr id="2" name="Title 1">
+            <a:extLst>
+              <a:ext uri="{FF2B5EF4-FFF2-40B4-BE49-F238E27FC236}">
+                <a16:creationId xmlns:a16="http://schemas.microsoft.com/office/drawing/2014/main" id="{16D1DAA1-7514-47A2-892A-8155447F1779}"/>
+              </a:ext>
+            </a:extLst>
+          </p:cNvPr>
+          <p:cNvSpPr>
+            <a:spLocks noGrp="1"/>
+          </p:cNvSpPr>
+          <p:nvPr>
+            <p:ph type="title"/>
+          </p:nvPr>
+        </p:nvSpPr>
+        <p:spPr/>
+        <p:txBody>
+          <a:bodyPr>
+            <a:noAutofit/>
+          </a:bodyPr>
+          <a:lstStyle/>
+          <a:p>
+            <a:r>
+              <a:rPr lang="en-US" sz="5400" b="1" dirty="0">
+                <a:latin typeface="Segoe UI Black" panose="020B0A02040204020203" pitchFamily="34" charset="0"/>
+                <a:ea typeface="Segoe UI Black" panose="020B0A02040204020203" pitchFamily="34" charset="0"/>
+                <a:cs typeface="Leelawadee UI" panose="020B0502040204020203" pitchFamily="34" charset="-34"/>
+              </a:rPr>
+              <a:t>DAY 13</a:t>
+            </a:r>
+          </a:p>
+        </p:txBody>
+      </p:sp>
+      <p:sp>
+        <p:nvSpPr>
+          <p:cNvPr id="3" name="Text Placeholder 2">
+            <a:extLst>
+              <a:ext uri="{FF2B5EF4-FFF2-40B4-BE49-F238E27FC236}">
+                <a16:creationId xmlns:a16="http://schemas.microsoft.com/office/drawing/2014/main" id="{9018F955-A657-41BA-ACD4-9BF462F38431}"/>
+              </a:ext>
+            </a:extLst>
+          </p:cNvPr>
+          <p:cNvSpPr>
+            <a:spLocks noGrp="1"/>
+          </p:cNvSpPr>
+          <p:nvPr>
+            <p:ph type="body" sz="quarter" idx="10"/>
+          </p:nvPr>
+        </p:nvSpPr>
+        <p:spPr>
+          <a:xfrm>
+            <a:off x="584200" y="1698171"/>
+            <a:ext cx="11018520" cy="2092881"/>
+          </a:xfrm>
+        </p:spPr>
+        <p:txBody>
+          <a:bodyPr/>
+          <a:lstStyle/>
+          <a:p>
+            <a:pPr marL="0" indent="0">
+              <a:buNone/>
+            </a:pPr>
+            <a:r>
+              <a:rPr lang="en-US" sz="2000" b="1" dirty="0">
+                <a:latin typeface="Segoe UI" panose="020B0502040204020203" pitchFamily="34" charset="0"/>
+                <a:cs typeface="Segoe UI" panose="020B0502040204020203" pitchFamily="34" charset="0"/>
+              </a:rPr>
+              <a:t>Database: </a:t>
+            </a:r>
+            <a:r>
+              <a:rPr lang="en-US" sz="2000" dirty="0">
+                <a:latin typeface="Segoe UI" panose="020B0502040204020203" pitchFamily="34" charset="0"/>
+                <a:cs typeface="Segoe UI" panose="020B0502040204020203" pitchFamily="34" charset="0"/>
+              </a:rPr>
+              <a:t>AdventureWorksDW2017</a:t>
+            </a:r>
+          </a:p>
+          <a:p>
+            <a:pPr marL="0" indent="0">
+              <a:buNone/>
+            </a:pPr>
+            <a:r>
+              <a:rPr lang="en-US" sz="2000" b="1" dirty="0">
+                <a:latin typeface="Segoe UI" panose="020B0502040204020203" pitchFamily="34" charset="0"/>
+                <a:cs typeface="Segoe UI" panose="020B0502040204020203" pitchFamily="34" charset="0"/>
+              </a:rPr>
+              <a:t>Entity: </a:t>
+            </a:r>
+            <a:r>
+              <a:rPr lang="en-US" sz="2000" dirty="0" err="1">
+                <a:latin typeface="Segoe UI" panose="020B0502040204020203" pitchFamily="34" charset="0"/>
+                <a:cs typeface="Segoe UI" panose="020B0502040204020203" pitchFamily="34" charset="0"/>
+              </a:rPr>
+              <a:t>DimEmployee</a:t>
+            </a:r>
+            <a:endParaRPr lang="en-US" sz="2000" dirty="0">
+              <a:latin typeface="Segoe UI" panose="020B0502040204020203" pitchFamily="34" charset="0"/>
+              <a:cs typeface="Segoe UI" panose="020B0502040204020203" pitchFamily="34" charset="0"/>
+            </a:endParaRPr>
+          </a:p>
+          <a:p>
+            <a:pPr marL="0" indent="0">
+              <a:buNone/>
+            </a:pPr>
+            <a:endParaRPr lang="en-US" sz="2000" dirty="0">
+              <a:latin typeface="Segoe UI" panose="020B0502040204020203" pitchFamily="34" charset="0"/>
+              <a:cs typeface="Segoe UI" panose="020B0502040204020203" pitchFamily="34" charset="0"/>
+            </a:endParaRPr>
+          </a:p>
+          <a:p>
+            <a:pPr marL="0" indent="0">
+              <a:buNone/>
+            </a:pPr>
+            <a:r>
+              <a:rPr lang="en-US" sz="2000" b="1" dirty="0">
+                <a:latin typeface="Segoe UI" panose="020B0502040204020203" pitchFamily="34" charset="0"/>
+                <a:cs typeface="Segoe UI" panose="020B0502040204020203" pitchFamily="34" charset="0"/>
+              </a:rPr>
+              <a:t>Instructions:</a:t>
+            </a:r>
+          </a:p>
+          <a:p>
+            <a:pPr marL="0" indent="0">
+              <a:buNone/>
+            </a:pPr>
+            <a:r>
+              <a:rPr lang="en-US" sz="2000" dirty="0">
+                <a:latin typeface="Segoe UI" panose="020B0502040204020203" pitchFamily="34" charset="0"/>
+                <a:cs typeface="Segoe UI" panose="020B0502040204020203" pitchFamily="34" charset="0"/>
+              </a:rPr>
+              <a:t>Select [</a:t>
+            </a:r>
+            <a:r>
+              <a:rPr lang="en-US" sz="2000" dirty="0" err="1">
+                <a:latin typeface="Segoe UI" panose="020B0502040204020203" pitchFamily="34" charset="0"/>
+                <a:cs typeface="Segoe UI" panose="020B0502040204020203" pitchFamily="34" charset="0"/>
+              </a:rPr>
+              <a:t>EmailAddress</a:t>
+            </a:r>
+            <a:r>
+              <a:rPr lang="en-US" sz="2000" dirty="0">
+                <a:latin typeface="Segoe UI" panose="020B0502040204020203" pitchFamily="34" charset="0"/>
+                <a:cs typeface="Segoe UI" panose="020B0502040204020203" pitchFamily="34" charset="0"/>
+              </a:rPr>
+              <a:t>], [Gender], [</a:t>
+            </a:r>
+            <a:r>
+              <a:rPr lang="en-US" sz="2000" dirty="0" err="1">
+                <a:latin typeface="Segoe UI" panose="020B0502040204020203" pitchFamily="34" charset="0"/>
+                <a:cs typeface="Segoe UI" panose="020B0502040204020203" pitchFamily="34" charset="0"/>
+              </a:rPr>
+              <a:t>BirthDate</a:t>
+            </a:r>
+            <a:r>
+              <a:rPr lang="en-US" sz="2000" dirty="0">
+                <a:latin typeface="Segoe UI" panose="020B0502040204020203" pitchFamily="34" charset="0"/>
+                <a:cs typeface="Segoe UI" panose="020B0502040204020203" pitchFamily="34" charset="0"/>
+              </a:rPr>
+              <a:t>] for all employees with a [</a:t>
+            </a:r>
+            <a:r>
+              <a:rPr lang="en-US" sz="2000" dirty="0" err="1">
+                <a:latin typeface="Segoe UI" panose="020B0502040204020203" pitchFamily="34" charset="0"/>
+                <a:cs typeface="Segoe UI" panose="020B0502040204020203" pitchFamily="34" charset="0"/>
+              </a:rPr>
+              <a:t>BirthDate</a:t>
+            </a:r>
+            <a:r>
+              <a:rPr lang="en-US" sz="2000" dirty="0">
+                <a:latin typeface="Segoe UI" panose="020B0502040204020203" pitchFamily="34" charset="0"/>
+                <a:cs typeface="Segoe UI" panose="020B0502040204020203" pitchFamily="34" charset="0"/>
+              </a:rPr>
+              <a:t>] between 19900101 and 19901231.</a:t>
+            </a:r>
+          </a:p>
+        </p:txBody>
+      </p:sp>
+      <p:pic>
+        <p:nvPicPr>
+          <p:cNvPr id="5" name="Picture 4" descr="A close up of a logo&#10;&#10;Description automatically generated">
+            <a:extLst>
+              <a:ext uri="{FF2B5EF4-FFF2-40B4-BE49-F238E27FC236}">
+                <a16:creationId xmlns:a16="http://schemas.microsoft.com/office/drawing/2014/main" id="{94D59F6F-A728-4865-B92A-AE9935E9E488}"/>
+              </a:ext>
+            </a:extLst>
+          </p:cNvPr>
+          <p:cNvPicPr>
+            <a:picLocks noChangeAspect="1"/>
+          </p:cNvPicPr>
+          <p:nvPr/>
+        </p:nvPicPr>
+        <p:blipFill>
+          <a:blip r:embed="rId2">
+            <a:extLst>
+              <a:ext uri="{28A0092B-C50C-407E-A947-70E740481C1C}">
+                <a14:useLocalDpi xmlns:a14="http://schemas.microsoft.com/office/drawing/2010/main" val="0"/>
+              </a:ext>
+            </a:extLst>
+          </a:blip>
+          <a:stretch>
+            <a:fillRect/>
+          </a:stretch>
+        </p:blipFill>
+        <p:spPr>
+          <a:xfrm>
+            <a:off x="363674" y="5593489"/>
+            <a:ext cx="1005840" cy="1005840"/>
+          </a:xfrm>
+          <a:prstGeom prst="rect">
+            <a:avLst/>
+          </a:prstGeom>
+        </p:spPr>
+      </p:pic>
+      <p:pic>
+        <p:nvPicPr>
+          <p:cNvPr id="7" name="Picture 6" descr="A picture containing food&#10;&#10;Description automatically generated">
+            <a:extLst>
+              <a:ext uri="{FF2B5EF4-FFF2-40B4-BE49-F238E27FC236}">
+                <a16:creationId xmlns:a16="http://schemas.microsoft.com/office/drawing/2014/main" id="{EA99191B-2453-42A4-9DDB-84E4DDC775F1}"/>
+              </a:ext>
+            </a:extLst>
+          </p:cNvPr>
+          <p:cNvPicPr>
+            <a:picLocks noChangeAspect="1"/>
+          </p:cNvPicPr>
+          <p:nvPr/>
+        </p:nvPicPr>
+        <p:blipFill>
+          <a:blip r:embed="rId3">
+            <a:extLst>
+              <a:ext uri="{28A0092B-C50C-407E-A947-70E740481C1C}">
+                <a14:useLocalDpi xmlns:a14="http://schemas.microsoft.com/office/drawing/2010/main" val="0"/>
+              </a:ext>
+            </a:extLst>
+          </a:blip>
+          <a:stretch>
+            <a:fillRect/>
+          </a:stretch>
+        </p:blipFill>
+        <p:spPr>
+          <a:xfrm>
+            <a:off x="1101708" y="5486804"/>
+            <a:ext cx="1219209" cy="1219209"/>
+          </a:xfrm>
+          <a:prstGeom prst="rect">
+            <a:avLst/>
+          </a:prstGeom>
+        </p:spPr>
+      </p:pic>
+      <p:grpSp>
+        <p:nvGrpSpPr>
+          <p:cNvPr id="11" name="Group 10">
+            <a:extLst>
+              <a:ext uri="{FF2B5EF4-FFF2-40B4-BE49-F238E27FC236}">
+                <a16:creationId xmlns:a16="http://schemas.microsoft.com/office/drawing/2014/main" id="{43EA8AA4-AAA1-49F7-8C34-DA88A460E967}"/>
+              </a:ext>
+            </a:extLst>
+          </p:cNvPr>
+          <p:cNvGrpSpPr/>
+          <p:nvPr/>
+        </p:nvGrpSpPr>
+        <p:grpSpPr>
+          <a:xfrm>
+            <a:off x="10579506" y="5618730"/>
+            <a:ext cx="1021572" cy="955356"/>
+            <a:chOff x="9124950" y="1397319"/>
+            <a:chExt cx="1518216" cy="1419809"/>
+          </a:xfrm>
+        </p:grpSpPr>
+        <p:pic>
+          <p:nvPicPr>
+            <p:cNvPr id="9" name="Picture 8">
+              <a:extLst>
+                <a:ext uri="{FF2B5EF4-FFF2-40B4-BE49-F238E27FC236}">
+                  <a16:creationId xmlns:a16="http://schemas.microsoft.com/office/drawing/2014/main" id="{48CC9875-A615-4C59-BD77-B03E0FE0BB48}"/>
+                </a:ext>
+              </a:extLst>
+            </p:cNvPr>
+            <p:cNvPicPr>
+              <a:picLocks noChangeAspect="1"/>
+            </p:cNvPicPr>
+            <p:nvPr/>
+          </p:nvPicPr>
+          <p:blipFill>
+            <a:blip r:embed="rId4">
+              <a:extLst>
+                <a:ext uri="{BEBA8EAE-BF5A-486C-A8C5-ECC9F3942E4B}">
+                  <a14:imgProps xmlns:a14="http://schemas.microsoft.com/office/drawing/2010/main">
+                    <a14:imgLayer r:embed="rId5">
+                      <a14:imgEffect>
+                        <a14:backgroundRemoval t="8917" b="94268" l="10000" r="90000">
+                          <a14:foregroundMark x1="12222" y1="16561" x2="12222" y2="16561"/>
+                          <a14:foregroundMark x1="60000" y1="10191" x2="60000" y2="10191"/>
+                          <a14:foregroundMark x1="43333" y1="34395" x2="43333" y2="34395"/>
+                          <a14:foregroundMark x1="68889" y1="35032" x2="68889" y2="35032"/>
+                          <a14:foregroundMark x1="88889" y1="39490" x2="88889" y2="39490"/>
+                          <a14:foregroundMark x1="88889" y1="55414" x2="88889" y2="55414"/>
+                          <a14:foregroundMark x1="88889" y1="70064" x2="88889" y2="70064"/>
+                          <a14:foregroundMark x1="88889" y1="85987" x2="88889" y2="85987"/>
+                          <a14:foregroundMark x1="67778" y1="92994" x2="67778" y2="92994"/>
+                          <a14:foregroundMark x1="43333" y1="94268" x2="43333" y2="94268"/>
+                        </a14:backgroundRemoval>
+                      </a14:imgEffect>
+                    </a14:imgLayer>
+                  </a14:imgProps>
+                </a:ext>
+              </a:extLst>
+            </a:blip>
+            <a:stretch>
+              <a:fillRect/>
+            </a:stretch>
+          </p:blipFill>
+          <p:spPr>
+            <a:xfrm>
+              <a:off x="10083454" y="1451407"/>
+              <a:ext cx="559712" cy="976387"/>
+            </a:xfrm>
+            <a:prstGeom prst="rect">
+              <a:avLst/>
+            </a:prstGeom>
+          </p:spPr>
+        </p:pic>
+        <p:pic>
+          <p:nvPicPr>
+            <p:cNvPr id="10" name="Picture 9" descr="A picture containing sitting, dark, white, sign&#10;&#10;Description automatically generated">
+              <a:extLst>
+                <a:ext uri="{FF2B5EF4-FFF2-40B4-BE49-F238E27FC236}">
+                  <a16:creationId xmlns:a16="http://schemas.microsoft.com/office/drawing/2014/main" id="{4324C91F-8EA6-41E0-ABCC-EB3CC95E04E2}"/>
+                </a:ext>
+              </a:extLst>
+            </p:cNvPr>
+            <p:cNvPicPr>
+              <a:picLocks noChangeAspect="1"/>
+            </p:cNvPicPr>
+            <p:nvPr/>
+          </p:nvPicPr>
+          <p:blipFill>
+            <a:blip r:embed="rId6">
+              <a:extLst>
+                <a:ext uri="{28A0092B-C50C-407E-A947-70E740481C1C}">
+                  <a14:useLocalDpi xmlns:a14="http://schemas.microsoft.com/office/drawing/2010/main" val="0"/>
+                </a:ext>
+              </a:extLst>
+            </a:blip>
+            <a:stretch>
+              <a:fillRect/>
+            </a:stretch>
+          </p:blipFill>
+          <p:spPr>
+            <a:xfrm>
+              <a:off x="9124950" y="1397319"/>
+              <a:ext cx="1419809" cy="1419809"/>
+            </a:xfrm>
+            <a:prstGeom prst="rect">
+              <a:avLst/>
+            </a:prstGeom>
+          </p:spPr>
+        </p:pic>
+      </p:grpSp>
+    </p:spTree>
+    <p:extLst>
+      <p:ext uri="{BB962C8B-B14F-4D97-AF65-F5344CB8AC3E}">
+        <p14:creationId xmlns:p14="http://schemas.microsoft.com/office/powerpoint/2010/main" val="607250520"/>
+      </p:ext>
+    </p:extLst>
+  </p:cSld>
+  <p:clrMapOvr>
+    <a:masterClrMapping/>
+  </p:clrMapOvr>
+  <p:transition>
+    <p:fade/>
+  </p:transition>
+</p:sld>
+</file>
+
+<file path=ppt/slides/slide14.xml><?xml version="1.0" encoding="utf-8"?>
+<p:sld xmlns:a="http://schemas.openxmlformats.org/drawingml/2006/main" xmlns:r="http://schemas.openxmlformats.org/officeDocument/2006/relationships" xmlns:p="http://schemas.openxmlformats.org/presentationml/2006/main">
+  <p:cSld>
+    <p:bg>
+      <p:bgPr>
+        <a:solidFill>
+          <a:schemeClr val="bg1">
+            <a:lumMod val="95000"/>
+          </a:schemeClr>
+        </a:solidFill>
+        <a:effectLst/>
+      </p:bgPr>
+    </p:bg>
+    <p:spTree>
+      <p:nvGrpSpPr>
+        <p:cNvPr id="1" name=""/>
+        <p:cNvGrpSpPr/>
+        <p:nvPr/>
+      </p:nvGrpSpPr>
+      <p:grpSpPr>
+        <a:xfrm>
+          <a:off x="0" y="0"/>
+          <a:ext cx="0" cy="0"/>
+          <a:chOff x="0" y="0"/>
+          <a:chExt cx="0" cy="0"/>
+        </a:xfrm>
+      </p:grpSpPr>
+      <p:sp>
+        <p:nvSpPr>
+          <p:cNvPr id="2" name="Title 1">
+            <a:extLst>
+              <a:ext uri="{FF2B5EF4-FFF2-40B4-BE49-F238E27FC236}">
+                <a16:creationId xmlns:a16="http://schemas.microsoft.com/office/drawing/2014/main" id="{16D1DAA1-7514-47A2-892A-8155447F1779}"/>
+              </a:ext>
+            </a:extLst>
+          </p:cNvPr>
+          <p:cNvSpPr>
+            <a:spLocks noGrp="1"/>
+          </p:cNvSpPr>
+          <p:nvPr>
+            <p:ph type="title"/>
+          </p:nvPr>
+        </p:nvSpPr>
+        <p:spPr/>
+        <p:txBody>
+          <a:bodyPr>
+            <a:noAutofit/>
+          </a:bodyPr>
+          <a:lstStyle/>
+          <a:p>
+            <a:r>
+              <a:rPr lang="en-US" sz="5400" b="1" dirty="0">
+                <a:latin typeface="Segoe UI Black" panose="020B0A02040204020203" pitchFamily="34" charset="0"/>
+                <a:ea typeface="Segoe UI Black" panose="020B0A02040204020203" pitchFamily="34" charset="0"/>
+                <a:cs typeface="Leelawadee UI" panose="020B0502040204020203" pitchFamily="34" charset="-34"/>
+              </a:rPr>
+              <a:t>DAY 14</a:t>
+            </a:r>
+          </a:p>
+        </p:txBody>
+      </p:sp>
+      <p:sp>
+        <p:nvSpPr>
+          <p:cNvPr id="3" name="Text Placeholder 2">
+            <a:extLst>
+              <a:ext uri="{FF2B5EF4-FFF2-40B4-BE49-F238E27FC236}">
+                <a16:creationId xmlns:a16="http://schemas.microsoft.com/office/drawing/2014/main" id="{9018F955-A657-41BA-ACD4-9BF462F38431}"/>
+              </a:ext>
+            </a:extLst>
+          </p:cNvPr>
+          <p:cNvSpPr>
+            <a:spLocks noGrp="1"/>
+          </p:cNvSpPr>
+          <p:nvPr>
+            <p:ph type="body" sz="quarter" idx="10"/>
+          </p:nvPr>
+        </p:nvSpPr>
+        <p:spPr>
+          <a:xfrm>
+            <a:off x="584200" y="1698171"/>
+            <a:ext cx="11018520" cy="2092881"/>
+          </a:xfrm>
+        </p:spPr>
+        <p:txBody>
+          <a:bodyPr/>
+          <a:lstStyle/>
+          <a:p>
+            <a:pPr marL="0" indent="0">
+              <a:buNone/>
+            </a:pPr>
+            <a:r>
+              <a:rPr lang="en-US" sz="2000" b="1" dirty="0">
+                <a:latin typeface="Segoe UI" panose="020B0502040204020203" pitchFamily="34" charset="0"/>
+                <a:cs typeface="Segoe UI" panose="020B0502040204020203" pitchFamily="34" charset="0"/>
+              </a:rPr>
+              <a:t>Database: </a:t>
+            </a:r>
+            <a:r>
+              <a:rPr lang="en-US" sz="2000" dirty="0">
+                <a:latin typeface="Segoe UI" panose="020B0502040204020203" pitchFamily="34" charset="0"/>
+                <a:cs typeface="Segoe UI" panose="020B0502040204020203" pitchFamily="34" charset="0"/>
+              </a:rPr>
+              <a:t>AdventureWorksDW2017</a:t>
+            </a:r>
+          </a:p>
+          <a:p>
+            <a:pPr marL="0" indent="0">
+              <a:buNone/>
+            </a:pPr>
+            <a:r>
+              <a:rPr lang="en-US" sz="2000" b="1" dirty="0">
+                <a:latin typeface="Segoe UI" panose="020B0502040204020203" pitchFamily="34" charset="0"/>
+                <a:cs typeface="Segoe UI" panose="020B0502040204020203" pitchFamily="34" charset="0"/>
+              </a:rPr>
+              <a:t>Entity: </a:t>
+            </a:r>
+            <a:r>
+              <a:rPr lang="en-US" sz="2000" dirty="0" err="1">
+                <a:latin typeface="Segoe UI" panose="020B0502040204020203" pitchFamily="34" charset="0"/>
+                <a:cs typeface="Segoe UI" panose="020B0502040204020203" pitchFamily="34" charset="0"/>
+              </a:rPr>
+              <a:t>DimCustomer</a:t>
+            </a:r>
+            <a:endParaRPr lang="en-US" sz="2000" dirty="0">
+              <a:latin typeface="Segoe UI" panose="020B0502040204020203" pitchFamily="34" charset="0"/>
+              <a:cs typeface="Segoe UI" panose="020B0502040204020203" pitchFamily="34" charset="0"/>
+            </a:endParaRPr>
+          </a:p>
+          <a:p>
+            <a:pPr marL="0" indent="0">
+              <a:buNone/>
+            </a:pPr>
+            <a:endParaRPr lang="en-US" sz="2000" dirty="0">
+              <a:latin typeface="Segoe UI" panose="020B0502040204020203" pitchFamily="34" charset="0"/>
+              <a:cs typeface="Segoe UI" panose="020B0502040204020203" pitchFamily="34" charset="0"/>
+            </a:endParaRPr>
+          </a:p>
+          <a:p>
+            <a:pPr marL="0" indent="0">
+              <a:buNone/>
+            </a:pPr>
+            <a:r>
+              <a:rPr lang="en-US" sz="2000" b="1" dirty="0">
+                <a:latin typeface="Segoe UI" panose="020B0502040204020203" pitchFamily="34" charset="0"/>
+                <a:cs typeface="Segoe UI" panose="020B0502040204020203" pitchFamily="34" charset="0"/>
+              </a:rPr>
+              <a:t>Instructions:</a:t>
+            </a:r>
+          </a:p>
+          <a:p>
+            <a:pPr marL="0" indent="0">
+              <a:buNone/>
+            </a:pPr>
+            <a:r>
+              <a:rPr lang="en-US" sz="2000" dirty="0">
+                <a:latin typeface="Segoe UI" panose="020B0502040204020203" pitchFamily="34" charset="0"/>
+                <a:cs typeface="Segoe UI" panose="020B0502040204020203" pitchFamily="34" charset="0"/>
+              </a:rPr>
+              <a:t>Select [</a:t>
+            </a:r>
+            <a:r>
+              <a:rPr lang="en-US" sz="2000" dirty="0" err="1">
+                <a:latin typeface="Segoe UI" panose="020B0502040204020203" pitchFamily="34" charset="0"/>
+                <a:cs typeface="Segoe UI" panose="020B0502040204020203" pitchFamily="34" charset="0"/>
+              </a:rPr>
+              <a:t>CustomerKey</a:t>
+            </a:r>
+            <a:r>
+              <a:rPr lang="en-US" sz="2000" dirty="0">
+                <a:latin typeface="Segoe UI" panose="020B0502040204020203" pitchFamily="34" charset="0"/>
+                <a:cs typeface="Segoe UI" panose="020B0502040204020203" pitchFamily="34" charset="0"/>
+              </a:rPr>
+              <a:t>], [</a:t>
+            </a:r>
+            <a:r>
+              <a:rPr lang="en-US" sz="2000" dirty="0" err="1">
+                <a:latin typeface="Segoe UI" panose="020B0502040204020203" pitchFamily="34" charset="0"/>
+                <a:cs typeface="Segoe UI" panose="020B0502040204020203" pitchFamily="34" charset="0"/>
+              </a:rPr>
+              <a:t>EmailAddress</a:t>
+            </a:r>
+            <a:r>
+              <a:rPr lang="en-US" sz="2000" dirty="0">
+                <a:latin typeface="Segoe UI" panose="020B0502040204020203" pitchFamily="34" charset="0"/>
+                <a:cs typeface="Segoe UI" panose="020B0502040204020203" pitchFamily="34" charset="0"/>
+              </a:rPr>
+              <a:t>], [</a:t>
+            </a:r>
+            <a:r>
+              <a:rPr lang="en-US" sz="2000" dirty="0" err="1">
+                <a:latin typeface="Segoe UI" panose="020B0502040204020203" pitchFamily="34" charset="0"/>
+                <a:cs typeface="Segoe UI" panose="020B0502040204020203" pitchFamily="34" charset="0"/>
+              </a:rPr>
+              <a:t>EnglishOccupation</a:t>
+            </a:r>
+            <a:r>
+              <a:rPr lang="en-US" sz="2000" dirty="0">
+                <a:latin typeface="Segoe UI" panose="020B0502040204020203" pitchFamily="34" charset="0"/>
+                <a:cs typeface="Segoe UI" panose="020B0502040204020203" pitchFamily="34" charset="0"/>
+              </a:rPr>
+              <a:t>] and [</a:t>
+            </a:r>
+            <a:r>
+              <a:rPr lang="en-US" sz="2000" dirty="0" err="1">
+                <a:latin typeface="Segoe UI" panose="020B0502040204020203" pitchFamily="34" charset="0"/>
+                <a:cs typeface="Segoe UI" panose="020B0502040204020203" pitchFamily="34" charset="0"/>
+              </a:rPr>
+              <a:t>YearlyIncome</a:t>
+            </a:r>
+            <a:r>
+              <a:rPr lang="en-US" sz="2000" dirty="0">
+                <a:latin typeface="Segoe UI" panose="020B0502040204020203" pitchFamily="34" charset="0"/>
+                <a:cs typeface="Segoe UI" panose="020B0502040204020203" pitchFamily="34" charset="0"/>
+              </a:rPr>
+              <a:t>] for the customers whose [</a:t>
+            </a:r>
+            <a:r>
+              <a:rPr lang="en-US" sz="2000" dirty="0" err="1">
+                <a:latin typeface="Segoe UI" panose="020B0502040204020203" pitchFamily="34" charset="0"/>
+                <a:cs typeface="Segoe UI" panose="020B0502040204020203" pitchFamily="34" charset="0"/>
+              </a:rPr>
+              <a:t>BirthDate</a:t>
+            </a:r>
+            <a:r>
+              <a:rPr lang="en-US" sz="2000" dirty="0">
+                <a:latin typeface="Segoe UI" panose="020B0502040204020203" pitchFamily="34" charset="0"/>
+                <a:cs typeface="Segoe UI" panose="020B0502040204020203" pitchFamily="34" charset="0"/>
+              </a:rPr>
+              <a:t>] was not on a weekend (Saturday, Sunday).</a:t>
+            </a:r>
+          </a:p>
+        </p:txBody>
+      </p:sp>
+      <p:pic>
+        <p:nvPicPr>
+          <p:cNvPr id="5" name="Picture 4" descr="A close up of a logo&#10;&#10;Description automatically generated">
+            <a:extLst>
+              <a:ext uri="{FF2B5EF4-FFF2-40B4-BE49-F238E27FC236}">
+                <a16:creationId xmlns:a16="http://schemas.microsoft.com/office/drawing/2014/main" id="{94D59F6F-A728-4865-B92A-AE9935E9E488}"/>
+              </a:ext>
+            </a:extLst>
+          </p:cNvPr>
+          <p:cNvPicPr>
+            <a:picLocks noChangeAspect="1"/>
+          </p:cNvPicPr>
+          <p:nvPr/>
+        </p:nvPicPr>
+        <p:blipFill>
+          <a:blip r:embed="rId2">
+            <a:extLst>
+              <a:ext uri="{28A0092B-C50C-407E-A947-70E740481C1C}">
+                <a14:useLocalDpi xmlns:a14="http://schemas.microsoft.com/office/drawing/2010/main" val="0"/>
+              </a:ext>
+            </a:extLst>
+          </a:blip>
+          <a:stretch>
+            <a:fillRect/>
+          </a:stretch>
+        </p:blipFill>
+        <p:spPr>
+          <a:xfrm>
+            <a:off x="363674" y="5593489"/>
+            <a:ext cx="1005840" cy="1005840"/>
+          </a:xfrm>
+          <a:prstGeom prst="rect">
+            <a:avLst/>
+          </a:prstGeom>
+        </p:spPr>
+      </p:pic>
+      <p:pic>
+        <p:nvPicPr>
+          <p:cNvPr id="7" name="Picture 6" descr="A picture containing food&#10;&#10;Description automatically generated">
+            <a:extLst>
+              <a:ext uri="{FF2B5EF4-FFF2-40B4-BE49-F238E27FC236}">
+                <a16:creationId xmlns:a16="http://schemas.microsoft.com/office/drawing/2014/main" id="{EA99191B-2453-42A4-9DDB-84E4DDC775F1}"/>
+              </a:ext>
+            </a:extLst>
+          </p:cNvPr>
+          <p:cNvPicPr>
+            <a:picLocks noChangeAspect="1"/>
+          </p:cNvPicPr>
+          <p:nvPr/>
+        </p:nvPicPr>
+        <p:blipFill>
+          <a:blip r:embed="rId3">
+            <a:extLst>
+              <a:ext uri="{28A0092B-C50C-407E-A947-70E740481C1C}">
+                <a14:useLocalDpi xmlns:a14="http://schemas.microsoft.com/office/drawing/2010/main" val="0"/>
+              </a:ext>
+            </a:extLst>
+          </a:blip>
+          <a:stretch>
+            <a:fillRect/>
+          </a:stretch>
+        </p:blipFill>
+        <p:spPr>
+          <a:xfrm>
+            <a:off x="1101708" y="5486804"/>
+            <a:ext cx="1219209" cy="1219209"/>
+          </a:xfrm>
+          <a:prstGeom prst="rect">
+            <a:avLst/>
+          </a:prstGeom>
+        </p:spPr>
+      </p:pic>
+      <p:grpSp>
+        <p:nvGrpSpPr>
+          <p:cNvPr id="11" name="Group 10">
+            <a:extLst>
+              <a:ext uri="{FF2B5EF4-FFF2-40B4-BE49-F238E27FC236}">
+                <a16:creationId xmlns:a16="http://schemas.microsoft.com/office/drawing/2014/main" id="{43EA8AA4-AAA1-49F7-8C34-DA88A460E967}"/>
+              </a:ext>
+            </a:extLst>
+          </p:cNvPr>
+          <p:cNvGrpSpPr/>
+          <p:nvPr/>
+        </p:nvGrpSpPr>
+        <p:grpSpPr>
+          <a:xfrm>
+            <a:off x="10579506" y="5618730"/>
+            <a:ext cx="1021572" cy="955356"/>
+            <a:chOff x="9124950" y="1397319"/>
+            <a:chExt cx="1518216" cy="1419809"/>
+          </a:xfrm>
+        </p:grpSpPr>
+        <p:pic>
+          <p:nvPicPr>
+            <p:cNvPr id="9" name="Picture 8">
+              <a:extLst>
+                <a:ext uri="{FF2B5EF4-FFF2-40B4-BE49-F238E27FC236}">
+                  <a16:creationId xmlns:a16="http://schemas.microsoft.com/office/drawing/2014/main" id="{48CC9875-A615-4C59-BD77-B03E0FE0BB48}"/>
+                </a:ext>
+              </a:extLst>
+            </p:cNvPr>
+            <p:cNvPicPr>
+              <a:picLocks noChangeAspect="1"/>
+            </p:cNvPicPr>
+            <p:nvPr/>
+          </p:nvPicPr>
+          <p:blipFill>
+            <a:blip r:embed="rId4">
+              <a:extLst>
+                <a:ext uri="{BEBA8EAE-BF5A-486C-A8C5-ECC9F3942E4B}">
+                  <a14:imgProps xmlns:a14="http://schemas.microsoft.com/office/drawing/2010/main">
+                    <a14:imgLayer r:embed="rId5">
+                      <a14:imgEffect>
+                        <a14:backgroundRemoval t="8917" b="94268" l="10000" r="90000">
+                          <a14:foregroundMark x1="12222" y1="16561" x2="12222" y2="16561"/>
+                          <a14:foregroundMark x1="60000" y1="10191" x2="60000" y2="10191"/>
+                          <a14:foregroundMark x1="43333" y1="34395" x2="43333" y2="34395"/>
+                          <a14:foregroundMark x1="68889" y1="35032" x2="68889" y2="35032"/>
+                          <a14:foregroundMark x1="88889" y1="39490" x2="88889" y2="39490"/>
+                          <a14:foregroundMark x1="88889" y1="55414" x2="88889" y2="55414"/>
+                          <a14:foregroundMark x1="88889" y1="70064" x2="88889" y2="70064"/>
+                          <a14:foregroundMark x1="88889" y1="85987" x2="88889" y2="85987"/>
+                          <a14:foregroundMark x1="67778" y1="92994" x2="67778" y2="92994"/>
+                          <a14:foregroundMark x1="43333" y1="94268" x2="43333" y2="94268"/>
+                        </a14:backgroundRemoval>
+                      </a14:imgEffect>
+                    </a14:imgLayer>
+                  </a14:imgProps>
+                </a:ext>
+              </a:extLst>
+            </a:blip>
+            <a:stretch>
+              <a:fillRect/>
+            </a:stretch>
+          </p:blipFill>
+          <p:spPr>
+            <a:xfrm>
+              <a:off x="10083454" y="1451407"/>
+              <a:ext cx="559712" cy="976387"/>
+            </a:xfrm>
+            <a:prstGeom prst="rect">
+              <a:avLst/>
+            </a:prstGeom>
+          </p:spPr>
+        </p:pic>
+        <p:pic>
+          <p:nvPicPr>
+            <p:cNvPr id="10" name="Picture 9" descr="A picture containing sitting, dark, white, sign&#10;&#10;Description automatically generated">
+              <a:extLst>
+                <a:ext uri="{FF2B5EF4-FFF2-40B4-BE49-F238E27FC236}">
+                  <a16:creationId xmlns:a16="http://schemas.microsoft.com/office/drawing/2014/main" id="{4324C91F-8EA6-41E0-ABCC-EB3CC95E04E2}"/>
+                </a:ext>
+              </a:extLst>
+            </p:cNvPr>
+            <p:cNvPicPr>
+              <a:picLocks noChangeAspect="1"/>
+            </p:cNvPicPr>
+            <p:nvPr/>
+          </p:nvPicPr>
+          <p:blipFill>
+            <a:blip r:embed="rId6">
+              <a:extLst>
+                <a:ext uri="{28A0092B-C50C-407E-A947-70E740481C1C}">
+                  <a14:useLocalDpi xmlns:a14="http://schemas.microsoft.com/office/drawing/2010/main" val="0"/>
+                </a:ext>
+              </a:extLst>
+            </a:blip>
+            <a:stretch>
+              <a:fillRect/>
+            </a:stretch>
+          </p:blipFill>
+          <p:spPr>
+            <a:xfrm>
+              <a:off x="9124950" y="1397319"/>
+              <a:ext cx="1419809" cy="1419809"/>
+            </a:xfrm>
+            <a:prstGeom prst="rect">
+              <a:avLst/>
+            </a:prstGeom>
+          </p:spPr>
+        </p:pic>
+      </p:grpSp>
+    </p:spTree>
+    <p:extLst>
+      <p:ext uri="{BB962C8B-B14F-4D97-AF65-F5344CB8AC3E}">
+        <p14:creationId xmlns:p14="http://schemas.microsoft.com/office/powerpoint/2010/main" val="3867962683"/>
+      </p:ext>
+    </p:extLst>
+  </p:cSld>
+  <p:clrMapOvr>
+    <a:masterClrMapping/>
+  </p:clrMapOvr>
+  <p:transition>
+    <p:fade/>
+  </p:transition>
+</p:sld>
+</file>
+
+<file path=ppt/slides/slide15.xml><?xml version="1.0" encoding="utf-8"?>
+<p:sld xmlns:a="http://schemas.openxmlformats.org/drawingml/2006/main" xmlns:r="http://schemas.openxmlformats.org/officeDocument/2006/relationships" xmlns:p="http://schemas.openxmlformats.org/presentationml/2006/main">
+  <p:cSld>
+    <p:bg>
+      <p:bgPr>
+        <a:solidFill>
+          <a:schemeClr val="bg1">
+            <a:lumMod val="95000"/>
+          </a:schemeClr>
+        </a:solidFill>
+        <a:effectLst/>
+      </p:bgPr>
+    </p:bg>
+    <p:spTree>
+      <p:nvGrpSpPr>
+        <p:cNvPr id="1" name=""/>
+        <p:cNvGrpSpPr/>
+        <p:nvPr/>
+      </p:nvGrpSpPr>
+      <p:grpSpPr>
+        <a:xfrm>
+          <a:off x="0" y="0"/>
+          <a:ext cx="0" cy="0"/>
+          <a:chOff x="0" y="0"/>
+          <a:chExt cx="0" cy="0"/>
+        </a:xfrm>
+      </p:grpSpPr>
+      <p:sp>
+        <p:nvSpPr>
+          <p:cNvPr id="2" name="Title 1">
+            <a:extLst>
+              <a:ext uri="{FF2B5EF4-FFF2-40B4-BE49-F238E27FC236}">
+                <a16:creationId xmlns:a16="http://schemas.microsoft.com/office/drawing/2014/main" id="{16D1DAA1-7514-47A2-892A-8155447F1779}"/>
+              </a:ext>
+            </a:extLst>
+          </p:cNvPr>
+          <p:cNvSpPr>
+            <a:spLocks noGrp="1"/>
+          </p:cNvSpPr>
+          <p:nvPr>
+            <p:ph type="title"/>
+          </p:nvPr>
+        </p:nvSpPr>
+        <p:spPr/>
+        <p:txBody>
+          <a:bodyPr>
+            <a:noAutofit/>
+          </a:bodyPr>
+          <a:lstStyle/>
+          <a:p>
+            <a:r>
+              <a:rPr lang="en-US" sz="5400" b="1" dirty="0">
+                <a:latin typeface="Segoe UI Black" panose="020B0A02040204020203" pitchFamily="34" charset="0"/>
+                <a:ea typeface="Segoe UI Black" panose="020B0A02040204020203" pitchFamily="34" charset="0"/>
+                <a:cs typeface="Leelawadee UI" panose="020B0502040204020203" pitchFamily="34" charset="-34"/>
+              </a:rPr>
+              <a:t>DAY 15</a:t>
+            </a:r>
+          </a:p>
+        </p:txBody>
+      </p:sp>
+      <p:sp>
+        <p:nvSpPr>
+          <p:cNvPr id="3" name="Text Placeholder 2">
+            <a:extLst>
+              <a:ext uri="{FF2B5EF4-FFF2-40B4-BE49-F238E27FC236}">
+                <a16:creationId xmlns:a16="http://schemas.microsoft.com/office/drawing/2014/main" id="{9018F955-A657-41BA-ACD4-9BF462F38431}"/>
+              </a:ext>
+            </a:extLst>
+          </p:cNvPr>
+          <p:cNvSpPr>
+            <a:spLocks noGrp="1"/>
+          </p:cNvSpPr>
+          <p:nvPr>
+            <p:ph type="body" sz="quarter" idx="10"/>
+          </p:nvPr>
+        </p:nvSpPr>
+        <p:spPr>
+          <a:xfrm>
+            <a:off x="584200" y="1698171"/>
+            <a:ext cx="11018520" cy="2769989"/>
+          </a:xfrm>
+        </p:spPr>
+        <p:txBody>
+          <a:bodyPr/>
+          <a:lstStyle/>
+          <a:p>
+            <a:pPr marL="0" indent="0">
+              <a:buNone/>
+            </a:pPr>
+            <a:r>
+              <a:rPr lang="en-US" sz="2000" b="1" dirty="0">
+                <a:latin typeface="Segoe UI" panose="020B0502040204020203" pitchFamily="34" charset="0"/>
+                <a:cs typeface="Segoe UI" panose="020B0502040204020203" pitchFamily="34" charset="0"/>
+              </a:rPr>
+              <a:t>Database: </a:t>
+            </a:r>
+            <a:r>
+              <a:rPr lang="en-US" sz="2000" dirty="0" err="1">
+                <a:latin typeface="Segoe UI" panose="020B0502040204020203" pitchFamily="34" charset="0"/>
+                <a:cs typeface="Segoe UI" panose="020B0502040204020203" pitchFamily="34" charset="0"/>
+              </a:rPr>
+              <a:t>WideWorldImportersDW</a:t>
+            </a:r>
+            <a:endParaRPr lang="en-US" sz="2000" dirty="0">
+              <a:latin typeface="Segoe UI" panose="020B0502040204020203" pitchFamily="34" charset="0"/>
+              <a:cs typeface="Segoe UI" panose="020B0502040204020203" pitchFamily="34" charset="0"/>
+            </a:endParaRPr>
+          </a:p>
+          <a:p>
+            <a:pPr marL="0" indent="0">
+              <a:buNone/>
+            </a:pPr>
+            <a:r>
+              <a:rPr lang="en-US" sz="2000" b="1" dirty="0">
+                <a:latin typeface="Segoe UI" panose="020B0502040204020203" pitchFamily="34" charset="0"/>
+                <a:cs typeface="Segoe UI" panose="020B0502040204020203" pitchFamily="34" charset="0"/>
+              </a:rPr>
+              <a:t>Entity: </a:t>
+            </a:r>
+            <a:r>
+              <a:rPr lang="en-US" sz="2000" dirty="0" err="1">
+                <a:latin typeface="Segoe UI" panose="020B0502040204020203" pitchFamily="34" charset="0"/>
+                <a:cs typeface="Segoe UI" panose="020B0502040204020203" pitchFamily="34" charset="0"/>
+              </a:rPr>
+              <a:t>Dimension.City</a:t>
+            </a:r>
+            <a:r>
+              <a:rPr lang="en-US" sz="2000" dirty="0">
+                <a:latin typeface="Segoe UI" panose="020B0502040204020203" pitchFamily="34" charset="0"/>
+                <a:cs typeface="Segoe UI" panose="020B0502040204020203" pitchFamily="34" charset="0"/>
+              </a:rPr>
+              <a:t>, </a:t>
+            </a:r>
+            <a:r>
+              <a:rPr lang="en-US" sz="2000" dirty="0" err="1">
+                <a:latin typeface="Segoe UI" panose="020B0502040204020203" pitchFamily="34" charset="0"/>
+                <a:cs typeface="Segoe UI" panose="020B0502040204020203" pitchFamily="34" charset="0"/>
+              </a:rPr>
+              <a:t>Fact.Order</a:t>
+            </a:r>
+            <a:r>
+              <a:rPr lang="en-US" sz="2000" dirty="0">
+                <a:latin typeface="Segoe UI" panose="020B0502040204020203" pitchFamily="34" charset="0"/>
+                <a:cs typeface="Segoe UI" panose="020B0502040204020203" pitchFamily="34" charset="0"/>
+              </a:rPr>
+              <a:t>, </a:t>
+            </a:r>
+            <a:r>
+              <a:rPr lang="en-US" sz="2000" dirty="0" err="1">
+                <a:latin typeface="Segoe UI" panose="020B0502040204020203" pitchFamily="34" charset="0"/>
+                <a:cs typeface="Segoe UI" panose="020B0502040204020203" pitchFamily="34" charset="0"/>
+              </a:rPr>
+              <a:t>Fact.Sale</a:t>
+            </a:r>
+            <a:endParaRPr lang="en-US" sz="2000" dirty="0">
+              <a:latin typeface="Segoe UI" panose="020B0502040204020203" pitchFamily="34" charset="0"/>
+              <a:cs typeface="Segoe UI" panose="020B0502040204020203" pitchFamily="34" charset="0"/>
+            </a:endParaRPr>
+          </a:p>
+          <a:p>
+            <a:pPr marL="0" indent="0">
+              <a:buNone/>
+            </a:pPr>
+            <a:endParaRPr lang="en-US" sz="2000" dirty="0">
+              <a:latin typeface="Segoe UI" panose="020B0502040204020203" pitchFamily="34" charset="0"/>
+              <a:cs typeface="Segoe UI" panose="020B0502040204020203" pitchFamily="34" charset="0"/>
+            </a:endParaRPr>
+          </a:p>
+          <a:p>
+            <a:pPr marL="0" indent="0">
+              <a:buNone/>
+            </a:pPr>
+            <a:r>
+              <a:rPr lang="en-US" sz="2000" b="1" dirty="0">
+                <a:latin typeface="Segoe UI" panose="020B0502040204020203" pitchFamily="34" charset="0"/>
+                <a:cs typeface="Segoe UI" panose="020B0502040204020203" pitchFamily="34" charset="0"/>
+              </a:rPr>
+              <a:t>Instructions:</a:t>
+            </a:r>
+          </a:p>
+          <a:p>
+            <a:pPr marL="0" indent="0">
+              <a:buNone/>
+            </a:pPr>
+            <a:r>
+              <a:rPr lang="en-US" sz="2000" dirty="0">
+                <a:latin typeface="Segoe UI" panose="020B0502040204020203" pitchFamily="34" charset="0"/>
+                <a:cs typeface="Segoe UI" panose="020B0502040204020203" pitchFamily="34" charset="0"/>
+              </a:rPr>
+              <a:t>Select the ten longest delivery days average for [City Key], [City] and the computed column [Average Delivery Days] which is the days between [Order Date Key] and [Delivery Date Key] for all completed deliveries.</a:t>
+            </a:r>
+          </a:p>
+          <a:p>
+            <a:r>
+              <a:rPr lang="en-US" sz="2000" dirty="0">
+                <a:latin typeface="Segoe UI" panose="020B0502040204020203" pitchFamily="34" charset="0"/>
+                <a:cs typeface="Segoe UI" panose="020B0502040204020203" pitchFamily="34" charset="0"/>
+              </a:rPr>
+              <a:t>Include ties if applicable.</a:t>
+            </a:r>
+          </a:p>
+        </p:txBody>
+      </p:sp>
+      <p:pic>
+        <p:nvPicPr>
+          <p:cNvPr id="5" name="Picture 4" descr="A close up of a logo&#10;&#10;Description automatically generated">
+            <a:extLst>
+              <a:ext uri="{FF2B5EF4-FFF2-40B4-BE49-F238E27FC236}">
+                <a16:creationId xmlns:a16="http://schemas.microsoft.com/office/drawing/2014/main" id="{94D59F6F-A728-4865-B92A-AE9935E9E488}"/>
+              </a:ext>
+            </a:extLst>
+          </p:cNvPr>
+          <p:cNvPicPr>
+            <a:picLocks noChangeAspect="1"/>
+          </p:cNvPicPr>
+          <p:nvPr/>
+        </p:nvPicPr>
+        <p:blipFill>
+          <a:blip r:embed="rId2">
+            <a:extLst>
+              <a:ext uri="{28A0092B-C50C-407E-A947-70E740481C1C}">
+                <a14:useLocalDpi xmlns:a14="http://schemas.microsoft.com/office/drawing/2010/main" val="0"/>
+              </a:ext>
+            </a:extLst>
+          </a:blip>
+          <a:stretch>
+            <a:fillRect/>
+          </a:stretch>
+        </p:blipFill>
+        <p:spPr>
+          <a:xfrm>
+            <a:off x="363674" y="5593489"/>
+            <a:ext cx="1005840" cy="1005840"/>
+          </a:xfrm>
+          <a:prstGeom prst="rect">
+            <a:avLst/>
+          </a:prstGeom>
+        </p:spPr>
+      </p:pic>
+      <p:pic>
+        <p:nvPicPr>
+          <p:cNvPr id="7" name="Picture 6" descr="A picture containing food&#10;&#10;Description automatically generated">
+            <a:extLst>
+              <a:ext uri="{FF2B5EF4-FFF2-40B4-BE49-F238E27FC236}">
+                <a16:creationId xmlns:a16="http://schemas.microsoft.com/office/drawing/2014/main" id="{EA99191B-2453-42A4-9DDB-84E4DDC775F1}"/>
+              </a:ext>
+            </a:extLst>
+          </p:cNvPr>
+          <p:cNvPicPr>
+            <a:picLocks noChangeAspect="1"/>
+          </p:cNvPicPr>
+          <p:nvPr/>
+        </p:nvPicPr>
+        <p:blipFill>
+          <a:blip r:embed="rId3">
+            <a:extLst>
+              <a:ext uri="{28A0092B-C50C-407E-A947-70E740481C1C}">
+                <a14:useLocalDpi xmlns:a14="http://schemas.microsoft.com/office/drawing/2010/main" val="0"/>
+              </a:ext>
+            </a:extLst>
+          </a:blip>
+          <a:stretch>
+            <a:fillRect/>
+          </a:stretch>
+        </p:blipFill>
+        <p:spPr>
+          <a:xfrm>
+            <a:off x="1101708" y="5486804"/>
+            <a:ext cx="1219209" cy="1219209"/>
+          </a:xfrm>
+          <a:prstGeom prst="rect">
+            <a:avLst/>
+          </a:prstGeom>
+        </p:spPr>
+      </p:pic>
+      <p:grpSp>
+        <p:nvGrpSpPr>
+          <p:cNvPr id="11" name="Group 10">
+            <a:extLst>
+              <a:ext uri="{FF2B5EF4-FFF2-40B4-BE49-F238E27FC236}">
+                <a16:creationId xmlns:a16="http://schemas.microsoft.com/office/drawing/2014/main" id="{43EA8AA4-AAA1-49F7-8C34-DA88A460E967}"/>
+              </a:ext>
+            </a:extLst>
+          </p:cNvPr>
+          <p:cNvGrpSpPr/>
+          <p:nvPr/>
+        </p:nvGrpSpPr>
+        <p:grpSpPr>
+          <a:xfrm>
+            <a:off x="10579506" y="5618730"/>
+            <a:ext cx="1021572" cy="955356"/>
+            <a:chOff x="9124950" y="1397319"/>
+            <a:chExt cx="1518216" cy="1419809"/>
+          </a:xfrm>
+        </p:grpSpPr>
+        <p:pic>
+          <p:nvPicPr>
+            <p:cNvPr id="9" name="Picture 8">
+              <a:extLst>
+                <a:ext uri="{FF2B5EF4-FFF2-40B4-BE49-F238E27FC236}">
+                  <a16:creationId xmlns:a16="http://schemas.microsoft.com/office/drawing/2014/main" id="{48CC9875-A615-4C59-BD77-B03E0FE0BB48}"/>
+                </a:ext>
+              </a:extLst>
+            </p:cNvPr>
+            <p:cNvPicPr>
+              <a:picLocks noChangeAspect="1"/>
+            </p:cNvPicPr>
+            <p:nvPr/>
+          </p:nvPicPr>
+          <p:blipFill>
+            <a:blip r:embed="rId4">
+              <a:extLst>
+                <a:ext uri="{BEBA8EAE-BF5A-486C-A8C5-ECC9F3942E4B}">
+                  <a14:imgProps xmlns:a14="http://schemas.microsoft.com/office/drawing/2010/main">
+                    <a14:imgLayer r:embed="rId5">
+                      <a14:imgEffect>
+                        <a14:backgroundRemoval t="8917" b="94268" l="10000" r="90000">
+                          <a14:foregroundMark x1="12222" y1="16561" x2="12222" y2="16561"/>
+                          <a14:foregroundMark x1="60000" y1="10191" x2="60000" y2="10191"/>
+                          <a14:foregroundMark x1="43333" y1="34395" x2="43333" y2="34395"/>
+                          <a14:foregroundMark x1="68889" y1="35032" x2="68889" y2="35032"/>
+                          <a14:foregroundMark x1="88889" y1="39490" x2="88889" y2="39490"/>
+                          <a14:foregroundMark x1="88889" y1="55414" x2="88889" y2="55414"/>
+                          <a14:foregroundMark x1="88889" y1="70064" x2="88889" y2="70064"/>
+                          <a14:foregroundMark x1="88889" y1="85987" x2="88889" y2="85987"/>
+                          <a14:foregroundMark x1="67778" y1="92994" x2="67778" y2="92994"/>
+                          <a14:foregroundMark x1="43333" y1="94268" x2="43333" y2="94268"/>
+                        </a14:backgroundRemoval>
+                      </a14:imgEffect>
+                    </a14:imgLayer>
+                  </a14:imgProps>
+                </a:ext>
+              </a:extLst>
+            </a:blip>
+            <a:stretch>
+              <a:fillRect/>
+            </a:stretch>
+          </p:blipFill>
+          <p:spPr>
+            <a:xfrm>
+              <a:off x="10083454" y="1451407"/>
+              <a:ext cx="559712" cy="976387"/>
+            </a:xfrm>
+            <a:prstGeom prst="rect">
+              <a:avLst/>
+            </a:prstGeom>
+          </p:spPr>
+        </p:pic>
+        <p:pic>
+          <p:nvPicPr>
+            <p:cNvPr id="10" name="Picture 9" descr="A picture containing sitting, dark, white, sign&#10;&#10;Description automatically generated">
+              <a:extLst>
+                <a:ext uri="{FF2B5EF4-FFF2-40B4-BE49-F238E27FC236}">
+                  <a16:creationId xmlns:a16="http://schemas.microsoft.com/office/drawing/2014/main" id="{4324C91F-8EA6-41E0-ABCC-EB3CC95E04E2}"/>
+                </a:ext>
+              </a:extLst>
+            </p:cNvPr>
+            <p:cNvPicPr>
+              <a:picLocks noChangeAspect="1"/>
+            </p:cNvPicPr>
+            <p:nvPr/>
+          </p:nvPicPr>
+          <p:blipFill>
+            <a:blip r:embed="rId6">
+              <a:extLst>
+                <a:ext uri="{28A0092B-C50C-407E-A947-70E740481C1C}">
+                  <a14:useLocalDpi xmlns:a14="http://schemas.microsoft.com/office/drawing/2010/main" val="0"/>
+                </a:ext>
+              </a:extLst>
+            </a:blip>
+            <a:stretch>
+              <a:fillRect/>
+            </a:stretch>
+          </p:blipFill>
+          <p:spPr>
+            <a:xfrm>
+              <a:off x="9124950" y="1397319"/>
+              <a:ext cx="1419809" cy="1419809"/>
+            </a:xfrm>
+            <a:prstGeom prst="rect">
+              <a:avLst/>
+            </a:prstGeom>
+          </p:spPr>
+        </p:pic>
+      </p:grpSp>
+    </p:spTree>
+    <p:extLst>
+      <p:ext uri="{BB962C8B-B14F-4D97-AF65-F5344CB8AC3E}">
+        <p14:creationId xmlns:p14="http://schemas.microsoft.com/office/powerpoint/2010/main" val="461823728"/>
+      </p:ext>
+    </p:extLst>
+  </p:cSld>
+  <p:clrMapOvr>
+    <a:masterClrMapping/>
+  </p:clrMapOvr>
+  <p:transition>
+    <p:fade/>
+  </p:transition>
+</p:sld>
+</file>
+
+<file path=ppt/slides/slide16.xml><?xml version="1.0" encoding="utf-8"?>
+<p:sld xmlns:a="http://schemas.openxmlformats.org/drawingml/2006/main" xmlns:r="http://schemas.openxmlformats.org/officeDocument/2006/relationships" xmlns:p="http://schemas.openxmlformats.org/presentationml/2006/main">
+  <p:cSld>
+    <p:bg>
+      <p:bgPr>
+        <a:solidFill>
+          <a:schemeClr val="bg1">
+            <a:lumMod val="95000"/>
+          </a:schemeClr>
+        </a:solidFill>
+        <a:effectLst/>
+      </p:bgPr>
+    </p:bg>
+    <p:spTree>
+      <p:nvGrpSpPr>
+        <p:cNvPr id="1" name=""/>
+        <p:cNvGrpSpPr/>
+        <p:nvPr/>
+      </p:nvGrpSpPr>
+      <p:grpSpPr>
+        <a:xfrm>
+          <a:off x="0" y="0"/>
+          <a:ext cx="0" cy="0"/>
+          <a:chOff x="0" y="0"/>
+          <a:chExt cx="0" cy="0"/>
+        </a:xfrm>
+      </p:grpSpPr>
+      <p:sp>
+        <p:nvSpPr>
+          <p:cNvPr id="2" name="Title 1">
+            <a:extLst>
+              <a:ext uri="{FF2B5EF4-FFF2-40B4-BE49-F238E27FC236}">
+                <a16:creationId xmlns:a16="http://schemas.microsoft.com/office/drawing/2014/main" id="{16D1DAA1-7514-47A2-892A-8155447F1779}"/>
+              </a:ext>
+            </a:extLst>
+          </p:cNvPr>
+          <p:cNvSpPr>
+            <a:spLocks noGrp="1"/>
+          </p:cNvSpPr>
+          <p:nvPr>
+            <p:ph type="title"/>
+          </p:nvPr>
+        </p:nvSpPr>
+        <p:spPr/>
+        <p:txBody>
+          <a:bodyPr>
+            <a:noAutofit/>
+          </a:bodyPr>
+          <a:lstStyle/>
+          <a:p>
+            <a:r>
+              <a:rPr lang="en-US" sz="5400" b="1" dirty="0">
+                <a:latin typeface="Segoe UI Black" panose="020B0A02040204020203" pitchFamily="34" charset="0"/>
+                <a:ea typeface="Segoe UI Black" panose="020B0A02040204020203" pitchFamily="34" charset="0"/>
+                <a:cs typeface="Leelawadee UI" panose="020B0502040204020203" pitchFamily="34" charset="-34"/>
+              </a:rPr>
+              <a:t>DAY 16</a:t>
+            </a:r>
+          </a:p>
+        </p:txBody>
+      </p:sp>
+      <p:sp>
+        <p:nvSpPr>
+          <p:cNvPr id="3" name="Text Placeholder 2">
+            <a:extLst>
+              <a:ext uri="{FF2B5EF4-FFF2-40B4-BE49-F238E27FC236}">
+                <a16:creationId xmlns:a16="http://schemas.microsoft.com/office/drawing/2014/main" id="{9018F955-A657-41BA-ACD4-9BF462F38431}"/>
+              </a:ext>
+            </a:extLst>
+          </p:cNvPr>
+          <p:cNvSpPr>
+            <a:spLocks noGrp="1"/>
+          </p:cNvSpPr>
+          <p:nvPr>
+            <p:ph type="body" sz="quarter" idx="10"/>
+          </p:nvPr>
+        </p:nvSpPr>
+        <p:spPr>
+          <a:xfrm>
+            <a:off x="584200" y="1698171"/>
+            <a:ext cx="11018520" cy="2400657"/>
+          </a:xfrm>
+        </p:spPr>
+        <p:txBody>
+          <a:bodyPr/>
+          <a:lstStyle/>
+          <a:p>
+            <a:pPr marL="0" indent="0">
+              <a:buNone/>
+            </a:pPr>
+            <a:r>
+              <a:rPr lang="en-US" sz="2000" b="1" dirty="0">
+                <a:latin typeface="Segoe UI" panose="020B0502040204020203" pitchFamily="34" charset="0"/>
+                <a:cs typeface="Segoe UI" panose="020B0502040204020203" pitchFamily="34" charset="0"/>
+              </a:rPr>
+              <a:t>Database: </a:t>
+            </a:r>
+            <a:r>
+              <a:rPr lang="en-US" sz="2000" dirty="0" err="1">
+                <a:latin typeface="Segoe UI" panose="020B0502040204020203" pitchFamily="34" charset="0"/>
+                <a:cs typeface="Segoe UI" panose="020B0502040204020203" pitchFamily="34" charset="0"/>
+              </a:rPr>
+              <a:t>WideWorldImportersDW</a:t>
+            </a:r>
+            <a:endParaRPr lang="en-US" sz="2000" dirty="0">
+              <a:latin typeface="Segoe UI" panose="020B0502040204020203" pitchFamily="34" charset="0"/>
+              <a:cs typeface="Segoe UI" panose="020B0502040204020203" pitchFamily="34" charset="0"/>
+            </a:endParaRPr>
+          </a:p>
+          <a:p>
+            <a:pPr marL="0" indent="0">
+              <a:buNone/>
+            </a:pPr>
+            <a:r>
+              <a:rPr lang="en-US" sz="2000" b="1" dirty="0">
+                <a:latin typeface="Segoe UI" panose="020B0502040204020203" pitchFamily="34" charset="0"/>
+                <a:cs typeface="Segoe UI" panose="020B0502040204020203" pitchFamily="34" charset="0"/>
+              </a:rPr>
+              <a:t>Entity: </a:t>
+            </a:r>
+            <a:r>
+              <a:rPr lang="en-US" sz="2000" dirty="0" err="1">
+                <a:latin typeface="Segoe UI" panose="020B0502040204020203" pitchFamily="34" charset="0"/>
+                <a:cs typeface="Segoe UI" panose="020B0502040204020203" pitchFamily="34" charset="0"/>
+              </a:rPr>
+              <a:t>Fact.Sale</a:t>
+            </a:r>
+            <a:endParaRPr lang="en-US" sz="2000" dirty="0">
+              <a:latin typeface="Segoe UI" panose="020B0502040204020203" pitchFamily="34" charset="0"/>
+              <a:cs typeface="Segoe UI" panose="020B0502040204020203" pitchFamily="34" charset="0"/>
+            </a:endParaRPr>
+          </a:p>
+          <a:p>
+            <a:pPr marL="0" indent="0">
+              <a:buNone/>
+            </a:pPr>
+            <a:endParaRPr lang="en-US" sz="2000" dirty="0">
+              <a:latin typeface="Segoe UI" panose="020B0502040204020203" pitchFamily="34" charset="0"/>
+              <a:cs typeface="Segoe UI" panose="020B0502040204020203" pitchFamily="34" charset="0"/>
+            </a:endParaRPr>
+          </a:p>
+          <a:p>
+            <a:pPr marL="0" indent="0">
+              <a:buNone/>
+            </a:pPr>
+            <a:r>
+              <a:rPr lang="en-US" sz="2000" b="1" dirty="0">
+                <a:latin typeface="Segoe UI" panose="020B0502040204020203" pitchFamily="34" charset="0"/>
+                <a:cs typeface="Segoe UI" panose="020B0502040204020203" pitchFamily="34" charset="0"/>
+              </a:rPr>
+              <a:t>Instructions:</a:t>
+            </a:r>
+          </a:p>
+          <a:p>
+            <a:pPr marL="0" indent="0">
+              <a:buNone/>
+            </a:pPr>
+            <a:r>
+              <a:rPr lang="en-US" sz="2000" dirty="0">
+                <a:latin typeface="Segoe UI" panose="020B0502040204020203" pitchFamily="34" charset="0"/>
+                <a:cs typeface="Segoe UI" panose="020B0502040204020203" pitchFamily="34" charset="0"/>
+              </a:rPr>
+              <a:t>Select a computed column [YYYYMM] which is the year and month representation of [Invoice Date Key], an aggregated [</a:t>
+            </a:r>
+            <a:r>
+              <a:rPr lang="en-US" sz="2000" dirty="0" err="1">
+                <a:latin typeface="Segoe UI" panose="020B0502040204020203" pitchFamily="34" charset="0"/>
+                <a:cs typeface="Segoe UI" panose="020B0502040204020203" pitchFamily="34" charset="0"/>
+              </a:rPr>
+              <a:t>TotalProfit</a:t>
+            </a:r>
+            <a:r>
+              <a:rPr lang="en-US" sz="2000" dirty="0">
+                <a:latin typeface="Segoe UI" panose="020B0502040204020203" pitchFamily="34" charset="0"/>
+                <a:cs typeface="Segoe UI" panose="020B0502040204020203" pitchFamily="34" charset="0"/>
+              </a:rPr>
+              <a:t>] column which is the sum of [Profit] and a computed column [Change Percentage] which is the month-over-month change of [</a:t>
+            </a:r>
+            <a:r>
+              <a:rPr lang="en-US" sz="2000" dirty="0" err="1">
+                <a:latin typeface="Segoe UI" panose="020B0502040204020203" pitchFamily="34" charset="0"/>
+                <a:cs typeface="Segoe UI" panose="020B0502040204020203" pitchFamily="34" charset="0"/>
+              </a:rPr>
+              <a:t>TotalProfit</a:t>
+            </a:r>
+            <a:r>
+              <a:rPr lang="en-US" sz="2000" dirty="0">
+                <a:latin typeface="Segoe UI" panose="020B0502040204020203" pitchFamily="34" charset="0"/>
+                <a:cs typeface="Segoe UI" panose="020B0502040204020203" pitchFamily="34" charset="0"/>
+              </a:rPr>
+              <a:t>].</a:t>
+            </a:r>
+          </a:p>
+        </p:txBody>
+      </p:sp>
+      <p:pic>
+        <p:nvPicPr>
+          <p:cNvPr id="5" name="Picture 4" descr="A close up of a logo&#10;&#10;Description automatically generated">
+            <a:extLst>
+              <a:ext uri="{FF2B5EF4-FFF2-40B4-BE49-F238E27FC236}">
+                <a16:creationId xmlns:a16="http://schemas.microsoft.com/office/drawing/2014/main" id="{94D59F6F-A728-4865-B92A-AE9935E9E488}"/>
+              </a:ext>
+            </a:extLst>
+          </p:cNvPr>
+          <p:cNvPicPr>
+            <a:picLocks noChangeAspect="1"/>
+          </p:cNvPicPr>
+          <p:nvPr/>
+        </p:nvPicPr>
+        <p:blipFill>
+          <a:blip r:embed="rId2">
+            <a:extLst>
+              <a:ext uri="{28A0092B-C50C-407E-A947-70E740481C1C}">
+                <a14:useLocalDpi xmlns:a14="http://schemas.microsoft.com/office/drawing/2010/main" val="0"/>
+              </a:ext>
+            </a:extLst>
+          </a:blip>
+          <a:stretch>
+            <a:fillRect/>
+          </a:stretch>
+        </p:blipFill>
+        <p:spPr>
+          <a:xfrm>
+            <a:off x="363674" y="5593489"/>
+            <a:ext cx="1005840" cy="1005840"/>
+          </a:xfrm>
+          <a:prstGeom prst="rect">
+            <a:avLst/>
+          </a:prstGeom>
+        </p:spPr>
+      </p:pic>
+      <p:pic>
+        <p:nvPicPr>
+          <p:cNvPr id="7" name="Picture 6" descr="A picture containing food&#10;&#10;Description automatically generated">
+            <a:extLst>
+              <a:ext uri="{FF2B5EF4-FFF2-40B4-BE49-F238E27FC236}">
+                <a16:creationId xmlns:a16="http://schemas.microsoft.com/office/drawing/2014/main" id="{EA99191B-2453-42A4-9DDB-84E4DDC775F1}"/>
+              </a:ext>
+            </a:extLst>
+          </p:cNvPr>
+          <p:cNvPicPr>
+            <a:picLocks noChangeAspect="1"/>
+          </p:cNvPicPr>
+          <p:nvPr/>
+        </p:nvPicPr>
+        <p:blipFill>
+          <a:blip r:embed="rId3">
+            <a:extLst>
+              <a:ext uri="{28A0092B-C50C-407E-A947-70E740481C1C}">
+                <a14:useLocalDpi xmlns:a14="http://schemas.microsoft.com/office/drawing/2010/main" val="0"/>
+              </a:ext>
+            </a:extLst>
+          </a:blip>
+          <a:stretch>
+            <a:fillRect/>
+          </a:stretch>
+        </p:blipFill>
+        <p:spPr>
+          <a:xfrm>
+            <a:off x="1101708" y="5486804"/>
+            <a:ext cx="1219209" cy="1219209"/>
+          </a:xfrm>
+          <a:prstGeom prst="rect">
+            <a:avLst/>
+          </a:prstGeom>
+        </p:spPr>
+      </p:pic>
+      <p:grpSp>
+        <p:nvGrpSpPr>
+          <p:cNvPr id="11" name="Group 10">
+            <a:extLst>
+              <a:ext uri="{FF2B5EF4-FFF2-40B4-BE49-F238E27FC236}">
+                <a16:creationId xmlns:a16="http://schemas.microsoft.com/office/drawing/2014/main" id="{43EA8AA4-AAA1-49F7-8C34-DA88A460E967}"/>
+              </a:ext>
+            </a:extLst>
+          </p:cNvPr>
+          <p:cNvGrpSpPr/>
+          <p:nvPr/>
+        </p:nvGrpSpPr>
+        <p:grpSpPr>
+          <a:xfrm>
+            <a:off x="10579506" y="5618730"/>
+            <a:ext cx="1021572" cy="955356"/>
+            <a:chOff x="9124950" y="1397319"/>
+            <a:chExt cx="1518216" cy="1419809"/>
+          </a:xfrm>
+        </p:grpSpPr>
+        <p:pic>
+          <p:nvPicPr>
+            <p:cNvPr id="9" name="Picture 8">
+              <a:extLst>
+                <a:ext uri="{FF2B5EF4-FFF2-40B4-BE49-F238E27FC236}">
+                  <a16:creationId xmlns:a16="http://schemas.microsoft.com/office/drawing/2014/main" id="{48CC9875-A615-4C59-BD77-B03E0FE0BB48}"/>
+                </a:ext>
+              </a:extLst>
+            </p:cNvPr>
+            <p:cNvPicPr>
+              <a:picLocks noChangeAspect="1"/>
+            </p:cNvPicPr>
+            <p:nvPr/>
+          </p:nvPicPr>
+          <p:blipFill>
+            <a:blip r:embed="rId4">
+              <a:extLst>
+                <a:ext uri="{BEBA8EAE-BF5A-486C-A8C5-ECC9F3942E4B}">
+                  <a14:imgProps xmlns:a14="http://schemas.microsoft.com/office/drawing/2010/main">
+                    <a14:imgLayer r:embed="rId5">
+                      <a14:imgEffect>
+                        <a14:backgroundRemoval t="8917" b="94268" l="10000" r="90000">
+                          <a14:foregroundMark x1="12222" y1="16561" x2="12222" y2="16561"/>
+                          <a14:foregroundMark x1="60000" y1="10191" x2="60000" y2="10191"/>
+                          <a14:foregroundMark x1="43333" y1="34395" x2="43333" y2="34395"/>
+                          <a14:foregroundMark x1="68889" y1="35032" x2="68889" y2="35032"/>
+                          <a14:foregroundMark x1="88889" y1="39490" x2="88889" y2="39490"/>
+                          <a14:foregroundMark x1="88889" y1="55414" x2="88889" y2="55414"/>
+                          <a14:foregroundMark x1="88889" y1="70064" x2="88889" y2="70064"/>
+                          <a14:foregroundMark x1="88889" y1="85987" x2="88889" y2="85987"/>
+                          <a14:foregroundMark x1="67778" y1="92994" x2="67778" y2="92994"/>
+                          <a14:foregroundMark x1="43333" y1="94268" x2="43333" y2="94268"/>
+                        </a14:backgroundRemoval>
+                      </a14:imgEffect>
+                    </a14:imgLayer>
+                  </a14:imgProps>
+                </a:ext>
+              </a:extLst>
+            </a:blip>
+            <a:stretch>
+              <a:fillRect/>
+            </a:stretch>
+          </p:blipFill>
+          <p:spPr>
+            <a:xfrm>
+              <a:off x="10083454" y="1451407"/>
+              <a:ext cx="559712" cy="976387"/>
+            </a:xfrm>
+            <a:prstGeom prst="rect">
+              <a:avLst/>
+            </a:prstGeom>
+          </p:spPr>
+        </p:pic>
+        <p:pic>
+          <p:nvPicPr>
+            <p:cNvPr id="10" name="Picture 9" descr="A picture containing sitting, dark, white, sign&#10;&#10;Description automatically generated">
+              <a:extLst>
+                <a:ext uri="{FF2B5EF4-FFF2-40B4-BE49-F238E27FC236}">
+                  <a16:creationId xmlns:a16="http://schemas.microsoft.com/office/drawing/2014/main" id="{4324C91F-8EA6-41E0-ABCC-EB3CC95E04E2}"/>
+                </a:ext>
+              </a:extLst>
+            </p:cNvPr>
+            <p:cNvPicPr>
+              <a:picLocks noChangeAspect="1"/>
+            </p:cNvPicPr>
+            <p:nvPr/>
+          </p:nvPicPr>
+          <p:blipFill>
+            <a:blip r:embed="rId6">
+              <a:extLst>
+                <a:ext uri="{28A0092B-C50C-407E-A947-70E740481C1C}">
+                  <a14:useLocalDpi xmlns:a14="http://schemas.microsoft.com/office/drawing/2010/main" val="0"/>
+                </a:ext>
+              </a:extLst>
+            </a:blip>
+            <a:stretch>
+              <a:fillRect/>
+            </a:stretch>
+          </p:blipFill>
+          <p:spPr>
+            <a:xfrm>
+              <a:off x="9124950" y="1397319"/>
+              <a:ext cx="1419809" cy="1419809"/>
+            </a:xfrm>
+            <a:prstGeom prst="rect">
+              <a:avLst/>
+            </a:prstGeom>
+          </p:spPr>
+        </p:pic>
+      </p:grpSp>
+    </p:spTree>
+    <p:extLst>
+      <p:ext uri="{BB962C8B-B14F-4D97-AF65-F5344CB8AC3E}">
+        <p14:creationId xmlns:p14="http://schemas.microsoft.com/office/powerpoint/2010/main" val="3878580788"/>
+      </p:ext>
+    </p:extLst>
+  </p:cSld>
+  <p:clrMapOvr>
+    <a:masterClrMapping/>
+  </p:clrMapOvr>
+  <p:transition>
+    <p:fade/>
+  </p:transition>
+</p:sld>
+</file>
+
+<file path=ppt/slides/slide17.xml><?xml version="1.0" encoding="utf-8"?>
+<p:sld xmlns:a="http://schemas.openxmlformats.org/drawingml/2006/main" xmlns:r="http://schemas.openxmlformats.org/officeDocument/2006/relationships" xmlns:p="http://schemas.openxmlformats.org/presentationml/2006/main">
+  <p:cSld>
+    <p:bg>
+      <p:bgPr>
+        <a:solidFill>
+          <a:schemeClr val="bg1">
+            <a:lumMod val="95000"/>
+          </a:schemeClr>
+        </a:solidFill>
+        <a:effectLst/>
+      </p:bgPr>
+    </p:bg>
+    <p:spTree>
+      <p:nvGrpSpPr>
+        <p:cNvPr id="1" name=""/>
+        <p:cNvGrpSpPr/>
+        <p:nvPr/>
+      </p:nvGrpSpPr>
+      <p:grpSpPr>
+        <a:xfrm>
+          <a:off x="0" y="0"/>
+          <a:ext cx="0" cy="0"/>
+          <a:chOff x="0" y="0"/>
+          <a:chExt cx="0" cy="0"/>
+        </a:xfrm>
+      </p:grpSpPr>
+      <p:sp>
+        <p:nvSpPr>
+          <p:cNvPr id="2" name="Title 1">
+            <a:extLst>
+              <a:ext uri="{FF2B5EF4-FFF2-40B4-BE49-F238E27FC236}">
+                <a16:creationId xmlns:a16="http://schemas.microsoft.com/office/drawing/2014/main" id="{16D1DAA1-7514-47A2-892A-8155447F1779}"/>
+              </a:ext>
+            </a:extLst>
+          </p:cNvPr>
+          <p:cNvSpPr>
+            <a:spLocks noGrp="1"/>
+          </p:cNvSpPr>
+          <p:nvPr>
+            <p:ph type="title"/>
+          </p:nvPr>
+        </p:nvSpPr>
+        <p:spPr/>
+        <p:txBody>
+          <a:bodyPr>
+            <a:noAutofit/>
+          </a:bodyPr>
+          <a:lstStyle/>
+          <a:p>
+            <a:r>
+              <a:rPr lang="en-US" sz="5400" b="1" dirty="0">
+                <a:latin typeface="Segoe UI Black" panose="020B0A02040204020203" pitchFamily="34" charset="0"/>
+                <a:ea typeface="Segoe UI Black" panose="020B0A02040204020203" pitchFamily="34" charset="0"/>
+                <a:cs typeface="Leelawadee UI" panose="020B0502040204020203" pitchFamily="34" charset="-34"/>
+              </a:rPr>
+              <a:t>DAY 17</a:t>
+            </a:r>
+          </a:p>
+        </p:txBody>
+      </p:sp>
+      <p:sp>
+        <p:nvSpPr>
+          <p:cNvPr id="3" name="Text Placeholder 2">
+            <a:extLst>
+              <a:ext uri="{FF2B5EF4-FFF2-40B4-BE49-F238E27FC236}">
+                <a16:creationId xmlns:a16="http://schemas.microsoft.com/office/drawing/2014/main" id="{9018F955-A657-41BA-ACD4-9BF462F38431}"/>
+              </a:ext>
+            </a:extLst>
+          </p:cNvPr>
+          <p:cNvSpPr>
+            <a:spLocks noGrp="1"/>
+          </p:cNvSpPr>
+          <p:nvPr>
+            <p:ph type="body" sz="quarter" idx="10"/>
+          </p:nvPr>
+        </p:nvSpPr>
+        <p:spPr>
+          <a:xfrm>
+            <a:off x="584200" y="1698171"/>
+            <a:ext cx="11018520" cy="2769989"/>
+          </a:xfrm>
+        </p:spPr>
+        <p:txBody>
+          <a:bodyPr/>
+          <a:lstStyle/>
+          <a:p>
+            <a:pPr marL="0" indent="0">
+              <a:buNone/>
+            </a:pPr>
+            <a:r>
+              <a:rPr lang="en-US" sz="2000" b="1" dirty="0">
+                <a:latin typeface="Segoe UI" panose="020B0502040204020203" pitchFamily="34" charset="0"/>
+                <a:cs typeface="Segoe UI" panose="020B0502040204020203" pitchFamily="34" charset="0"/>
+              </a:rPr>
+              <a:t>Database: </a:t>
+            </a:r>
+            <a:r>
+              <a:rPr lang="en-US" sz="2000" dirty="0">
+                <a:latin typeface="Segoe UI" panose="020B0502040204020203" pitchFamily="34" charset="0"/>
+                <a:cs typeface="Segoe UI" panose="020B0502040204020203" pitchFamily="34" charset="0"/>
+              </a:rPr>
+              <a:t>AdventureWorksDW2017</a:t>
+            </a:r>
+          </a:p>
+          <a:p>
+            <a:pPr marL="0" indent="0">
+              <a:buNone/>
+            </a:pPr>
+            <a:r>
+              <a:rPr lang="en-US" sz="2000" b="1" dirty="0">
+                <a:latin typeface="Segoe UI" panose="020B0502040204020203" pitchFamily="34" charset="0"/>
+                <a:cs typeface="Segoe UI" panose="020B0502040204020203" pitchFamily="34" charset="0"/>
+              </a:rPr>
+              <a:t>Entity: </a:t>
+            </a:r>
+            <a:r>
+              <a:rPr lang="en-US" sz="2000" dirty="0" err="1">
+                <a:latin typeface="Segoe UI" panose="020B0502040204020203" pitchFamily="34" charset="0"/>
+                <a:cs typeface="Segoe UI" panose="020B0502040204020203" pitchFamily="34" charset="0"/>
+              </a:rPr>
+              <a:t>FactCallCenter</a:t>
+            </a:r>
+            <a:endParaRPr lang="en-US" sz="2000" dirty="0">
+              <a:latin typeface="Segoe UI" panose="020B0502040204020203" pitchFamily="34" charset="0"/>
+              <a:cs typeface="Segoe UI" panose="020B0502040204020203" pitchFamily="34" charset="0"/>
+            </a:endParaRPr>
+          </a:p>
+          <a:p>
+            <a:pPr marL="0" indent="0">
+              <a:buNone/>
+            </a:pPr>
+            <a:endParaRPr lang="en-US" sz="2000" dirty="0">
+              <a:latin typeface="Segoe UI" panose="020B0502040204020203" pitchFamily="34" charset="0"/>
+              <a:cs typeface="Segoe UI" panose="020B0502040204020203" pitchFamily="34" charset="0"/>
+            </a:endParaRPr>
+          </a:p>
+          <a:p>
+            <a:pPr marL="0" indent="0">
+              <a:buNone/>
+            </a:pPr>
+            <a:r>
+              <a:rPr lang="en-US" sz="2000" b="1" dirty="0">
+                <a:latin typeface="Segoe UI" panose="020B0502040204020203" pitchFamily="34" charset="0"/>
+                <a:cs typeface="Segoe UI" panose="020B0502040204020203" pitchFamily="34" charset="0"/>
+              </a:rPr>
+              <a:t>Instructions:</a:t>
+            </a:r>
+          </a:p>
+          <a:p>
+            <a:pPr marL="0" indent="0">
+              <a:buNone/>
+            </a:pPr>
+            <a:r>
+              <a:rPr lang="en-US" sz="2000" dirty="0">
+                <a:latin typeface="Segoe UI" panose="020B0502040204020203" pitchFamily="34" charset="0"/>
+                <a:cs typeface="Segoe UI" panose="020B0502040204020203" pitchFamily="34" charset="0"/>
+              </a:rPr>
+              <a:t>Select the top 10 and bottom 10 [</a:t>
+            </a:r>
+            <a:r>
+              <a:rPr lang="en-US" sz="2000" dirty="0" err="1">
+                <a:latin typeface="Segoe UI" panose="020B0502040204020203" pitchFamily="34" charset="0"/>
+                <a:cs typeface="Segoe UI" panose="020B0502040204020203" pitchFamily="34" charset="0"/>
+              </a:rPr>
+              <a:t>DateKey</a:t>
+            </a:r>
+            <a:r>
+              <a:rPr lang="en-US" sz="2000" dirty="0">
+                <a:latin typeface="Segoe UI" panose="020B0502040204020203" pitchFamily="34" charset="0"/>
+                <a:cs typeface="Segoe UI" panose="020B0502040204020203" pitchFamily="34" charset="0"/>
+              </a:rPr>
+              <a:t>], [Shift], [Calls], [</a:t>
+            </a:r>
+            <a:r>
+              <a:rPr lang="en-US" sz="2000" dirty="0" err="1">
+                <a:latin typeface="Segoe UI" panose="020B0502040204020203" pitchFamily="34" charset="0"/>
+                <a:cs typeface="Segoe UI" panose="020B0502040204020203" pitchFamily="34" charset="0"/>
+              </a:rPr>
+              <a:t>AverageTimePerIssue</a:t>
+            </a:r>
+            <a:r>
+              <a:rPr lang="en-US" sz="2000" dirty="0">
+                <a:latin typeface="Segoe UI" panose="020B0502040204020203" pitchFamily="34" charset="0"/>
+                <a:cs typeface="Segoe UI" panose="020B0502040204020203" pitchFamily="34" charset="0"/>
+              </a:rPr>
+              <a:t>] and a computed column [</a:t>
+            </a:r>
+            <a:r>
+              <a:rPr lang="en-US" sz="2000" dirty="0" err="1">
+                <a:latin typeface="Segoe UI" panose="020B0502040204020203" pitchFamily="34" charset="0"/>
+                <a:cs typeface="Segoe UI" panose="020B0502040204020203" pitchFamily="34" charset="0"/>
+              </a:rPr>
+              <a:t>TotalTime</a:t>
+            </a:r>
+            <a:r>
+              <a:rPr lang="en-US" sz="2000" dirty="0">
+                <a:latin typeface="Segoe UI" panose="020B0502040204020203" pitchFamily="34" charset="0"/>
+                <a:cs typeface="Segoe UI" panose="020B0502040204020203" pitchFamily="34" charset="0"/>
+              </a:rPr>
+              <a:t>] which is the multiplication of [Calls] and [</a:t>
+            </a:r>
+            <a:r>
+              <a:rPr lang="en-US" sz="2000" dirty="0" err="1">
+                <a:latin typeface="Segoe UI" panose="020B0502040204020203" pitchFamily="34" charset="0"/>
+                <a:cs typeface="Segoe UI" panose="020B0502040204020203" pitchFamily="34" charset="0"/>
+              </a:rPr>
+              <a:t>AverageTimePerIssue</a:t>
+            </a:r>
+            <a:r>
+              <a:rPr lang="en-US" sz="2000" dirty="0">
+                <a:latin typeface="Segoe UI" panose="020B0502040204020203" pitchFamily="34" charset="0"/>
+                <a:cs typeface="Segoe UI" panose="020B0502040204020203" pitchFamily="34" charset="0"/>
+              </a:rPr>
+              <a:t>] for the ‘PM’ [Shift]’s based on [</a:t>
+            </a:r>
+            <a:r>
+              <a:rPr lang="en-US" sz="2000" dirty="0" err="1">
+                <a:latin typeface="Segoe UI" panose="020B0502040204020203" pitchFamily="34" charset="0"/>
+                <a:cs typeface="Segoe UI" panose="020B0502040204020203" pitchFamily="34" charset="0"/>
+              </a:rPr>
+              <a:t>TotalTime</a:t>
+            </a:r>
+            <a:r>
+              <a:rPr lang="en-US" sz="2000" dirty="0">
+                <a:latin typeface="Segoe UI" panose="020B0502040204020203" pitchFamily="34" charset="0"/>
+                <a:cs typeface="Segoe UI" panose="020B0502040204020203" pitchFamily="34" charset="0"/>
+              </a:rPr>
+              <a:t>] in ascending order.</a:t>
+            </a:r>
+          </a:p>
+          <a:p>
+            <a:pPr marL="0" indent="0">
+              <a:buNone/>
+            </a:pPr>
+            <a:endParaRPr lang="en-US" sz="2000" dirty="0">
+              <a:latin typeface="Segoe UI" panose="020B0502040204020203" pitchFamily="34" charset="0"/>
+              <a:cs typeface="Segoe UI" panose="020B0502040204020203" pitchFamily="34" charset="0"/>
+            </a:endParaRPr>
+          </a:p>
+        </p:txBody>
+      </p:sp>
+      <p:pic>
+        <p:nvPicPr>
+          <p:cNvPr id="5" name="Picture 4" descr="A close up of a logo&#10;&#10;Description automatically generated">
+            <a:extLst>
+              <a:ext uri="{FF2B5EF4-FFF2-40B4-BE49-F238E27FC236}">
+                <a16:creationId xmlns:a16="http://schemas.microsoft.com/office/drawing/2014/main" id="{94D59F6F-A728-4865-B92A-AE9935E9E488}"/>
+              </a:ext>
+            </a:extLst>
+          </p:cNvPr>
+          <p:cNvPicPr>
+            <a:picLocks noChangeAspect="1"/>
+          </p:cNvPicPr>
+          <p:nvPr/>
+        </p:nvPicPr>
+        <p:blipFill>
+          <a:blip r:embed="rId2">
+            <a:extLst>
+              <a:ext uri="{28A0092B-C50C-407E-A947-70E740481C1C}">
+                <a14:useLocalDpi xmlns:a14="http://schemas.microsoft.com/office/drawing/2010/main" val="0"/>
+              </a:ext>
+            </a:extLst>
+          </a:blip>
+          <a:stretch>
+            <a:fillRect/>
+          </a:stretch>
+        </p:blipFill>
+        <p:spPr>
+          <a:xfrm>
+            <a:off x="363674" y="5593489"/>
+            <a:ext cx="1005840" cy="1005840"/>
+          </a:xfrm>
+          <a:prstGeom prst="rect">
+            <a:avLst/>
+          </a:prstGeom>
+        </p:spPr>
+      </p:pic>
+      <p:pic>
+        <p:nvPicPr>
+          <p:cNvPr id="7" name="Picture 6" descr="A picture containing food&#10;&#10;Description automatically generated">
+            <a:extLst>
+              <a:ext uri="{FF2B5EF4-FFF2-40B4-BE49-F238E27FC236}">
+                <a16:creationId xmlns:a16="http://schemas.microsoft.com/office/drawing/2014/main" id="{EA99191B-2453-42A4-9DDB-84E4DDC775F1}"/>
+              </a:ext>
+            </a:extLst>
+          </p:cNvPr>
+          <p:cNvPicPr>
+            <a:picLocks noChangeAspect="1"/>
+          </p:cNvPicPr>
+          <p:nvPr/>
+        </p:nvPicPr>
+        <p:blipFill>
+          <a:blip r:embed="rId3">
+            <a:extLst>
+              <a:ext uri="{28A0092B-C50C-407E-A947-70E740481C1C}">
+                <a14:useLocalDpi xmlns:a14="http://schemas.microsoft.com/office/drawing/2010/main" val="0"/>
+              </a:ext>
+            </a:extLst>
+          </a:blip>
+          <a:stretch>
+            <a:fillRect/>
+          </a:stretch>
+        </p:blipFill>
+        <p:spPr>
+          <a:xfrm>
+            <a:off x="1101708" y="5486804"/>
+            <a:ext cx="1219209" cy="1219209"/>
+          </a:xfrm>
+          <a:prstGeom prst="rect">
+            <a:avLst/>
+          </a:prstGeom>
+        </p:spPr>
+      </p:pic>
+      <p:grpSp>
+        <p:nvGrpSpPr>
+          <p:cNvPr id="11" name="Group 10">
+            <a:extLst>
+              <a:ext uri="{FF2B5EF4-FFF2-40B4-BE49-F238E27FC236}">
+                <a16:creationId xmlns:a16="http://schemas.microsoft.com/office/drawing/2014/main" id="{43EA8AA4-AAA1-49F7-8C34-DA88A460E967}"/>
+              </a:ext>
+            </a:extLst>
+          </p:cNvPr>
+          <p:cNvGrpSpPr/>
+          <p:nvPr/>
+        </p:nvGrpSpPr>
+        <p:grpSpPr>
+          <a:xfrm>
+            <a:off x="10579506" y="5618730"/>
+            <a:ext cx="1021572" cy="955356"/>
+            <a:chOff x="9124950" y="1397319"/>
+            <a:chExt cx="1518216" cy="1419809"/>
+          </a:xfrm>
+        </p:grpSpPr>
+        <p:pic>
+          <p:nvPicPr>
+            <p:cNvPr id="9" name="Picture 8">
+              <a:extLst>
+                <a:ext uri="{FF2B5EF4-FFF2-40B4-BE49-F238E27FC236}">
+                  <a16:creationId xmlns:a16="http://schemas.microsoft.com/office/drawing/2014/main" id="{48CC9875-A615-4C59-BD77-B03E0FE0BB48}"/>
+                </a:ext>
+              </a:extLst>
+            </p:cNvPr>
+            <p:cNvPicPr>
+              <a:picLocks noChangeAspect="1"/>
+            </p:cNvPicPr>
+            <p:nvPr/>
+          </p:nvPicPr>
+          <p:blipFill>
+            <a:blip r:embed="rId4">
+              <a:extLst>
+                <a:ext uri="{BEBA8EAE-BF5A-486C-A8C5-ECC9F3942E4B}">
+                  <a14:imgProps xmlns:a14="http://schemas.microsoft.com/office/drawing/2010/main">
+                    <a14:imgLayer r:embed="rId5">
+                      <a14:imgEffect>
+                        <a14:backgroundRemoval t="8917" b="94268" l="10000" r="90000">
+                          <a14:foregroundMark x1="12222" y1="16561" x2="12222" y2="16561"/>
+                          <a14:foregroundMark x1="60000" y1="10191" x2="60000" y2="10191"/>
+                          <a14:foregroundMark x1="43333" y1="34395" x2="43333" y2="34395"/>
+                          <a14:foregroundMark x1="68889" y1="35032" x2="68889" y2="35032"/>
+                          <a14:foregroundMark x1="88889" y1="39490" x2="88889" y2="39490"/>
+                          <a14:foregroundMark x1="88889" y1="55414" x2="88889" y2="55414"/>
+                          <a14:foregroundMark x1="88889" y1="70064" x2="88889" y2="70064"/>
+                          <a14:foregroundMark x1="88889" y1="85987" x2="88889" y2="85987"/>
+                          <a14:foregroundMark x1="67778" y1="92994" x2="67778" y2="92994"/>
+                          <a14:foregroundMark x1="43333" y1="94268" x2="43333" y2="94268"/>
+                        </a14:backgroundRemoval>
+                      </a14:imgEffect>
+                    </a14:imgLayer>
+                  </a14:imgProps>
+                </a:ext>
+              </a:extLst>
+            </a:blip>
+            <a:stretch>
+              <a:fillRect/>
+            </a:stretch>
+          </p:blipFill>
+          <p:spPr>
+            <a:xfrm>
+              <a:off x="10083454" y="1451407"/>
+              <a:ext cx="559712" cy="976387"/>
+            </a:xfrm>
+            <a:prstGeom prst="rect">
+              <a:avLst/>
+            </a:prstGeom>
+          </p:spPr>
+        </p:pic>
+        <p:pic>
+          <p:nvPicPr>
+            <p:cNvPr id="10" name="Picture 9" descr="A picture containing sitting, dark, white, sign&#10;&#10;Description automatically generated">
+              <a:extLst>
+                <a:ext uri="{FF2B5EF4-FFF2-40B4-BE49-F238E27FC236}">
+                  <a16:creationId xmlns:a16="http://schemas.microsoft.com/office/drawing/2014/main" id="{4324C91F-8EA6-41E0-ABCC-EB3CC95E04E2}"/>
+                </a:ext>
+              </a:extLst>
+            </p:cNvPr>
+            <p:cNvPicPr>
+              <a:picLocks noChangeAspect="1"/>
+            </p:cNvPicPr>
+            <p:nvPr/>
+          </p:nvPicPr>
+          <p:blipFill>
+            <a:blip r:embed="rId6">
+              <a:extLst>
+                <a:ext uri="{28A0092B-C50C-407E-A947-70E740481C1C}">
+                  <a14:useLocalDpi xmlns:a14="http://schemas.microsoft.com/office/drawing/2010/main" val="0"/>
+                </a:ext>
+              </a:extLst>
+            </a:blip>
+            <a:stretch>
+              <a:fillRect/>
+            </a:stretch>
+          </p:blipFill>
+          <p:spPr>
+            <a:xfrm>
+              <a:off x="9124950" y="1397319"/>
+              <a:ext cx="1419809" cy="1419809"/>
+            </a:xfrm>
+            <a:prstGeom prst="rect">
+              <a:avLst/>
+            </a:prstGeom>
+          </p:spPr>
+        </p:pic>
+      </p:grpSp>
+    </p:spTree>
+    <p:extLst>
+      <p:ext uri="{BB962C8B-B14F-4D97-AF65-F5344CB8AC3E}">
+        <p14:creationId xmlns:p14="http://schemas.microsoft.com/office/powerpoint/2010/main" val="517911535"/>
+      </p:ext>
+    </p:extLst>
+  </p:cSld>
+  <p:clrMapOvr>
+    <a:masterClrMapping/>
+  </p:clrMapOvr>
+  <p:transition>
+    <p:fade/>
+  </p:transition>
+</p:sld>
+</file>
+
+<file path=ppt/slides/slide18.xml><?xml version="1.0" encoding="utf-8"?>
+<p:sld xmlns:a="http://schemas.openxmlformats.org/drawingml/2006/main" xmlns:r="http://schemas.openxmlformats.org/officeDocument/2006/relationships" xmlns:p="http://schemas.openxmlformats.org/presentationml/2006/main">
+  <p:cSld>
+    <p:bg>
+      <p:bgPr>
+        <a:solidFill>
+          <a:schemeClr val="bg1">
+            <a:lumMod val="95000"/>
+          </a:schemeClr>
+        </a:solidFill>
+        <a:effectLst/>
+      </p:bgPr>
+    </p:bg>
+    <p:spTree>
+      <p:nvGrpSpPr>
+        <p:cNvPr id="1" name=""/>
+        <p:cNvGrpSpPr/>
+        <p:nvPr/>
+      </p:nvGrpSpPr>
+      <p:grpSpPr>
+        <a:xfrm>
+          <a:off x="0" y="0"/>
+          <a:ext cx="0" cy="0"/>
+          <a:chOff x="0" y="0"/>
+          <a:chExt cx="0" cy="0"/>
+        </a:xfrm>
+      </p:grpSpPr>
+      <p:sp>
+        <p:nvSpPr>
+          <p:cNvPr id="2" name="Title 1">
+            <a:extLst>
+              <a:ext uri="{FF2B5EF4-FFF2-40B4-BE49-F238E27FC236}">
+                <a16:creationId xmlns:a16="http://schemas.microsoft.com/office/drawing/2014/main" id="{16D1DAA1-7514-47A2-892A-8155447F1779}"/>
+              </a:ext>
+            </a:extLst>
+          </p:cNvPr>
+          <p:cNvSpPr>
+            <a:spLocks noGrp="1"/>
+          </p:cNvSpPr>
+          <p:nvPr>
+            <p:ph type="title"/>
+          </p:nvPr>
+        </p:nvSpPr>
+        <p:spPr/>
+        <p:txBody>
+          <a:bodyPr>
+            <a:noAutofit/>
+          </a:bodyPr>
+          <a:lstStyle/>
+          <a:p>
+            <a:r>
+              <a:rPr lang="en-US" sz="5400" b="1" dirty="0">
+                <a:latin typeface="Segoe UI Black" panose="020B0A02040204020203" pitchFamily="34" charset="0"/>
+                <a:ea typeface="Segoe UI Black" panose="020B0A02040204020203" pitchFamily="34" charset="0"/>
+                <a:cs typeface="Leelawadee UI" panose="020B0502040204020203" pitchFamily="34" charset="-34"/>
+              </a:rPr>
+              <a:t>DAY 18</a:t>
+            </a:r>
+          </a:p>
+        </p:txBody>
+      </p:sp>
+      <p:sp>
+        <p:nvSpPr>
+          <p:cNvPr id="3" name="Text Placeholder 2">
+            <a:extLst>
+              <a:ext uri="{FF2B5EF4-FFF2-40B4-BE49-F238E27FC236}">
+                <a16:creationId xmlns:a16="http://schemas.microsoft.com/office/drawing/2014/main" id="{9018F955-A657-41BA-ACD4-9BF462F38431}"/>
+              </a:ext>
+            </a:extLst>
+          </p:cNvPr>
+          <p:cNvSpPr>
+            <a:spLocks noGrp="1"/>
+          </p:cNvSpPr>
+          <p:nvPr>
+            <p:ph type="body" sz="quarter" idx="10"/>
+          </p:nvPr>
+        </p:nvSpPr>
+        <p:spPr>
+          <a:xfrm>
+            <a:off x="584200" y="1698171"/>
+            <a:ext cx="11018520" cy="2154436"/>
+          </a:xfrm>
+        </p:spPr>
+        <p:txBody>
+          <a:bodyPr/>
+          <a:lstStyle/>
+          <a:p>
+            <a:pPr marL="0" indent="0">
+              <a:buNone/>
+            </a:pPr>
+            <a:r>
+              <a:rPr lang="en-US" sz="2000" b="1" dirty="0">
+                <a:latin typeface="Segoe UI" panose="020B0502040204020203" pitchFamily="34" charset="0"/>
+                <a:cs typeface="Segoe UI" panose="020B0502040204020203" pitchFamily="34" charset="0"/>
+              </a:rPr>
+              <a:t>Database: </a:t>
+            </a:r>
+            <a:r>
+              <a:rPr lang="en-US" sz="2000" dirty="0" err="1">
+                <a:latin typeface="Segoe UI" panose="020B0502040204020203" pitchFamily="34" charset="0"/>
+                <a:cs typeface="Segoe UI" panose="020B0502040204020203" pitchFamily="34" charset="0"/>
+              </a:rPr>
+              <a:t>WideWorldImportersDW</a:t>
+            </a:r>
+            <a:endParaRPr lang="en-US" sz="2000" dirty="0">
+              <a:latin typeface="Segoe UI" panose="020B0502040204020203" pitchFamily="34" charset="0"/>
+              <a:cs typeface="Segoe UI" panose="020B0502040204020203" pitchFamily="34" charset="0"/>
+            </a:endParaRPr>
+          </a:p>
+          <a:p>
+            <a:pPr marL="0" indent="0">
+              <a:buNone/>
+            </a:pPr>
+            <a:r>
+              <a:rPr lang="en-US" sz="2000" b="1" dirty="0">
+                <a:latin typeface="Segoe UI" panose="020B0502040204020203" pitchFamily="34" charset="0"/>
+                <a:cs typeface="Segoe UI" panose="020B0502040204020203" pitchFamily="34" charset="0"/>
+              </a:rPr>
+              <a:t>Entity: </a:t>
+            </a:r>
+            <a:r>
+              <a:rPr lang="en-US" sz="2000" dirty="0" err="1">
+                <a:latin typeface="Segoe UI" panose="020B0502040204020203" pitchFamily="34" charset="0"/>
+                <a:cs typeface="Segoe UI" panose="020B0502040204020203" pitchFamily="34" charset="0"/>
+              </a:rPr>
+              <a:t>Dimension.City</a:t>
+            </a:r>
+            <a:endParaRPr lang="en-US" sz="2000" dirty="0">
+              <a:latin typeface="Segoe UI" panose="020B0502040204020203" pitchFamily="34" charset="0"/>
+              <a:cs typeface="Segoe UI" panose="020B0502040204020203" pitchFamily="34" charset="0"/>
+            </a:endParaRPr>
+          </a:p>
+          <a:p>
+            <a:pPr marL="0" indent="0">
+              <a:buNone/>
+            </a:pPr>
+            <a:endParaRPr lang="en-US" sz="2000" dirty="0">
+              <a:latin typeface="Segoe UI" panose="020B0502040204020203" pitchFamily="34" charset="0"/>
+              <a:cs typeface="Segoe UI" panose="020B0502040204020203" pitchFamily="34" charset="0"/>
+            </a:endParaRPr>
+          </a:p>
+          <a:p>
+            <a:pPr marL="0" indent="0">
+              <a:buNone/>
+            </a:pPr>
+            <a:r>
+              <a:rPr lang="en-US" sz="2000" b="1" dirty="0">
+                <a:latin typeface="Segoe UI" panose="020B0502040204020203" pitchFamily="34" charset="0"/>
+                <a:cs typeface="Segoe UI" panose="020B0502040204020203" pitchFamily="34" charset="0"/>
+              </a:rPr>
+              <a:t>Instructions:</a:t>
+            </a:r>
+          </a:p>
+          <a:p>
+            <a:pPr marL="0" indent="0">
+              <a:buNone/>
+            </a:pPr>
+            <a:r>
+              <a:rPr lang="en-US" sz="2000" dirty="0">
+                <a:latin typeface="Segoe UI" panose="020B0502040204020203" pitchFamily="34" charset="0"/>
+                <a:cs typeface="Segoe UI" panose="020B0502040204020203" pitchFamily="34" charset="0"/>
+              </a:rPr>
+              <a:t>Select [City Key], [City], [State Province] and [Sales Territory] where the [City] contains ‘A’, ‘d’ and ‘C’.</a:t>
+            </a:r>
+          </a:p>
+          <a:p>
+            <a:r>
+              <a:rPr lang="en-US" sz="2000" dirty="0">
+                <a:latin typeface="Segoe UI" panose="020B0502040204020203" pitchFamily="34" charset="0"/>
+                <a:cs typeface="Segoe UI" panose="020B0502040204020203" pitchFamily="34" charset="0"/>
+              </a:rPr>
+              <a:t>Case sensitive</a:t>
+            </a:r>
+          </a:p>
+        </p:txBody>
+      </p:sp>
+      <p:pic>
+        <p:nvPicPr>
+          <p:cNvPr id="5" name="Picture 4" descr="A close up of a logo&#10;&#10;Description automatically generated">
+            <a:extLst>
+              <a:ext uri="{FF2B5EF4-FFF2-40B4-BE49-F238E27FC236}">
+                <a16:creationId xmlns:a16="http://schemas.microsoft.com/office/drawing/2014/main" id="{94D59F6F-A728-4865-B92A-AE9935E9E488}"/>
+              </a:ext>
+            </a:extLst>
+          </p:cNvPr>
+          <p:cNvPicPr>
+            <a:picLocks noChangeAspect="1"/>
+          </p:cNvPicPr>
+          <p:nvPr/>
+        </p:nvPicPr>
+        <p:blipFill>
+          <a:blip r:embed="rId2">
+            <a:extLst>
+              <a:ext uri="{28A0092B-C50C-407E-A947-70E740481C1C}">
+                <a14:useLocalDpi xmlns:a14="http://schemas.microsoft.com/office/drawing/2010/main" val="0"/>
+              </a:ext>
+            </a:extLst>
+          </a:blip>
+          <a:stretch>
+            <a:fillRect/>
+          </a:stretch>
+        </p:blipFill>
+        <p:spPr>
+          <a:xfrm>
+            <a:off x="363674" y="5593489"/>
+            <a:ext cx="1005840" cy="1005840"/>
+          </a:xfrm>
+          <a:prstGeom prst="rect">
+            <a:avLst/>
+          </a:prstGeom>
+        </p:spPr>
+      </p:pic>
+      <p:pic>
+        <p:nvPicPr>
+          <p:cNvPr id="7" name="Picture 6" descr="A picture containing food&#10;&#10;Description automatically generated">
+            <a:extLst>
+              <a:ext uri="{FF2B5EF4-FFF2-40B4-BE49-F238E27FC236}">
+                <a16:creationId xmlns:a16="http://schemas.microsoft.com/office/drawing/2014/main" id="{EA99191B-2453-42A4-9DDB-84E4DDC775F1}"/>
+              </a:ext>
+            </a:extLst>
+          </p:cNvPr>
+          <p:cNvPicPr>
+            <a:picLocks noChangeAspect="1"/>
+          </p:cNvPicPr>
+          <p:nvPr/>
+        </p:nvPicPr>
+        <p:blipFill>
+          <a:blip r:embed="rId3">
+            <a:extLst>
+              <a:ext uri="{28A0092B-C50C-407E-A947-70E740481C1C}">
+                <a14:useLocalDpi xmlns:a14="http://schemas.microsoft.com/office/drawing/2010/main" val="0"/>
+              </a:ext>
+            </a:extLst>
+          </a:blip>
+          <a:stretch>
+            <a:fillRect/>
+          </a:stretch>
+        </p:blipFill>
+        <p:spPr>
+          <a:xfrm>
+            <a:off x="1101708" y="5486804"/>
+            <a:ext cx="1219209" cy="1219209"/>
+          </a:xfrm>
+          <a:prstGeom prst="rect">
+            <a:avLst/>
+          </a:prstGeom>
+        </p:spPr>
+      </p:pic>
+      <p:grpSp>
+        <p:nvGrpSpPr>
+          <p:cNvPr id="11" name="Group 10">
+            <a:extLst>
+              <a:ext uri="{FF2B5EF4-FFF2-40B4-BE49-F238E27FC236}">
+                <a16:creationId xmlns:a16="http://schemas.microsoft.com/office/drawing/2014/main" id="{43EA8AA4-AAA1-49F7-8C34-DA88A460E967}"/>
+              </a:ext>
+            </a:extLst>
+          </p:cNvPr>
+          <p:cNvGrpSpPr/>
+          <p:nvPr/>
+        </p:nvGrpSpPr>
+        <p:grpSpPr>
+          <a:xfrm>
+            <a:off x="10579506" y="5618730"/>
+            <a:ext cx="1021572" cy="955356"/>
+            <a:chOff x="9124950" y="1397319"/>
+            <a:chExt cx="1518216" cy="1419809"/>
+          </a:xfrm>
+        </p:grpSpPr>
+        <p:pic>
+          <p:nvPicPr>
+            <p:cNvPr id="9" name="Picture 8">
+              <a:extLst>
+                <a:ext uri="{FF2B5EF4-FFF2-40B4-BE49-F238E27FC236}">
+                  <a16:creationId xmlns:a16="http://schemas.microsoft.com/office/drawing/2014/main" id="{48CC9875-A615-4C59-BD77-B03E0FE0BB48}"/>
+                </a:ext>
+              </a:extLst>
+            </p:cNvPr>
+            <p:cNvPicPr>
+              <a:picLocks noChangeAspect="1"/>
+            </p:cNvPicPr>
+            <p:nvPr/>
+          </p:nvPicPr>
+          <p:blipFill>
+            <a:blip r:embed="rId4">
+              <a:extLst>
+                <a:ext uri="{BEBA8EAE-BF5A-486C-A8C5-ECC9F3942E4B}">
+                  <a14:imgProps xmlns:a14="http://schemas.microsoft.com/office/drawing/2010/main">
+                    <a14:imgLayer r:embed="rId5">
+                      <a14:imgEffect>
+                        <a14:backgroundRemoval t="8917" b="94268" l="10000" r="90000">
+                          <a14:foregroundMark x1="12222" y1="16561" x2="12222" y2="16561"/>
+                          <a14:foregroundMark x1="60000" y1="10191" x2="60000" y2="10191"/>
+                          <a14:foregroundMark x1="43333" y1="34395" x2="43333" y2="34395"/>
+                          <a14:foregroundMark x1="68889" y1="35032" x2="68889" y2="35032"/>
+                          <a14:foregroundMark x1="88889" y1="39490" x2="88889" y2="39490"/>
+                          <a14:foregroundMark x1="88889" y1="55414" x2="88889" y2="55414"/>
+                          <a14:foregroundMark x1="88889" y1="70064" x2="88889" y2="70064"/>
+                          <a14:foregroundMark x1="88889" y1="85987" x2="88889" y2="85987"/>
+                          <a14:foregroundMark x1="67778" y1="92994" x2="67778" y2="92994"/>
+                          <a14:foregroundMark x1="43333" y1="94268" x2="43333" y2="94268"/>
+                        </a14:backgroundRemoval>
+                      </a14:imgEffect>
+                    </a14:imgLayer>
+                  </a14:imgProps>
+                </a:ext>
+              </a:extLst>
+            </a:blip>
+            <a:stretch>
+              <a:fillRect/>
+            </a:stretch>
+          </p:blipFill>
+          <p:spPr>
+            <a:xfrm>
+              <a:off x="10083454" y="1451407"/>
+              <a:ext cx="559712" cy="976387"/>
+            </a:xfrm>
+            <a:prstGeom prst="rect">
+              <a:avLst/>
+            </a:prstGeom>
+          </p:spPr>
+        </p:pic>
+        <p:pic>
+          <p:nvPicPr>
+            <p:cNvPr id="10" name="Picture 9" descr="A picture containing sitting, dark, white, sign&#10;&#10;Description automatically generated">
+              <a:extLst>
+                <a:ext uri="{FF2B5EF4-FFF2-40B4-BE49-F238E27FC236}">
+                  <a16:creationId xmlns:a16="http://schemas.microsoft.com/office/drawing/2014/main" id="{4324C91F-8EA6-41E0-ABCC-EB3CC95E04E2}"/>
+                </a:ext>
+              </a:extLst>
+            </p:cNvPr>
+            <p:cNvPicPr>
+              <a:picLocks noChangeAspect="1"/>
+            </p:cNvPicPr>
+            <p:nvPr/>
+          </p:nvPicPr>
+          <p:blipFill>
+            <a:blip r:embed="rId6">
+              <a:extLst>
+                <a:ext uri="{28A0092B-C50C-407E-A947-70E740481C1C}">
+                  <a14:useLocalDpi xmlns:a14="http://schemas.microsoft.com/office/drawing/2010/main" val="0"/>
+                </a:ext>
+              </a:extLst>
+            </a:blip>
+            <a:stretch>
+              <a:fillRect/>
+            </a:stretch>
+          </p:blipFill>
+          <p:spPr>
+            <a:xfrm>
+              <a:off x="9124950" y="1397319"/>
+              <a:ext cx="1419809" cy="1419809"/>
+            </a:xfrm>
+            <a:prstGeom prst="rect">
+              <a:avLst/>
+            </a:prstGeom>
+          </p:spPr>
+        </p:pic>
+      </p:grpSp>
+    </p:spTree>
+    <p:extLst>
+      <p:ext uri="{BB962C8B-B14F-4D97-AF65-F5344CB8AC3E}">
+        <p14:creationId xmlns:p14="http://schemas.microsoft.com/office/powerpoint/2010/main" val="1246364726"/>
+      </p:ext>
+    </p:extLst>
+  </p:cSld>
+  <p:clrMapOvr>
+    <a:masterClrMapping/>
+  </p:clrMapOvr>
+  <p:transition>
+    <p:fade/>
+  </p:transition>
+</p:sld>
+</file>
+
+<file path=ppt/slides/slide19.xml><?xml version="1.0" encoding="utf-8"?>
+<p:sld xmlns:a="http://schemas.openxmlformats.org/drawingml/2006/main" xmlns:r="http://schemas.openxmlformats.org/officeDocument/2006/relationships" xmlns:p="http://schemas.openxmlformats.org/presentationml/2006/main">
+  <p:cSld>
+    <p:bg>
+      <p:bgPr>
+        <a:solidFill>
+          <a:schemeClr val="bg1">
+            <a:lumMod val="95000"/>
+          </a:schemeClr>
+        </a:solidFill>
+        <a:effectLst/>
+      </p:bgPr>
+    </p:bg>
+    <p:spTree>
+      <p:nvGrpSpPr>
+        <p:cNvPr id="1" name=""/>
+        <p:cNvGrpSpPr/>
+        <p:nvPr/>
+      </p:nvGrpSpPr>
+      <p:grpSpPr>
+        <a:xfrm>
+          <a:off x="0" y="0"/>
+          <a:ext cx="0" cy="0"/>
+          <a:chOff x="0" y="0"/>
+          <a:chExt cx="0" cy="0"/>
+        </a:xfrm>
+      </p:grpSpPr>
+      <p:sp>
+        <p:nvSpPr>
+          <p:cNvPr id="2" name="Title 1">
+            <a:extLst>
+              <a:ext uri="{FF2B5EF4-FFF2-40B4-BE49-F238E27FC236}">
+                <a16:creationId xmlns:a16="http://schemas.microsoft.com/office/drawing/2014/main" id="{16D1DAA1-7514-47A2-892A-8155447F1779}"/>
+              </a:ext>
+            </a:extLst>
+          </p:cNvPr>
+          <p:cNvSpPr>
+            <a:spLocks noGrp="1"/>
+          </p:cNvSpPr>
+          <p:nvPr>
+            <p:ph type="title"/>
+          </p:nvPr>
+        </p:nvSpPr>
+        <p:spPr/>
+        <p:txBody>
+          <a:bodyPr>
+            <a:noAutofit/>
+          </a:bodyPr>
+          <a:lstStyle/>
+          <a:p>
+            <a:r>
+              <a:rPr lang="en-US" sz="5400" b="1" dirty="0">
+                <a:latin typeface="Segoe UI Black" panose="020B0A02040204020203" pitchFamily="34" charset="0"/>
+                <a:ea typeface="Segoe UI Black" panose="020B0A02040204020203" pitchFamily="34" charset="0"/>
+                <a:cs typeface="Leelawadee UI" panose="020B0502040204020203" pitchFamily="34" charset="-34"/>
+              </a:rPr>
+              <a:t>DAY 19</a:t>
+            </a:r>
+          </a:p>
+        </p:txBody>
+      </p:sp>
+      <p:sp>
+        <p:nvSpPr>
+          <p:cNvPr id="3" name="Text Placeholder 2">
+            <a:extLst>
+              <a:ext uri="{FF2B5EF4-FFF2-40B4-BE49-F238E27FC236}">
+                <a16:creationId xmlns:a16="http://schemas.microsoft.com/office/drawing/2014/main" id="{9018F955-A657-41BA-ACD4-9BF462F38431}"/>
+              </a:ext>
+            </a:extLst>
+          </p:cNvPr>
+          <p:cNvSpPr>
+            <a:spLocks noGrp="1"/>
+          </p:cNvSpPr>
+          <p:nvPr>
+            <p:ph type="body" sz="quarter" idx="10"/>
+          </p:nvPr>
+        </p:nvSpPr>
+        <p:spPr>
+          <a:xfrm>
+            <a:off x="584200" y="1698171"/>
+            <a:ext cx="11018520" cy="2092881"/>
+          </a:xfrm>
+        </p:spPr>
+        <p:txBody>
+          <a:bodyPr/>
+          <a:lstStyle/>
+          <a:p>
+            <a:pPr marL="0" indent="0">
+              <a:buNone/>
+            </a:pPr>
+            <a:r>
+              <a:rPr lang="en-US" sz="2000" b="1" dirty="0">
+                <a:latin typeface="Segoe UI" panose="020B0502040204020203" pitchFamily="34" charset="0"/>
+                <a:cs typeface="Segoe UI" panose="020B0502040204020203" pitchFamily="34" charset="0"/>
+              </a:rPr>
+              <a:t>Database: </a:t>
+            </a:r>
+            <a:r>
+              <a:rPr lang="en-US" sz="2000" dirty="0">
+                <a:latin typeface="Segoe UI" panose="020B0502040204020203" pitchFamily="34" charset="0"/>
+                <a:cs typeface="Segoe UI" panose="020B0502040204020203" pitchFamily="34" charset="0"/>
+              </a:rPr>
+              <a:t>AdventureWorksDW2017</a:t>
+            </a:r>
+          </a:p>
+          <a:p>
+            <a:pPr marL="0" indent="0">
+              <a:buNone/>
+            </a:pPr>
+            <a:r>
+              <a:rPr lang="en-US" sz="2000" b="1" dirty="0">
+                <a:latin typeface="Segoe UI" panose="020B0502040204020203" pitchFamily="34" charset="0"/>
+                <a:cs typeface="Segoe UI" panose="020B0502040204020203" pitchFamily="34" charset="0"/>
+              </a:rPr>
+              <a:t>Entity: </a:t>
+            </a:r>
+            <a:r>
+              <a:rPr lang="en-US" sz="2000" dirty="0" err="1">
+                <a:latin typeface="Segoe UI" panose="020B0502040204020203" pitchFamily="34" charset="0"/>
+                <a:cs typeface="Segoe UI" panose="020B0502040204020203" pitchFamily="34" charset="0"/>
+              </a:rPr>
+              <a:t>FactResellerSales</a:t>
+            </a:r>
+            <a:endParaRPr lang="en-US" sz="2000" dirty="0">
+              <a:latin typeface="Segoe UI" panose="020B0502040204020203" pitchFamily="34" charset="0"/>
+              <a:cs typeface="Segoe UI" panose="020B0502040204020203" pitchFamily="34" charset="0"/>
+            </a:endParaRPr>
+          </a:p>
+          <a:p>
+            <a:pPr marL="0" indent="0">
+              <a:buNone/>
+            </a:pPr>
+            <a:endParaRPr lang="en-US" sz="2000" dirty="0">
+              <a:latin typeface="Segoe UI" panose="020B0502040204020203" pitchFamily="34" charset="0"/>
+              <a:cs typeface="Segoe UI" panose="020B0502040204020203" pitchFamily="34" charset="0"/>
+            </a:endParaRPr>
+          </a:p>
+          <a:p>
+            <a:pPr marL="0" indent="0">
+              <a:buNone/>
+            </a:pPr>
+            <a:r>
+              <a:rPr lang="en-US" sz="2000" b="1" dirty="0">
+                <a:latin typeface="Segoe UI" panose="020B0502040204020203" pitchFamily="34" charset="0"/>
+                <a:cs typeface="Segoe UI" panose="020B0502040204020203" pitchFamily="34" charset="0"/>
+              </a:rPr>
+              <a:t>Instructions:</a:t>
+            </a:r>
+          </a:p>
+          <a:p>
+            <a:pPr marL="0" indent="0">
+              <a:buNone/>
+            </a:pPr>
+            <a:r>
+              <a:rPr lang="en-US" sz="2000" dirty="0">
+                <a:latin typeface="Segoe UI" panose="020B0502040204020203" pitchFamily="34" charset="0"/>
+                <a:cs typeface="Segoe UI" panose="020B0502040204020203" pitchFamily="34" charset="0"/>
+              </a:rPr>
+              <a:t>Select [</a:t>
+            </a:r>
+            <a:r>
+              <a:rPr lang="en-US" sz="2000" dirty="0" err="1">
+                <a:latin typeface="Segoe UI" panose="020B0502040204020203" pitchFamily="34" charset="0"/>
+                <a:cs typeface="Segoe UI" panose="020B0502040204020203" pitchFamily="34" charset="0"/>
+              </a:rPr>
+              <a:t>SalesOrderNumber</a:t>
+            </a:r>
+            <a:r>
+              <a:rPr lang="en-US" sz="2000" dirty="0">
+                <a:latin typeface="Segoe UI" panose="020B0502040204020203" pitchFamily="34" charset="0"/>
+                <a:cs typeface="Segoe UI" panose="020B0502040204020203" pitchFamily="34" charset="0"/>
+              </a:rPr>
+              <a:t>], [</a:t>
+            </a:r>
+            <a:r>
+              <a:rPr lang="en-US" sz="2000" dirty="0" err="1">
+                <a:latin typeface="Segoe UI" panose="020B0502040204020203" pitchFamily="34" charset="0"/>
+                <a:cs typeface="Segoe UI" panose="020B0502040204020203" pitchFamily="34" charset="0"/>
+              </a:rPr>
+              <a:t>OrderDate</a:t>
+            </a:r>
+            <a:r>
+              <a:rPr lang="en-US" sz="2000" dirty="0">
+                <a:latin typeface="Segoe UI" panose="020B0502040204020203" pitchFamily="34" charset="0"/>
+                <a:cs typeface="Segoe UI" panose="020B0502040204020203" pitchFamily="34" charset="0"/>
+              </a:rPr>
+              <a:t>], [</a:t>
+            </a:r>
+            <a:r>
+              <a:rPr lang="en-US" sz="2000" dirty="0" err="1">
+                <a:latin typeface="Segoe UI" panose="020B0502040204020203" pitchFamily="34" charset="0"/>
+                <a:cs typeface="Segoe UI" panose="020B0502040204020203" pitchFamily="34" charset="0"/>
+              </a:rPr>
+              <a:t>ResellerKey</a:t>
+            </a:r>
+            <a:r>
+              <a:rPr lang="en-US" sz="2000" dirty="0">
+                <a:latin typeface="Segoe UI" panose="020B0502040204020203" pitchFamily="34" charset="0"/>
+                <a:cs typeface="Segoe UI" panose="020B0502040204020203" pitchFamily="34" charset="0"/>
+              </a:rPr>
+              <a:t>], [</a:t>
+            </a:r>
+            <a:r>
+              <a:rPr lang="en-US" sz="2000" dirty="0" err="1">
+                <a:latin typeface="Segoe UI" panose="020B0502040204020203" pitchFamily="34" charset="0"/>
+                <a:cs typeface="Segoe UI" panose="020B0502040204020203" pitchFamily="34" charset="0"/>
+              </a:rPr>
+              <a:t>EmployeeKey</a:t>
+            </a:r>
+            <a:r>
+              <a:rPr lang="en-US" sz="2000" dirty="0">
+                <a:latin typeface="Segoe UI" panose="020B0502040204020203" pitchFamily="34" charset="0"/>
+                <a:cs typeface="Segoe UI" panose="020B0502040204020203" pitchFamily="34" charset="0"/>
+              </a:rPr>
+              <a:t>] and a computed column [</a:t>
+            </a:r>
+            <a:r>
+              <a:rPr lang="en-US" sz="2000" dirty="0" err="1">
+                <a:latin typeface="Segoe UI" panose="020B0502040204020203" pitchFamily="34" charset="0"/>
+                <a:cs typeface="Segoe UI" panose="020B0502040204020203" pitchFamily="34" charset="0"/>
+              </a:rPr>
+              <a:t>UnixTimestamp</a:t>
+            </a:r>
+            <a:r>
+              <a:rPr lang="en-US" sz="2000" dirty="0">
+                <a:latin typeface="Segoe UI" panose="020B0502040204020203" pitchFamily="34" charset="0"/>
+                <a:cs typeface="Segoe UI" panose="020B0502040204020203" pitchFamily="34" charset="0"/>
+              </a:rPr>
+              <a:t>] which is the [</a:t>
+            </a:r>
+            <a:r>
+              <a:rPr lang="en-US" sz="2000" dirty="0" err="1">
+                <a:latin typeface="Segoe UI" panose="020B0502040204020203" pitchFamily="34" charset="0"/>
+                <a:cs typeface="Segoe UI" panose="020B0502040204020203" pitchFamily="34" charset="0"/>
+              </a:rPr>
+              <a:t>OrderDate</a:t>
+            </a:r>
+            <a:r>
+              <a:rPr lang="en-US" sz="2000" dirty="0">
+                <a:latin typeface="Segoe UI" panose="020B0502040204020203" pitchFamily="34" charset="0"/>
+                <a:cs typeface="Segoe UI" panose="020B0502040204020203" pitchFamily="34" charset="0"/>
+              </a:rPr>
+              <a:t>] converted to its epoch </a:t>
+            </a:r>
+            <a:r>
+              <a:rPr lang="en-US" sz="2000" dirty="0" err="1">
+                <a:latin typeface="Segoe UI" panose="020B0502040204020203" pitchFamily="34" charset="0"/>
+                <a:cs typeface="Segoe UI" panose="020B0502040204020203" pitchFamily="34" charset="0"/>
+              </a:rPr>
+              <a:t>unix</a:t>
+            </a:r>
+            <a:r>
+              <a:rPr lang="en-US" sz="2000" dirty="0">
+                <a:latin typeface="Segoe UI" panose="020B0502040204020203" pitchFamily="34" charset="0"/>
+                <a:cs typeface="Segoe UI" panose="020B0502040204020203" pitchFamily="34" charset="0"/>
+              </a:rPr>
+              <a:t> time stamp equivalent.</a:t>
+            </a:r>
+          </a:p>
+        </p:txBody>
+      </p:sp>
+      <p:pic>
+        <p:nvPicPr>
+          <p:cNvPr id="5" name="Picture 4" descr="A close up of a logo&#10;&#10;Description automatically generated">
+            <a:extLst>
+              <a:ext uri="{FF2B5EF4-FFF2-40B4-BE49-F238E27FC236}">
+                <a16:creationId xmlns:a16="http://schemas.microsoft.com/office/drawing/2014/main" id="{94D59F6F-A728-4865-B92A-AE9935E9E488}"/>
+              </a:ext>
+            </a:extLst>
+          </p:cNvPr>
+          <p:cNvPicPr>
+            <a:picLocks noChangeAspect="1"/>
+          </p:cNvPicPr>
+          <p:nvPr/>
+        </p:nvPicPr>
+        <p:blipFill>
+          <a:blip r:embed="rId2">
+            <a:extLst>
+              <a:ext uri="{28A0092B-C50C-407E-A947-70E740481C1C}">
+                <a14:useLocalDpi xmlns:a14="http://schemas.microsoft.com/office/drawing/2010/main" val="0"/>
+              </a:ext>
+            </a:extLst>
+          </a:blip>
+          <a:stretch>
+            <a:fillRect/>
+          </a:stretch>
+        </p:blipFill>
+        <p:spPr>
+          <a:xfrm>
+            <a:off x="363674" y="5593489"/>
+            <a:ext cx="1005840" cy="1005840"/>
+          </a:xfrm>
+          <a:prstGeom prst="rect">
+            <a:avLst/>
+          </a:prstGeom>
+        </p:spPr>
+      </p:pic>
+      <p:pic>
+        <p:nvPicPr>
+          <p:cNvPr id="7" name="Picture 6" descr="A picture containing food&#10;&#10;Description automatically generated">
+            <a:extLst>
+              <a:ext uri="{FF2B5EF4-FFF2-40B4-BE49-F238E27FC236}">
+                <a16:creationId xmlns:a16="http://schemas.microsoft.com/office/drawing/2014/main" id="{EA99191B-2453-42A4-9DDB-84E4DDC775F1}"/>
+              </a:ext>
+            </a:extLst>
+          </p:cNvPr>
+          <p:cNvPicPr>
+            <a:picLocks noChangeAspect="1"/>
+          </p:cNvPicPr>
+          <p:nvPr/>
+        </p:nvPicPr>
+        <p:blipFill>
+          <a:blip r:embed="rId3">
+            <a:extLst>
+              <a:ext uri="{28A0092B-C50C-407E-A947-70E740481C1C}">
+                <a14:useLocalDpi xmlns:a14="http://schemas.microsoft.com/office/drawing/2010/main" val="0"/>
+              </a:ext>
+            </a:extLst>
+          </a:blip>
+          <a:stretch>
+            <a:fillRect/>
+          </a:stretch>
+        </p:blipFill>
+        <p:spPr>
+          <a:xfrm>
+            <a:off x="1101708" y="5486804"/>
+            <a:ext cx="1219209" cy="1219209"/>
+          </a:xfrm>
+          <a:prstGeom prst="rect">
+            <a:avLst/>
+          </a:prstGeom>
+        </p:spPr>
+      </p:pic>
+      <p:grpSp>
+        <p:nvGrpSpPr>
+          <p:cNvPr id="11" name="Group 10">
+            <a:extLst>
+              <a:ext uri="{FF2B5EF4-FFF2-40B4-BE49-F238E27FC236}">
+                <a16:creationId xmlns:a16="http://schemas.microsoft.com/office/drawing/2014/main" id="{43EA8AA4-AAA1-49F7-8C34-DA88A460E967}"/>
+              </a:ext>
+            </a:extLst>
+          </p:cNvPr>
+          <p:cNvGrpSpPr/>
+          <p:nvPr/>
+        </p:nvGrpSpPr>
+        <p:grpSpPr>
+          <a:xfrm>
+            <a:off x="10579506" y="5618730"/>
+            <a:ext cx="1021572" cy="955356"/>
+            <a:chOff x="9124950" y="1397319"/>
+            <a:chExt cx="1518216" cy="1419809"/>
+          </a:xfrm>
+        </p:grpSpPr>
+        <p:pic>
+          <p:nvPicPr>
+            <p:cNvPr id="9" name="Picture 8">
+              <a:extLst>
+                <a:ext uri="{FF2B5EF4-FFF2-40B4-BE49-F238E27FC236}">
+                  <a16:creationId xmlns:a16="http://schemas.microsoft.com/office/drawing/2014/main" id="{48CC9875-A615-4C59-BD77-B03E0FE0BB48}"/>
+                </a:ext>
+              </a:extLst>
+            </p:cNvPr>
+            <p:cNvPicPr>
+              <a:picLocks noChangeAspect="1"/>
+            </p:cNvPicPr>
+            <p:nvPr/>
+          </p:nvPicPr>
+          <p:blipFill>
+            <a:blip r:embed="rId4">
+              <a:extLst>
+                <a:ext uri="{BEBA8EAE-BF5A-486C-A8C5-ECC9F3942E4B}">
+                  <a14:imgProps xmlns:a14="http://schemas.microsoft.com/office/drawing/2010/main">
+                    <a14:imgLayer r:embed="rId5">
+                      <a14:imgEffect>
+                        <a14:backgroundRemoval t="8917" b="94268" l="10000" r="90000">
+                          <a14:foregroundMark x1="12222" y1="16561" x2="12222" y2="16561"/>
+                          <a14:foregroundMark x1="60000" y1="10191" x2="60000" y2="10191"/>
+                          <a14:foregroundMark x1="43333" y1="34395" x2="43333" y2="34395"/>
+                          <a14:foregroundMark x1="68889" y1="35032" x2="68889" y2="35032"/>
+                          <a14:foregroundMark x1="88889" y1="39490" x2="88889" y2="39490"/>
+                          <a14:foregroundMark x1="88889" y1="55414" x2="88889" y2="55414"/>
+                          <a14:foregroundMark x1="88889" y1="70064" x2="88889" y2="70064"/>
+                          <a14:foregroundMark x1="88889" y1="85987" x2="88889" y2="85987"/>
+                          <a14:foregroundMark x1="67778" y1="92994" x2="67778" y2="92994"/>
+                          <a14:foregroundMark x1="43333" y1="94268" x2="43333" y2="94268"/>
+                        </a14:backgroundRemoval>
+                      </a14:imgEffect>
+                    </a14:imgLayer>
+                  </a14:imgProps>
+                </a:ext>
+              </a:extLst>
+            </a:blip>
+            <a:stretch>
+              <a:fillRect/>
+            </a:stretch>
+          </p:blipFill>
+          <p:spPr>
+            <a:xfrm>
+              <a:off x="10083454" y="1451407"/>
+              <a:ext cx="559712" cy="976387"/>
+            </a:xfrm>
+            <a:prstGeom prst="rect">
+              <a:avLst/>
+            </a:prstGeom>
+          </p:spPr>
+        </p:pic>
+        <p:pic>
+          <p:nvPicPr>
+            <p:cNvPr id="10" name="Picture 9" descr="A picture containing sitting, dark, white, sign&#10;&#10;Description automatically generated">
+              <a:extLst>
+                <a:ext uri="{FF2B5EF4-FFF2-40B4-BE49-F238E27FC236}">
+                  <a16:creationId xmlns:a16="http://schemas.microsoft.com/office/drawing/2014/main" id="{4324C91F-8EA6-41E0-ABCC-EB3CC95E04E2}"/>
+                </a:ext>
+              </a:extLst>
+            </p:cNvPr>
+            <p:cNvPicPr>
+              <a:picLocks noChangeAspect="1"/>
+            </p:cNvPicPr>
+            <p:nvPr/>
+          </p:nvPicPr>
+          <p:blipFill>
+            <a:blip r:embed="rId6">
+              <a:extLst>
+                <a:ext uri="{28A0092B-C50C-407E-A947-70E740481C1C}">
+                  <a14:useLocalDpi xmlns:a14="http://schemas.microsoft.com/office/drawing/2010/main" val="0"/>
+                </a:ext>
+              </a:extLst>
+            </a:blip>
+            <a:stretch>
+              <a:fillRect/>
+            </a:stretch>
+          </p:blipFill>
+          <p:spPr>
+            <a:xfrm>
+              <a:off x="9124950" y="1397319"/>
+              <a:ext cx="1419809" cy="1419809"/>
+            </a:xfrm>
+            <a:prstGeom prst="rect">
+              <a:avLst/>
+            </a:prstGeom>
+          </p:spPr>
+        </p:pic>
+      </p:grpSp>
+    </p:spTree>
+    <p:extLst>
+      <p:ext uri="{BB962C8B-B14F-4D97-AF65-F5344CB8AC3E}">
+        <p14:creationId xmlns:p14="http://schemas.microsoft.com/office/powerpoint/2010/main" val="2950532409"/>
+      </p:ext>
+    </p:extLst>
+  </p:cSld>
+  <p:clrMapOvr>
+    <a:masterClrMapping/>
+  </p:clrMapOvr>
+  <p:transition>
+    <p:fade/>
+  </p:transition>
+</p:sld>
+</file>
+
 <file path=ppt/slides/slide2.xml><?xml version="1.0" encoding="utf-8"?>
 <p:sld xmlns:a="http://schemas.openxmlformats.org/drawingml/2006/main" xmlns:r="http://schemas.openxmlformats.org/officeDocument/2006/relationships" xmlns:p="http://schemas.openxmlformats.org/presentationml/2006/main">
   <p:cSld>
@@ -15164,6 +19540,374 @@
     <p:extLst>
       <p:ext uri="{BB962C8B-B14F-4D97-AF65-F5344CB8AC3E}">
         <p14:creationId xmlns:p14="http://schemas.microsoft.com/office/powerpoint/2010/main" val="1970465496"/>
+      </p:ext>
+    </p:extLst>
+  </p:cSld>
+  <p:clrMapOvr>
+    <a:masterClrMapping/>
+  </p:clrMapOvr>
+  <p:transition>
+    <p:fade/>
+  </p:transition>
+</p:sld>
+</file>
+
+<file path=ppt/slides/slide20.xml><?xml version="1.0" encoding="utf-8"?>
+<p:sld xmlns:a="http://schemas.openxmlformats.org/drawingml/2006/main" xmlns:r="http://schemas.openxmlformats.org/officeDocument/2006/relationships" xmlns:p="http://schemas.openxmlformats.org/presentationml/2006/main">
+  <p:cSld>
+    <p:bg>
+      <p:bgPr>
+        <a:solidFill>
+          <a:schemeClr val="bg1">
+            <a:lumMod val="95000"/>
+          </a:schemeClr>
+        </a:solidFill>
+        <a:effectLst/>
+      </p:bgPr>
+    </p:bg>
+    <p:spTree>
+      <p:nvGrpSpPr>
+        <p:cNvPr id="1" name=""/>
+        <p:cNvGrpSpPr/>
+        <p:nvPr/>
+      </p:nvGrpSpPr>
+      <p:grpSpPr>
+        <a:xfrm>
+          <a:off x="0" y="0"/>
+          <a:ext cx="0" cy="0"/>
+          <a:chOff x="0" y="0"/>
+          <a:chExt cx="0" cy="0"/>
+        </a:xfrm>
+      </p:grpSpPr>
+      <p:sp>
+        <p:nvSpPr>
+          <p:cNvPr id="2" name="Title 1">
+            <a:extLst>
+              <a:ext uri="{FF2B5EF4-FFF2-40B4-BE49-F238E27FC236}">
+                <a16:creationId xmlns:a16="http://schemas.microsoft.com/office/drawing/2014/main" id="{16D1DAA1-7514-47A2-892A-8155447F1779}"/>
+              </a:ext>
+            </a:extLst>
+          </p:cNvPr>
+          <p:cNvSpPr>
+            <a:spLocks noGrp="1"/>
+          </p:cNvSpPr>
+          <p:nvPr>
+            <p:ph type="title"/>
+          </p:nvPr>
+        </p:nvSpPr>
+        <p:spPr/>
+        <p:txBody>
+          <a:bodyPr>
+            <a:noAutofit/>
+          </a:bodyPr>
+          <a:lstStyle/>
+          <a:p>
+            <a:r>
+              <a:rPr lang="en-US" sz="5400" b="1" dirty="0">
+                <a:latin typeface="Segoe UI Black" panose="020B0A02040204020203" pitchFamily="34" charset="0"/>
+                <a:ea typeface="Segoe UI Black" panose="020B0A02040204020203" pitchFamily="34" charset="0"/>
+                <a:cs typeface="Leelawadee UI" panose="020B0502040204020203" pitchFamily="34" charset="-34"/>
+              </a:rPr>
+              <a:t>DAY 20</a:t>
+            </a:r>
+          </a:p>
+        </p:txBody>
+      </p:sp>
+      <p:sp>
+        <p:nvSpPr>
+          <p:cNvPr id="3" name="Text Placeholder 2">
+            <a:extLst>
+              <a:ext uri="{FF2B5EF4-FFF2-40B4-BE49-F238E27FC236}">
+                <a16:creationId xmlns:a16="http://schemas.microsoft.com/office/drawing/2014/main" id="{9018F955-A657-41BA-ACD4-9BF462F38431}"/>
+              </a:ext>
+            </a:extLst>
+          </p:cNvPr>
+          <p:cNvSpPr>
+            <a:spLocks noGrp="1"/>
+          </p:cNvSpPr>
+          <p:nvPr>
+            <p:ph type="body" sz="quarter" idx="10"/>
+          </p:nvPr>
+        </p:nvSpPr>
+        <p:spPr>
+          <a:xfrm>
+            <a:off x="584200" y="1698171"/>
+            <a:ext cx="11018520" cy="1785104"/>
+          </a:xfrm>
+        </p:spPr>
+        <p:txBody>
+          <a:bodyPr/>
+          <a:lstStyle/>
+          <a:p>
+            <a:pPr marL="0" indent="0">
+              <a:buNone/>
+            </a:pPr>
+            <a:r>
+              <a:rPr lang="en-US" sz="2000" b="1" dirty="0">
+                <a:latin typeface="Segoe UI" panose="020B0502040204020203" pitchFamily="34" charset="0"/>
+                <a:cs typeface="Segoe UI" panose="020B0502040204020203" pitchFamily="34" charset="0"/>
+              </a:rPr>
+              <a:t>Database: </a:t>
+            </a:r>
+            <a:r>
+              <a:rPr lang="en-US" sz="2000" dirty="0" err="1">
+                <a:latin typeface="Segoe UI" panose="020B0502040204020203" pitchFamily="34" charset="0"/>
+                <a:cs typeface="Segoe UI" panose="020B0502040204020203" pitchFamily="34" charset="0"/>
+              </a:rPr>
+              <a:t>WideWorldImportersDW</a:t>
+            </a:r>
+            <a:endParaRPr lang="en-US" sz="2000" dirty="0">
+              <a:latin typeface="Segoe UI" panose="020B0502040204020203" pitchFamily="34" charset="0"/>
+              <a:cs typeface="Segoe UI" panose="020B0502040204020203" pitchFamily="34" charset="0"/>
+            </a:endParaRPr>
+          </a:p>
+          <a:p>
+            <a:pPr marL="0" indent="0">
+              <a:buNone/>
+            </a:pPr>
+            <a:r>
+              <a:rPr lang="en-US" sz="2000" b="1" dirty="0">
+                <a:latin typeface="Segoe UI" panose="020B0502040204020203" pitchFamily="34" charset="0"/>
+                <a:cs typeface="Segoe UI" panose="020B0502040204020203" pitchFamily="34" charset="0"/>
+              </a:rPr>
+              <a:t>Entity: </a:t>
+            </a:r>
+            <a:r>
+              <a:rPr lang="en-US" sz="2000" dirty="0" err="1">
+                <a:latin typeface="Segoe UI" panose="020B0502040204020203" pitchFamily="34" charset="0"/>
+                <a:cs typeface="Segoe UI" panose="020B0502040204020203" pitchFamily="34" charset="0"/>
+              </a:rPr>
+              <a:t>Dimension.Stock</a:t>
+            </a:r>
+            <a:r>
+              <a:rPr lang="en-US" sz="2000" dirty="0">
+                <a:latin typeface="Segoe UI" panose="020B0502040204020203" pitchFamily="34" charset="0"/>
+                <a:cs typeface="Segoe UI" panose="020B0502040204020203" pitchFamily="34" charset="0"/>
+              </a:rPr>
+              <a:t> Item</a:t>
+            </a:r>
+          </a:p>
+          <a:p>
+            <a:pPr marL="0" indent="0">
+              <a:buNone/>
+            </a:pPr>
+            <a:endParaRPr lang="en-US" sz="2000" dirty="0">
+              <a:latin typeface="Segoe UI" panose="020B0502040204020203" pitchFamily="34" charset="0"/>
+              <a:cs typeface="Segoe UI" panose="020B0502040204020203" pitchFamily="34" charset="0"/>
+            </a:endParaRPr>
+          </a:p>
+          <a:p>
+            <a:pPr marL="0" indent="0">
+              <a:buNone/>
+            </a:pPr>
+            <a:r>
+              <a:rPr lang="en-US" sz="2000" b="1" dirty="0">
+                <a:latin typeface="Segoe UI" panose="020B0502040204020203" pitchFamily="34" charset="0"/>
+                <a:cs typeface="Segoe UI" panose="020B0502040204020203" pitchFamily="34" charset="0"/>
+              </a:rPr>
+              <a:t>Instructions:</a:t>
+            </a:r>
+          </a:p>
+          <a:p>
+            <a:pPr marL="0" indent="0">
+              <a:buNone/>
+            </a:pPr>
+            <a:r>
+              <a:rPr lang="en-US" sz="2000" dirty="0">
+                <a:latin typeface="Segoe UI" panose="020B0502040204020203" pitchFamily="34" charset="0"/>
+                <a:cs typeface="Segoe UI" panose="020B0502040204020203" pitchFamily="34" charset="0"/>
+              </a:rPr>
+              <a:t>Dynamically select all of the text columns.</a:t>
+            </a:r>
+          </a:p>
+        </p:txBody>
+      </p:sp>
+      <p:pic>
+        <p:nvPicPr>
+          <p:cNvPr id="5" name="Picture 4" descr="A close up of a logo&#10;&#10;Description automatically generated">
+            <a:extLst>
+              <a:ext uri="{FF2B5EF4-FFF2-40B4-BE49-F238E27FC236}">
+                <a16:creationId xmlns:a16="http://schemas.microsoft.com/office/drawing/2014/main" id="{94D59F6F-A728-4865-B92A-AE9935E9E488}"/>
+              </a:ext>
+            </a:extLst>
+          </p:cNvPr>
+          <p:cNvPicPr>
+            <a:picLocks noChangeAspect="1"/>
+          </p:cNvPicPr>
+          <p:nvPr/>
+        </p:nvPicPr>
+        <p:blipFill>
+          <a:blip r:embed="rId2">
+            <a:extLst>
+              <a:ext uri="{28A0092B-C50C-407E-A947-70E740481C1C}">
+                <a14:useLocalDpi xmlns:a14="http://schemas.microsoft.com/office/drawing/2010/main" val="0"/>
+              </a:ext>
+            </a:extLst>
+          </a:blip>
+          <a:stretch>
+            <a:fillRect/>
+          </a:stretch>
+        </p:blipFill>
+        <p:spPr>
+          <a:xfrm>
+            <a:off x="363674" y="5593489"/>
+            <a:ext cx="1005840" cy="1005840"/>
+          </a:xfrm>
+          <a:prstGeom prst="rect">
+            <a:avLst/>
+          </a:prstGeom>
+        </p:spPr>
+      </p:pic>
+      <p:pic>
+        <p:nvPicPr>
+          <p:cNvPr id="7" name="Picture 6" descr="A picture containing food&#10;&#10;Description automatically generated">
+            <a:extLst>
+              <a:ext uri="{FF2B5EF4-FFF2-40B4-BE49-F238E27FC236}">
+                <a16:creationId xmlns:a16="http://schemas.microsoft.com/office/drawing/2014/main" id="{EA99191B-2453-42A4-9DDB-84E4DDC775F1}"/>
+              </a:ext>
+            </a:extLst>
+          </p:cNvPr>
+          <p:cNvPicPr>
+            <a:picLocks noChangeAspect="1"/>
+          </p:cNvPicPr>
+          <p:nvPr/>
+        </p:nvPicPr>
+        <p:blipFill>
+          <a:blip r:embed="rId3">
+            <a:extLst>
+              <a:ext uri="{28A0092B-C50C-407E-A947-70E740481C1C}">
+                <a14:useLocalDpi xmlns:a14="http://schemas.microsoft.com/office/drawing/2010/main" val="0"/>
+              </a:ext>
+            </a:extLst>
+          </a:blip>
+          <a:stretch>
+            <a:fillRect/>
+          </a:stretch>
+        </p:blipFill>
+        <p:spPr>
+          <a:xfrm>
+            <a:off x="1101708" y="5486804"/>
+            <a:ext cx="1219209" cy="1219209"/>
+          </a:xfrm>
+          <a:prstGeom prst="rect">
+            <a:avLst/>
+          </a:prstGeom>
+        </p:spPr>
+      </p:pic>
+      <p:grpSp>
+        <p:nvGrpSpPr>
+          <p:cNvPr id="11" name="Group 10">
+            <a:extLst>
+              <a:ext uri="{FF2B5EF4-FFF2-40B4-BE49-F238E27FC236}">
+                <a16:creationId xmlns:a16="http://schemas.microsoft.com/office/drawing/2014/main" id="{43EA8AA4-AAA1-49F7-8C34-DA88A460E967}"/>
+              </a:ext>
+            </a:extLst>
+          </p:cNvPr>
+          <p:cNvGrpSpPr/>
+          <p:nvPr/>
+        </p:nvGrpSpPr>
+        <p:grpSpPr>
+          <a:xfrm>
+            <a:off x="10579506" y="5618730"/>
+            <a:ext cx="1021572" cy="955356"/>
+            <a:chOff x="9124950" y="1397319"/>
+            <a:chExt cx="1518216" cy="1419809"/>
+          </a:xfrm>
+        </p:grpSpPr>
+        <p:pic>
+          <p:nvPicPr>
+            <p:cNvPr id="9" name="Picture 8">
+              <a:extLst>
+                <a:ext uri="{FF2B5EF4-FFF2-40B4-BE49-F238E27FC236}">
+                  <a16:creationId xmlns:a16="http://schemas.microsoft.com/office/drawing/2014/main" id="{48CC9875-A615-4C59-BD77-B03E0FE0BB48}"/>
+                </a:ext>
+              </a:extLst>
+            </p:cNvPr>
+            <p:cNvPicPr>
+              <a:picLocks noChangeAspect="1"/>
+            </p:cNvPicPr>
+            <p:nvPr/>
+          </p:nvPicPr>
+          <p:blipFill>
+            <a:blip r:embed="rId4">
+              <a:extLst>
+                <a:ext uri="{BEBA8EAE-BF5A-486C-A8C5-ECC9F3942E4B}">
+                  <a14:imgProps xmlns:a14="http://schemas.microsoft.com/office/drawing/2010/main">
+                    <a14:imgLayer r:embed="rId5">
+                      <a14:imgEffect>
+                        <a14:backgroundRemoval t="8917" b="94268" l="10000" r="90000">
+                          <a14:foregroundMark x1="12222" y1="16561" x2="12222" y2="16561"/>
+                          <a14:foregroundMark x1="60000" y1="10191" x2="60000" y2="10191"/>
+                          <a14:foregroundMark x1="43333" y1="34395" x2="43333" y2="34395"/>
+                          <a14:foregroundMark x1="68889" y1="35032" x2="68889" y2="35032"/>
+                          <a14:foregroundMark x1="88889" y1="39490" x2="88889" y2="39490"/>
+                          <a14:foregroundMark x1="88889" y1="55414" x2="88889" y2="55414"/>
+                          <a14:foregroundMark x1="88889" y1="70064" x2="88889" y2="70064"/>
+                          <a14:foregroundMark x1="88889" y1="85987" x2="88889" y2="85987"/>
+                          <a14:foregroundMark x1="67778" y1="92994" x2="67778" y2="92994"/>
+                          <a14:foregroundMark x1="43333" y1="94268" x2="43333" y2="94268"/>
+                        </a14:backgroundRemoval>
+                      </a14:imgEffect>
+                    </a14:imgLayer>
+                  </a14:imgProps>
+                </a:ext>
+              </a:extLst>
+            </a:blip>
+            <a:stretch>
+              <a:fillRect/>
+            </a:stretch>
+          </p:blipFill>
+          <p:spPr>
+            <a:xfrm>
+              <a:off x="10083454" y="1451407"/>
+              <a:ext cx="559712" cy="976387"/>
+            </a:xfrm>
+            <a:prstGeom prst="rect">
+              <a:avLst/>
+            </a:prstGeom>
+          </p:spPr>
+        </p:pic>
+        <p:pic>
+          <p:nvPicPr>
+            <p:cNvPr id="10" name="Picture 9" descr="A picture containing sitting, dark, white, sign&#10;&#10;Description automatically generated">
+              <a:extLst>
+                <a:ext uri="{FF2B5EF4-FFF2-40B4-BE49-F238E27FC236}">
+                  <a16:creationId xmlns:a16="http://schemas.microsoft.com/office/drawing/2014/main" id="{4324C91F-8EA6-41E0-ABCC-EB3CC95E04E2}"/>
+                </a:ext>
+              </a:extLst>
+            </p:cNvPr>
+            <p:cNvPicPr>
+              <a:picLocks noChangeAspect="1"/>
+            </p:cNvPicPr>
+            <p:nvPr/>
+          </p:nvPicPr>
+          <p:blipFill>
+            <a:blip r:embed="rId6">
+              <a:extLst>
+                <a:ext uri="{28A0092B-C50C-407E-A947-70E740481C1C}">
+                  <a14:useLocalDpi xmlns:a14="http://schemas.microsoft.com/office/drawing/2010/main" val="0"/>
+                </a:ext>
+              </a:extLst>
+            </a:blip>
+            <a:stretch>
+              <a:fillRect/>
+            </a:stretch>
+          </p:blipFill>
+          <p:spPr>
+            <a:xfrm>
+              <a:off x="9124950" y="1397319"/>
+              <a:ext cx="1419809" cy="1419809"/>
+            </a:xfrm>
+            <a:prstGeom prst="rect">
+              <a:avLst/>
+            </a:prstGeom>
+          </p:spPr>
+        </p:pic>
+      </p:grpSp>
+    </p:spTree>
+    <p:extLst>
+      <p:ext uri="{BB962C8B-B14F-4D97-AF65-F5344CB8AC3E}">
+        <p14:creationId xmlns:p14="http://schemas.microsoft.com/office/powerpoint/2010/main" val="1850093209"/>
       </p:ext>
     </p:extLst>
   </p:cSld>
@@ -17507,6 +22251,480 @@
     <p:extLst>
       <p:ext uri="{BB962C8B-B14F-4D97-AF65-F5344CB8AC3E}">
         <p14:creationId xmlns:p14="http://schemas.microsoft.com/office/powerpoint/2010/main" val="4214683330"/>
+      </p:ext>
+    </p:extLst>
+  </p:cSld>
+  <p:clrMapOvr>
+    <a:masterClrMapping/>
+  </p:clrMapOvr>
+  <p:transition>
+    <p:fade/>
+  </p:transition>
+</p:sld>
+</file>
+
+<file path=ppt/slides/slide9.xml><?xml version="1.0" encoding="utf-8"?>
+<p:sld xmlns:a="http://schemas.openxmlformats.org/drawingml/2006/main" xmlns:r="http://schemas.openxmlformats.org/officeDocument/2006/relationships" xmlns:p="http://schemas.openxmlformats.org/presentationml/2006/main">
+  <p:cSld>
+    <p:bg>
+      <p:bgPr>
+        <a:solidFill>
+          <a:schemeClr val="bg1">
+            <a:lumMod val="95000"/>
+          </a:schemeClr>
+        </a:solidFill>
+        <a:effectLst/>
+      </p:bgPr>
+    </p:bg>
+    <p:spTree>
+      <p:nvGrpSpPr>
+        <p:cNvPr id="1" name=""/>
+        <p:cNvGrpSpPr/>
+        <p:nvPr/>
+      </p:nvGrpSpPr>
+      <p:grpSpPr>
+        <a:xfrm>
+          <a:off x="0" y="0"/>
+          <a:ext cx="0" cy="0"/>
+          <a:chOff x="0" y="0"/>
+          <a:chExt cx="0" cy="0"/>
+        </a:xfrm>
+      </p:grpSpPr>
+      <p:sp>
+        <p:nvSpPr>
+          <p:cNvPr id="2" name="Title 1">
+            <a:extLst>
+              <a:ext uri="{FF2B5EF4-FFF2-40B4-BE49-F238E27FC236}">
+                <a16:creationId xmlns:a16="http://schemas.microsoft.com/office/drawing/2014/main" id="{16D1DAA1-7514-47A2-892A-8155447F1779}"/>
+              </a:ext>
+            </a:extLst>
+          </p:cNvPr>
+          <p:cNvSpPr>
+            <a:spLocks noGrp="1"/>
+          </p:cNvSpPr>
+          <p:nvPr>
+            <p:ph type="title"/>
+          </p:nvPr>
+        </p:nvSpPr>
+        <p:spPr/>
+        <p:txBody>
+          <a:bodyPr>
+            <a:noAutofit/>
+          </a:bodyPr>
+          <a:lstStyle/>
+          <a:p>
+            <a:r>
+              <a:rPr lang="en-US" sz="5400" b="1" dirty="0">
+                <a:latin typeface="Segoe UI Black" panose="020B0A02040204020203" pitchFamily="34" charset="0"/>
+                <a:ea typeface="Segoe UI Black" panose="020B0A02040204020203" pitchFamily="34" charset="0"/>
+                <a:cs typeface="Leelawadee UI" panose="020B0502040204020203" pitchFamily="34" charset="-34"/>
+              </a:rPr>
+              <a:t>DAY 9</a:t>
+            </a:r>
+          </a:p>
+        </p:txBody>
+      </p:sp>
+      <p:sp>
+        <p:nvSpPr>
+          <p:cNvPr id="3" name="Text Placeholder 2">
+            <a:extLst>
+              <a:ext uri="{FF2B5EF4-FFF2-40B4-BE49-F238E27FC236}">
+                <a16:creationId xmlns:a16="http://schemas.microsoft.com/office/drawing/2014/main" id="{9018F955-A657-41BA-ACD4-9BF462F38431}"/>
+              </a:ext>
+            </a:extLst>
+          </p:cNvPr>
+          <p:cNvSpPr>
+            <a:spLocks noGrp="1"/>
+          </p:cNvSpPr>
+          <p:nvPr>
+            <p:ph type="body" sz="quarter" idx="10"/>
+          </p:nvPr>
+        </p:nvSpPr>
+        <p:spPr>
+          <a:xfrm>
+            <a:off x="584200" y="1698171"/>
+            <a:ext cx="11018520" cy="2831544"/>
+          </a:xfrm>
+        </p:spPr>
+        <p:txBody>
+          <a:bodyPr/>
+          <a:lstStyle/>
+          <a:p>
+            <a:pPr marL="0" indent="0">
+              <a:buNone/>
+            </a:pPr>
+            <a:r>
+              <a:rPr lang="en-US" sz="2000" b="1" dirty="0">
+                <a:latin typeface="Segoe UI" panose="020B0502040204020203" pitchFamily="34" charset="0"/>
+                <a:cs typeface="Segoe UI" panose="020B0502040204020203" pitchFamily="34" charset="0"/>
+              </a:rPr>
+              <a:t>Database: </a:t>
+            </a:r>
+            <a:r>
+              <a:rPr lang="en-US" sz="2000" dirty="0">
+                <a:latin typeface="Segoe UI" panose="020B0502040204020203" pitchFamily="34" charset="0"/>
+                <a:cs typeface="Segoe UI" panose="020B0502040204020203" pitchFamily="34" charset="0"/>
+              </a:rPr>
+              <a:t>AdventureWorksDW2017</a:t>
+            </a:r>
+          </a:p>
+          <a:p>
+            <a:pPr marL="0" indent="0">
+              <a:buNone/>
+            </a:pPr>
+            <a:r>
+              <a:rPr lang="en-US" sz="2000" b="1" dirty="0">
+                <a:latin typeface="Segoe UI" panose="020B0502040204020203" pitchFamily="34" charset="0"/>
+                <a:cs typeface="Segoe UI" panose="020B0502040204020203" pitchFamily="34" charset="0"/>
+              </a:rPr>
+              <a:t>Entity: </a:t>
+            </a:r>
+            <a:r>
+              <a:rPr lang="en-US" sz="2000" dirty="0" err="1">
+                <a:latin typeface="Segoe UI" panose="020B0502040204020203" pitchFamily="34" charset="0"/>
+                <a:cs typeface="Segoe UI" panose="020B0502040204020203" pitchFamily="34" charset="0"/>
+              </a:rPr>
+              <a:t>DimCustomer</a:t>
+            </a:r>
+            <a:r>
+              <a:rPr lang="en-US" sz="2000" dirty="0">
+                <a:latin typeface="Segoe UI" panose="020B0502040204020203" pitchFamily="34" charset="0"/>
+                <a:cs typeface="Segoe UI" panose="020B0502040204020203" pitchFamily="34" charset="0"/>
+              </a:rPr>
+              <a:t> , </a:t>
+            </a:r>
+            <a:r>
+              <a:rPr lang="en-US" sz="2000" dirty="0" err="1">
+                <a:latin typeface="Segoe UI" panose="020B0502040204020203" pitchFamily="34" charset="0"/>
+                <a:cs typeface="Segoe UI" panose="020B0502040204020203" pitchFamily="34" charset="0"/>
+              </a:rPr>
+              <a:t>FactInternetSales</a:t>
+            </a:r>
+            <a:endParaRPr lang="en-US" sz="2000" dirty="0">
+              <a:latin typeface="Segoe UI" panose="020B0502040204020203" pitchFamily="34" charset="0"/>
+              <a:cs typeface="Segoe UI" panose="020B0502040204020203" pitchFamily="34" charset="0"/>
+            </a:endParaRPr>
+          </a:p>
+          <a:p>
+            <a:pPr marL="0" indent="0">
+              <a:buNone/>
+            </a:pPr>
+            <a:endParaRPr lang="en-US" sz="2000" dirty="0">
+              <a:latin typeface="Segoe UI" panose="020B0502040204020203" pitchFamily="34" charset="0"/>
+              <a:cs typeface="Segoe UI" panose="020B0502040204020203" pitchFamily="34" charset="0"/>
+            </a:endParaRPr>
+          </a:p>
+          <a:p>
+            <a:pPr marL="0" indent="0">
+              <a:buNone/>
+            </a:pPr>
+            <a:r>
+              <a:rPr lang="en-US" sz="2000" b="1" dirty="0">
+                <a:latin typeface="Segoe UI" panose="020B0502040204020203" pitchFamily="34" charset="0"/>
+                <a:cs typeface="Segoe UI" panose="020B0502040204020203" pitchFamily="34" charset="0"/>
+              </a:rPr>
+              <a:t>Instructions:</a:t>
+            </a:r>
+          </a:p>
+          <a:p>
+            <a:pPr marL="0" indent="0">
+              <a:buNone/>
+            </a:pPr>
+            <a:r>
+              <a:rPr lang="en-US" sz="2000" dirty="0">
+                <a:latin typeface="Segoe UI" panose="020B0502040204020203" pitchFamily="34" charset="0"/>
+                <a:cs typeface="Segoe UI" panose="020B0502040204020203" pitchFamily="34" charset="0"/>
+              </a:rPr>
+              <a:t>Select [Gender], [</a:t>
+            </a:r>
+            <a:r>
+              <a:rPr lang="en-US" sz="2000" dirty="0" err="1">
+                <a:latin typeface="Segoe UI" panose="020B0502040204020203" pitchFamily="34" charset="0"/>
+                <a:cs typeface="Segoe UI" panose="020B0502040204020203" pitchFamily="34" charset="0"/>
+              </a:rPr>
+              <a:t>EnglishEducation</a:t>
+            </a:r>
+            <a:r>
+              <a:rPr lang="en-US" sz="2000" dirty="0">
+                <a:latin typeface="Segoe UI" panose="020B0502040204020203" pitchFamily="34" charset="0"/>
+                <a:cs typeface="Segoe UI" panose="020B0502040204020203" pitchFamily="34" charset="0"/>
+              </a:rPr>
+              <a:t>] and pivot the sum of [</a:t>
+            </a:r>
+            <a:r>
+              <a:rPr lang="en-US" sz="2000" dirty="0" err="1">
+                <a:latin typeface="Segoe UI" panose="020B0502040204020203" pitchFamily="34" charset="0"/>
+                <a:cs typeface="Segoe UI" panose="020B0502040204020203" pitchFamily="34" charset="0"/>
+              </a:rPr>
+              <a:t>OrderQuantity</a:t>
+            </a:r>
+            <a:r>
+              <a:rPr lang="en-US" sz="2000" dirty="0">
+                <a:latin typeface="Segoe UI" panose="020B0502040204020203" pitchFamily="34" charset="0"/>
+                <a:cs typeface="Segoe UI" panose="020B0502040204020203" pitchFamily="34" charset="0"/>
+              </a:rPr>
+              <a:t>] for [</a:t>
+            </a:r>
+            <a:r>
+              <a:rPr lang="en-US" sz="2000" dirty="0" err="1">
+                <a:latin typeface="Segoe UI" panose="020B0502040204020203" pitchFamily="34" charset="0"/>
+                <a:cs typeface="Segoe UI" panose="020B0502040204020203" pitchFamily="34" charset="0"/>
+              </a:rPr>
+              <a:t>CommuteDistance</a:t>
+            </a:r>
+            <a:r>
+              <a:rPr lang="en-US" sz="2000" dirty="0">
+                <a:latin typeface="Segoe UI" panose="020B0502040204020203" pitchFamily="34" charset="0"/>
+                <a:cs typeface="Segoe UI" panose="020B0502040204020203" pitchFamily="34" charset="0"/>
+              </a:rPr>
+              <a:t>]. </a:t>
+            </a:r>
+          </a:p>
+          <a:p>
+            <a:r>
+              <a:rPr lang="en-US" sz="2000" dirty="0">
+                <a:latin typeface="Segoe UI" panose="020B0502040204020203" pitchFamily="34" charset="0"/>
+                <a:cs typeface="Segoe UI" panose="020B0502040204020203" pitchFamily="34" charset="0"/>
+              </a:rPr>
+              <a:t>Sort the [</a:t>
+            </a:r>
+            <a:r>
+              <a:rPr lang="en-US" sz="2000" dirty="0" err="1">
+                <a:latin typeface="Segoe UI" panose="020B0502040204020203" pitchFamily="34" charset="0"/>
+                <a:cs typeface="Segoe UI" panose="020B0502040204020203" pitchFamily="34" charset="0"/>
+              </a:rPr>
+              <a:t>EnglishEducation</a:t>
+            </a:r>
+            <a:r>
+              <a:rPr lang="en-US" sz="2000" dirty="0">
+                <a:latin typeface="Segoe UI" panose="020B0502040204020203" pitchFamily="34" charset="0"/>
+                <a:cs typeface="Segoe UI" panose="020B0502040204020203" pitchFamily="34" charset="0"/>
+              </a:rPr>
+              <a:t>] from the lowest education level to the highest and the [Gender] column </a:t>
+            </a:r>
+            <a:r>
+              <a:rPr lang="en-US" sz="2000">
+                <a:latin typeface="Segoe UI" panose="020B0502040204020203" pitchFamily="34" charset="0"/>
+                <a:cs typeface="Segoe UI" panose="020B0502040204020203" pitchFamily="34" charset="0"/>
+              </a:rPr>
+              <a:t>in ascending order.</a:t>
+            </a:r>
+            <a:endParaRPr lang="en-US" sz="2000" dirty="0">
+              <a:latin typeface="Segoe UI" panose="020B0502040204020203" pitchFamily="34" charset="0"/>
+              <a:cs typeface="Segoe UI" panose="020B0502040204020203" pitchFamily="34" charset="0"/>
+            </a:endParaRPr>
+          </a:p>
+          <a:p>
+            <a:r>
+              <a:rPr lang="en-US" sz="2000" dirty="0">
+                <a:latin typeface="Segoe UI" panose="020B0502040204020203" pitchFamily="34" charset="0"/>
+                <a:cs typeface="Segoe UI" panose="020B0502040204020203" pitchFamily="34" charset="0"/>
+              </a:rPr>
+              <a:t>Re-order the [</a:t>
+            </a:r>
+            <a:r>
+              <a:rPr lang="en-US" sz="2000" dirty="0" err="1">
+                <a:latin typeface="Segoe UI" panose="020B0502040204020203" pitchFamily="34" charset="0"/>
+                <a:cs typeface="Segoe UI" panose="020B0502040204020203" pitchFamily="34" charset="0"/>
+              </a:rPr>
+              <a:t>CommuteDistance</a:t>
+            </a:r>
+            <a:r>
+              <a:rPr lang="en-US" sz="2000" dirty="0">
+                <a:latin typeface="Segoe UI" panose="020B0502040204020203" pitchFamily="34" charset="0"/>
+                <a:cs typeface="Segoe UI" panose="020B0502040204020203" pitchFamily="34" charset="0"/>
+              </a:rPr>
+              <a:t>] columns from the shortest to longest distance.</a:t>
+            </a:r>
+          </a:p>
+        </p:txBody>
+      </p:sp>
+      <p:pic>
+        <p:nvPicPr>
+          <p:cNvPr id="5" name="Picture 4" descr="A close up of a logo&#10;&#10;Description automatically generated">
+            <a:extLst>
+              <a:ext uri="{FF2B5EF4-FFF2-40B4-BE49-F238E27FC236}">
+                <a16:creationId xmlns:a16="http://schemas.microsoft.com/office/drawing/2014/main" id="{94D59F6F-A728-4865-B92A-AE9935E9E488}"/>
+              </a:ext>
+            </a:extLst>
+          </p:cNvPr>
+          <p:cNvPicPr>
+            <a:picLocks noChangeAspect="1"/>
+          </p:cNvPicPr>
+          <p:nvPr/>
+        </p:nvPicPr>
+        <p:blipFill>
+          <a:blip r:embed="rId2">
+            <a:extLst>
+              <a:ext uri="{28A0092B-C50C-407E-A947-70E740481C1C}">
+                <a14:useLocalDpi xmlns:a14="http://schemas.microsoft.com/office/drawing/2010/main" val="0"/>
+              </a:ext>
+            </a:extLst>
+          </a:blip>
+          <a:stretch>
+            <a:fillRect/>
+          </a:stretch>
+        </p:blipFill>
+        <p:spPr>
+          <a:xfrm>
+            <a:off x="363674" y="5593489"/>
+            <a:ext cx="1005840" cy="1005840"/>
+          </a:xfrm>
+          <a:prstGeom prst="rect">
+            <a:avLst/>
+          </a:prstGeom>
+        </p:spPr>
+      </p:pic>
+      <p:pic>
+        <p:nvPicPr>
+          <p:cNvPr id="7" name="Picture 6" descr="A picture containing food&#10;&#10;Description automatically generated">
+            <a:extLst>
+              <a:ext uri="{FF2B5EF4-FFF2-40B4-BE49-F238E27FC236}">
+                <a16:creationId xmlns:a16="http://schemas.microsoft.com/office/drawing/2014/main" id="{EA99191B-2453-42A4-9DDB-84E4DDC775F1}"/>
+              </a:ext>
+            </a:extLst>
+          </p:cNvPr>
+          <p:cNvPicPr>
+            <a:picLocks noChangeAspect="1"/>
+          </p:cNvPicPr>
+          <p:nvPr/>
+        </p:nvPicPr>
+        <p:blipFill>
+          <a:blip r:embed="rId3">
+            <a:extLst>
+              <a:ext uri="{28A0092B-C50C-407E-A947-70E740481C1C}">
+                <a14:useLocalDpi xmlns:a14="http://schemas.microsoft.com/office/drawing/2010/main" val="0"/>
+              </a:ext>
+            </a:extLst>
+          </a:blip>
+          <a:stretch>
+            <a:fillRect/>
+          </a:stretch>
+        </p:blipFill>
+        <p:spPr>
+          <a:xfrm>
+            <a:off x="1101708" y="5486804"/>
+            <a:ext cx="1219209" cy="1219209"/>
+          </a:xfrm>
+          <a:prstGeom prst="rect">
+            <a:avLst/>
+          </a:prstGeom>
+        </p:spPr>
+      </p:pic>
+      <p:grpSp>
+        <p:nvGrpSpPr>
+          <p:cNvPr id="11" name="Group 10">
+            <a:extLst>
+              <a:ext uri="{FF2B5EF4-FFF2-40B4-BE49-F238E27FC236}">
+                <a16:creationId xmlns:a16="http://schemas.microsoft.com/office/drawing/2014/main" id="{43EA8AA4-AAA1-49F7-8C34-DA88A460E967}"/>
+              </a:ext>
+            </a:extLst>
+          </p:cNvPr>
+          <p:cNvGrpSpPr/>
+          <p:nvPr/>
+        </p:nvGrpSpPr>
+        <p:grpSpPr>
+          <a:xfrm>
+            <a:off x="10579506" y="5618730"/>
+            <a:ext cx="1021572" cy="955356"/>
+            <a:chOff x="9124950" y="1397319"/>
+            <a:chExt cx="1518216" cy="1419809"/>
+          </a:xfrm>
+        </p:grpSpPr>
+        <p:pic>
+          <p:nvPicPr>
+            <p:cNvPr id="9" name="Picture 8">
+              <a:extLst>
+                <a:ext uri="{FF2B5EF4-FFF2-40B4-BE49-F238E27FC236}">
+                  <a16:creationId xmlns:a16="http://schemas.microsoft.com/office/drawing/2014/main" id="{48CC9875-A615-4C59-BD77-B03E0FE0BB48}"/>
+                </a:ext>
+              </a:extLst>
+            </p:cNvPr>
+            <p:cNvPicPr>
+              <a:picLocks noChangeAspect="1"/>
+            </p:cNvPicPr>
+            <p:nvPr/>
+          </p:nvPicPr>
+          <p:blipFill>
+            <a:blip r:embed="rId4">
+              <a:extLst>
+                <a:ext uri="{BEBA8EAE-BF5A-486C-A8C5-ECC9F3942E4B}">
+                  <a14:imgProps xmlns:a14="http://schemas.microsoft.com/office/drawing/2010/main">
+                    <a14:imgLayer r:embed="rId5">
+                      <a14:imgEffect>
+                        <a14:backgroundRemoval t="8917" b="94268" l="10000" r="90000">
+                          <a14:foregroundMark x1="12222" y1="16561" x2="12222" y2="16561"/>
+                          <a14:foregroundMark x1="60000" y1="10191" x2="60000" y2="10191"/>
+                          <a14:foregroundMark x1="43333" y1="34395" x2="43333" y2="34395"/>
+                          <a14:foregroundMark x1="68889" y1="35032" x2="68889" y2="35032"/>
+                          <a14:foregroundMark x1="88889" y1="39490" x2="88889" y2="39490"/>
+                          <a14:foregroundMark x1="88889" y1="55414" x2="88889" y2="55414"/>
+                          <a14:foregroundMark x1="88889" y1="70064" x2="88889" y2="70064"/>
+                          <a14:foregroundMark x1="88889" y1="85987" x2="88889" y2="85987"/>
+                          <a14:foregroundMark x1="67778" y1="92994" x2="67778" y2="92994"/>
+                          <a14:foregroundMark x1="43333" y1="94268" x2="43333" y2="94268"/>
+                        </a14:backgroundRemoval>
+                      </a14:imgEffect>
+                    </a14:imgLayer>
+                  </a14:imgProps>
+                </a:ext>
+              </a:extLst>
+            </a:blip>
+            <a:stretch>
+              <a:fillRect/>
+            </a:stretch>
+          </p:blipFill>
+          <p:spPr>
+            <a:xfrm>
+              <a:off x="10083454" y="1451407"/>
+              <a:ext cx="559712" cy="976387"/>
+            </a:xfrm>
+            <a:prstGeom prst="rect">
+              <a:avLst/>
+            </a:prstGeom>
+          </p:spPr>
+        </p:pic>
+        <p:pic>
+          <p:nvPicPr>
+            <p:cNvPr id="10" name="Picture 9" descr="A picture containing sitting, dark, white, sign&#10;&#10;Description automatically generated">
+              <a:extLst>
+                <a:ext uri="{FF2B5EF4-FFF2-40B4-BE49-F238E27FC236}">
+                  <a16:creationId xmlns:a16="http://schemas.microsoft.com/office/drawing/2014/main" id="{4324C91F-8EA6-41E0-ABCC-EB3CC95E04E2}"/>
+                </a:ext>
+              </a:extLst>
+            </p:cNvPr>
+            <p:cNvPicPr>
+              <a:picLocks noChangeAspect="1"/>
+            </p:cNvPicPr>
+            <p:nvPr/>
+          </p:nvPicPr>
+          <p:blipFill>
+            <a:blip r:embed="rId6">
+              <a:extLst>
+                <a:ext uri="{28A0092B-C50C-407E-A947-70E740481C1C}">
+                  <a14:useLocalDpi xmlns:a14="http://schemas.microsoft.com/office/drawing/2010/main" val="0"/>
+                </a:ext>
+              </a:extLst>
+            </a:blip>
+            <a:stretch>
+              <a:fillRect/>
+            </a:stretch>
+          </p:blipFill>
+          <p:spPr>
+            <a:xfrm>
+              <a:off x="9124950" y="1397319"/>
+              <a:ext cx="1419809" cy="1419809"/>
+            </a:xfrm>
+            <a:prstGeom prst="rect">
+              <a:avLst/>
+            </a:prstGeom>
+          </p:spPr>
+        </p:pic>
+      </p:grpSp>
+    </p:spTree>
+    <p:extLst>
+      <p:ext uri="{BB962C8B-B14F-4D97-AF65-F5344CB8AC3E}">
+        <p14:creationId xmlns:p14="http://schemas.microsoft.com/office/powerpoint/2010/main" val="1398610190"/>
       </p:ext>
     </p:extLst>
   </p:cSld>
